--- a/day 2/SAC_Training Day 2.pptx
+++ b/day 2/SAC_Training Day 2.pptx
@@ -2867,6 +2867,52 @@
 </dgm:styleDef>
 </file>
 
+<file path=ppt/ink/ink1.xml><?xml version="1.0" encoding="utf-8"?>
+<inkml:ink xmlns:inkml="http://www.w3.org/2003/InkML">
+  <inkml:definitions>
+    <inkml:context xml:id="ctx0">
+      <inkml:inkSource xml:id="inkSrc0">
+        <inkml:traceFormat>
+          <inkml:channel name="X" type="integer" max="1920" units="cm"/>
+          <inkml:channel name="Y" type="integer" max="1080" units="cm"/>
+          <inkml:channel name="T" type="integer" max="2.14748E9" units="dev"/>
+        </inkml:traceFormat>
+        <inkml:channelProperties>
+          <inkml:channelProperty channel="X" name="resolution" value="55.81395" units="1/cm"/>
+          <inkml:channelProperty channel="Y" name="resolution" value="55.6701" units="1/cm"/>
+          <inkml:channelProperty channel="T" name="resolution" value="1" units="1/dev"/>
+        </inkml:channelProperties>
+      </inkml:inkSource>
+      <inkml:timestamp xml:id="ts0" timeString="2021-11-16T03:59:27.780"/>
+    </inkml:context>
+    <inkml:brush xml:id="br0">
+      <inkml:brushProperty name="width" value="0.05" units="cm"/>
+      <inkml:brushProperty name="height" value="0.05" units="cm"/>
+      <inkml:brushProperty name="fitToCurve" value="1"/>
+    </inkml:brush>
+  </inkml:definitions>
+  <inkml:trace contextRef="#ctx0" brushRef="#br0">1503 6413 0,'0'21'31,"0"1"110,0-44-126,0 1 1,0-42-16,0 20 16,0-63-16,-21 22 15,21 63-15,-42-127 16,20 105-16,1-84 16,0 21-16,-21-21 15,21 43-15,-22-22 16,1 21-16,-22-42 15,64 64-15,-84-43 16,63 21-16,-22-42 16,1 43-16,21-1 15,-22 42-15,1-41 16,21 20-16,-21 1 16,-22-22-16,43 22 15,-43-22 1,43 21-16,0 22 15,-42-64-15,42 64 0,-1-64 16,-41-21 0,42 85-16,-43-43 15,43 22-15,-21-22 16,21 21-16,-22 43 16,43 0-16,0-21 15,-21 21-15,0-22 16,-22 1-16,43 21 15,-21 0-15,21-43 16,0 22 0,-21-43-16,0 85 15,0-42-15,21 21 16,0-1 0,-21-20-16,21 21 15,0 0 1,0 0-1,0 0-15,-43-22 32,86 43 249,-22 0-281,0 0 16,64 0-16,-1 0 15,22 43-15,21-22 16,-21 0-16,0 0 15,127 21-15,-85-42 16,21 43 0,-21-22-16,64 0 0,-64-21 15,21 85 1,-63-64-16,85 63 16,-128-62-16,64-1 15,22 0-15,-86 21 16,43-20-16,0-1 15,84 63-15,-42-63 16,-21 1-16,64 62 16,-106-62-16,63-1 15,42 63-15,-84-63 16,42 1-16,0 20 16,0 22-16,22-22 15,-22 42-15,0-62 16,43 62-16,-86-62 15,65 20-15,-1 21 16,-21-42-16,22 22 16,-65 20-16,23-41 15,-23-1-15,1 0 16,127 63-16,-127-62 16,42-1-16,85 42 15,-64-41-15,-42-22 16,-21 21-1,0-21-15,-22 0 16,1 0-16,-64 0 16,43 0-16,-43 0 15,0 0-15,22 0 16,-22 0 125,21-21-126,-21-1 1,0 1-16,0 21 15,-21-63-15,43 20 16,-22 22-16,0-63 16,43-22-1,-43 0-15,21 21 0,43-63 16,-43 21 0,64-42-16,-85 63 15,64-21-15,-43 0 16,1 42-16,20-21 15,0 0-15,-20 22 16,20-43-16,-41 63 16,-1-20-16,-21 41 15,21-41-15,21 20 16,-21 22-16,0-22 16,1-20-16,41-43 15,-42 84-15,64-84 16,-85 64-16,106-22 15,-85 22-15,0 20 16,22-20 0,-22-1-16,0 1 0,0 20 15,21-41-15,-21 63 16,1-64-16,-1 43 16,0-22-16,0 1 15,0 20-15,1 1 16,-22 21-16,42-22 15,-21 1-15,0-21 16,0-1-16,22 1 16,-22 41-1,-21-20-15,21 0 16,21 21-16,-20-22 16,-22 1-16,63 21 15,-21 0-15,-42-1 16,21 1-16,1 0 15,-22-21-15,21 21 16,0 21 0,-21-21-16,0-1 15,21 1 1,-21 0 31,21 0 15,1 0 79,41 63-110,-42 22-31,21 20 16,22 43-16,0 21 15,-22-42-15,21 21 16,22 0-16,21 64 16,-64-107-16,64 86 15,-64-86-15,43 43 16,-43-42-16,1 0 16,-1-1-16,-21-41 15,22 63-15,-1-64 16,-21 21-16,42 43 15,-41-42-15,-1 20 16,42 1-16,-20 0 16,41 42-16,-84-85 15,85 43 1,-85-64-16,42 106 0,1-106 16,-1 64-1,-21-43-15,43 43 16,-43-22-16,0-20 15,21 20-15,-20-63 16,-22 42-16,0-21 16,21 1-16,0 20 15,21-21-15,-42 22 16,21 20-16,22-21 16,-22-42-16,0 43 15,-21-22-15,0 0 16,42 21-1,-20-42-15,-22 22 16,0-1-16,63 42 16,-42-21-1,-21-20-15,21-1 16,-21 0 0,43 21 15,-22-20-31,-21-1 31,0 0-31,21 0 16,-21 0-1,42 21 1,-42-20 0,0-1-1,22-21-15,-22 21 31,0 0-31,21 0 110,21-42-110,0-42 15,22 20-15,-1 22 16,1-42-16,20 20 16,1-20-16,42 20 15,0-41-15,64-22 16,-107 85-16,22-22 16,85-20-16,-43 42 15,63 0-15,-20 0 16,0-43-16,-43 43 15,63 21 1,-62-21-16,-1-1 16,21 22-16,22-63 15,-1 42-15,-21 0 16,22-22-16,63 1 16,-106 21-16,21-22 15,22 22-15,21-21 16,20 0-16,44 21 15,-22 21-15,-22-22 16,-41 22-16,63 0 16,-43 0-16,1-63 15,-21 42-15,-22-1 16,-21-20-16,85 0 16,-64 42-16,-21-64 15,43 43-15,-43-42 16,-21 20-16,21 22 15,-42-42-15,21 42 16,-21-1-16,85-41 16,-43 20-16,-64 22 15,64-42-15,1 42 16,-22-22 0,63-20-16,-42 42 15,0-1-15,22 22 16,-86-21-16,22 21 15,-21 0-15,0-42 16,-64 42-16,0 0 16,21 0-16,-20-21 15,-1 21 126,-21 21-110,0 0-31,0 0 16,0 0-16,0 1 15,0 41-15,-43 1 16,1-1-16,-22 22 16,22-22-1,-21 22-15,20-43 16,-20 22-16,20 21 16,-41 20-16,20-41 15,22-22-15,-43 43 16,22-43-16,-22 22 15,22-22-15,-43 22 16,0-1-16,21 0 16,22-20-16,-22 63 15,22-64-15,-1 0 16,-42 43-16,43-43 16,-22 43-16,-21 0 15,22-43-15,-1 43 16,22-64-16,-22 42 15,21-20-15,-20 63 16,41-106-16,-41 84 16,20-63-16,1 43 15,-22-22-15,0 1 16,43-1-16,-43 21 16,22-20-16,20-1 15,-62 22-15,20-22 16,-42 42-16,-21 22 15,63-63 1,-84 20-16,63 22 16,0-22-16,0-20 15,1 41-15,83-63 16,-41-21-16,-1 64 16,22-43-16,-21 22 15,20-1-15,1 0 16,-22-21-16,22 0 15,-21 22-15,20 20 16,1-41-16,-22 62 16,1-42-16,21 1 15,-22-1-15,0 1 16,22-1 0,0-21-1,21-21-15,0 21 16,21 0-16,-22-21 15,1 21 1,0-21 0,0 43-1,0-43-15,-1 21 16,44 0 187,62 43-187,-41-22-16,41 43 15,43 21-15,0 20 16,-21-20-16,63 21 16,-41 43-16,-2-43 15,2 0-15,83 63 16,-84-63-16,21 21 15,22 43-15,-22-64 16,-85 0 0,43 0-16,-21-21 15,21 42-15,-43-21 16,1 0-16,-43-43 16,63 22-16,-41-42 15,20 63-15,1-21 16,20 21-16,-41 0 15,20-43-15,-20 1 16,41 21-16,-63-43 16,85 43-16,-84-42 15,41 41-15,-42-62 16,43 63-16,-22-22 16,-21 1-16,43 21 15,-43-85-15,21 106 16,0-106-16,-20 22 15,-22-22-15,21-21 16,0 63-16,-21-42 16,21 0-1,-21 1-15,21-1 32,-21 0 46,-21 0 47,-21-21-110,-64 0-15,0 0 16,0 0-16,-105 0 16,41-21-16,-20-21 15,-22 20-15,-21-20 16,64 21-16,-21-21 15,41 42-15,-20-43 16,-21 43-16,41-21 16,1 21-16,-63-21 15,62-21-15,-41-1 16,-22 22 0,106 0-16,-42-21 15,0-1-15,21 43 16,63-21-16,-84 21 15,21-21-15,-42-21 16,21 20-16,0 22 16,-43-63-16,43 21 15,-43-22-15,1 43 16,-22-64-16,64 64 16,-64 0-16,64 21 15,0-63-15,-42 41 16,84 22-16,-42-21 15,21 0-15,-22-64 16,-20 85-16,-21-21 16,84 0-16,-127-64 15,64 64-15,42 0 16,-21-43-16,-1 22 16,22 21-16,21-42 15,-84-1-15,63 0 16,-21 22-16,21 21 15,21-21-15,21 21 16,22-1-16,-43 1 16,21-21-1,-42-1-15,21 22 16,-84-42-16,105 42 16,-126-43-16,63 22 15,-85-22-15,63 43 16,-63-63-16,64 62 15,21-20-15,21 0 16,42 20-16,1 1 16,20 21-16,1-21 15,-1-42-15,-20 63 16,-22-21-16,42 21 16,1 0-16,-86-64 15,86 64-15,0 0 16,20-21-16,-20 21 15,41 0-15,1 0 16,-63 0-16,41 0 31,43-21-31,-21 21 282,0 0-267,0 21-15,0 0 16,-22 21-16,1 1 15,21-22-15,0 0 16,-43 21-16,22-21 16,-43 43-16,22-22 15,-1 1-15,-21 20 16,1-42 0,-1 43-16,-42-1 15,42 1-15,1-22 16,-22 22-16,0-1 15,-21 1-15,43-22 16,-22 21-16,-42 43 16,84-63-16,-42 41 15,43-63-15,-86 64 16,65-42-16,-43 20 16,0 22-16,0-22 15,-21 43-15,21-21 16,-64-1-16,106-41 15,-20 41-15,41-63 16,-63 64-16,43-64 16,-65 22-16,65-1 15,-22 0-15,0 43 16,-21-64-16,0 22 16,42-1-16,-21 0 15,22 0-15,-22 43 16,-21-21-16,21-43 15,-42 63-15,63-62 16,1 20-16,-86 0 16,22 22-16,85-43 15,-64 42 1,63-41-16,-42-1 16,43 42-16,-22-41 15,1-1-15,-44 42 16,23 1-16,20-22 15,-42 0-15,0 22 16,21-64-16,-21 63 16,64-63-16,-1 21 15,-20-21-15,-22 22 16,42-1-16,43-21 16,-21 0-1,-1 21-15,22-21 16,-42 21-1,-1-21 1,43 0-16,0 0 16,-21 21-16,20 1 15,-84-22-15,85 0 16,0 0-16,0 0 16,-64 21-16,22 0 15,20-21-15,22 0 16,-21 42-16,21-42 15,0 0 1,-43 0-16,1 21 16,41-21-1,-20 0-15,21 0 16,0 0-16,0 0 16,0 0 62,-1 0-63,1 0 1,0 0 78,0-21-79,21-42-15,42-1 16,1 22 0,20-43-16,-21 22 0,1-22 15,-1 21 1,85-84-16,-21-21 15,21 21-15,-21 21 16,-43 0-16,43-64 16,-21 22-16,-22 84 15,22 1-15,-22-22 16,1 21-16,-22-42 16,43 43-16,21-86 15,-64 128-15,-21 0 16,64-86-16,-85 65 15,63-43-15,-42 85 16,64-106-16,-64 64 16,1 20-1,20-42-15,0 64 16,-21-42-16,0-1 16,22 22-16,-22-43 15,21 64-15,1-63 16,-22 20-16,21 22 15,0-43-15,1 22 16,-22 20-16,21-42 16,1 22-1,-1 0-15,-21-22 16,43 21-16,-43 1 16,42-43-16,-20 42 15,-22 22-15,42-64 16,43-21-16,-63 43 15,62-43-15,-62 42 16,20-42-16,-20 85 16,-1-43-16,-21 64 15,0-21-15,-21 20 16,106-84-16,-85 64 16,0 0-1,1 42-15,-1-64 16,-21 22-16,42 21 15,-42 0 1,21-1-16,-42 22 141,-42 0-126,-22 0-15,64 0 16,-64 22-16,-21-22 16,21 0-16,-20 0 15,84 0-15,-64 0 16,21 0-16,43 0 15,-21 0-15,0 0 16,-1 0-16,1-22 16,-1 1-16,1 21 15,21 0-15,-42-21 16,20-21-16,-20 21 16,-1 21-16,1-21 15,63-1-15,-64 1 16,43 21-16,0-21 15,-43 0-15,43 0 16,-42 21-16,20-22 16,43 1-16,-42 0 15,0 0 1,20 0 0,-20 0-16,21-1 15,0 22 1,0-21-16,-22 21 15,22-42-15,-42 42 16,20 0-16,22 0 16,-42-21-16,42 21 15,-22-21 1,22 21-16,-21-43 16,20 43-1,1 0-15,0 0 16,-21 0-16,0-21 15,20 21 1,1 0 0,0 0 187,0-21-172</inkml:trace>
+  <inkml:trace contextRef="#ctx0" brushRef="#br0" timeOffset="4236">6139 11578 0,'21'0'16,"-21"21"-16,21-21 0,0 0 16,-21 21-16,21-21 15,-21 21-15,22-21 16,-44 0 46,1 0-62,-21 0 16,21 21-16,-22 1 16,1-1-16,0 0 0,-1 0 15,22 0-15,-21 1 0,21-1 16,-1 0-16,22 0 16,0 0-16,22 0 15,-1 0-15,21-21 16,1 22-16,-1-1 0,21-21 15,-20 21-15,20 0 0,-20 0 16,-1 1-16,0-1 16,-21 0-16,0 0 0,-21 0 15,0 0-15,-21 0 16,-21 1-16,0 20 0,-22-21 16,1 0-16,-1 1 0,1-1 15,-1-21-15,22 21 16,-1-21-16,22 0 0,0-21 15,21 0-15,0-1 16</inkml:trace>
+  <inkml:trace contextRef="#ctx0" brushRef="#br0" timeOffset="4673">6520 11747 0,'-43'0'0,"22"0"0,-21 21 15,21-21-15,-1 0 16,1 0-16,0 0 0,21-21 16,21 21-1,22-21-15,-1 21 0,0-21 16,22 21-16,-1-21 15,1-1-15,-1 1 0,-20 0 16,-1 21-16,-21-21 0,0 21 16,-21-21-16,-21 21 15,0 0-15,-21 0 16,21 0-16,-22 0 0,1 21 16,-1-21-16,1 21 15,21 0-15,0 0 0,0 22 16,21-22-16,0 43 15,0-22-15,21 0 0,0 22 16,0-1-16,0-20 0,0 20 16,1-21-16,-22 1 15,21-1-15,0 0 0,-21-20 16,21-1-16</inkml:trace>
+  <inkml:trace contextRef="#ctx0" brushRef="#br0" timeOffset="5144">7028 11789 0,'0'22'31,"0"-1"-15,0 0-16,0 0 15,0 0-15,0 22 0,0-22 16,0 0-16,0 21 16,0-21-16,0 1 0,0-1 15,0 0-15,0 0 16,0 0-16,21-42 31,-21 0-31,0-21 16,21 20-16,-21-41 0,0 21 15,21-22-15,-21 22 16,21-22-16,1 1 0,-22-1 16,42 22-16,-21 0 0,0-1 15,0 22-15,0 21 16,1 0-16,-1 21 0,0 22 16,0-1-16,0 0 15,-21 22-15,22-22 0,-22 0 16,0 22-16,0-22 0,21 1 15,-21-1-15,0 0 16,0 1-16,0-22 0,0 0 16,-21-21-1</inkml:trace>
+  <inkml:trace contextRef="#ctx0" brushRef="#br0" timeOffset="5844">7049 11916 0,'-42'0'0,"20"0"0,1 0 16,0 0-16,21-21 16,42 0-1,-20 21-15,20-21 16,0 0-16,0 21 16,1-21-16,20-22 0,-20 22 15,20 0-15,-21 0 0,1 0 16,-22-1-16,21 1 15,-20 21-15,-1-21 0,0 0 16,0 21 31,-21 21-31,0 0-16,0 0 15,0 22-15,0-22 0,0 21 16,0 1-16,0-22 15,0 21-15,0 0 0,21-20 16,-21 20-16,0-21 16,0 0-16,21-21 0,-21 22 15,0-44 1,0 1-16,0 0 16,0 0-16,0 0 0,-21-22 15,21 1-15,0-21 16,0-1-16,0 22 0,0-22 15,21 1-15,-21 20 0,21 1 16,1 0-16,-1-1 16,0 22-16,21 21 0,1 0 15,-22 0-15,21 0 16,-21 21-16,0 0 0,1 1 16,-22 20-16,0 0 15,-22-20-15,-41 62 16,21-63-16,-22 22 0,22-22 15,-1 0-15,1-21 16,21 21-16,0 0 0,0-21 16,21 22-16,21-22 15,0 21-15,0 0 16,0-21-16,22 21 0,-22 0 16,0 21-16,0-20 15,0-1-15,1 0 0,-22 0 16,0 0-16</inkml:trace>
+  <inkml:trace contextRef="#ctx0" brushRef="#br0" timeOffset="7389">8742 11303 0,'21'-21'16,"-21"-1"-16,0 1 0,0 0 16,-21 0-16,0 21 0,-21 0 15,21 0-15,-1 0 16,-20 0-16,0 21 0,-1 0 16,22 0-16,-21 22 0,21-22 15,0 0-15,-1 21 16,22-21-16,0 22 0,0-22 15,0 21-15,22-20 16,-1-1-16,21 0 0,-21 0 16,21 0-16,22 0 0,-22 0 15,1-21-15,-1 22 16,0-1-16,-21 0 0,-21 0 16,-21 0-16,-21 1 15,0-1-15,-22 21 0,1-21 16,-1 0-16,1 0 0,-1 1 15,1-22-15,20 21 16,22-21-16,21-21 16,21-1-16</inkml:trace>
+  <inkml:trace contextRef="#ctx0" brushRef="#br0" timeOffset="7631">8869 11620 0,'64'-42'0,"-22"21"15,-21-1-15,22 1 0,-22 0 16,-21 0-16,0 0 0,-21 21 16,-1 0-16,1 0 15,0 21-15,0-21 0,-22 21 16,22 0-16,0 0 16,0 22-16,0-22 0,21 21 15,0-20-15,0 20 0,0-21 16,21 0-16,0 0 15,0 0-15,22 1 0,-22-22 16,21 0-16,1 0 16,-1 0-16</inkml:trace>
+  <inkml:trace contextRef="#ctx0" brushRef="#br0" timeOffset="8010">9271 11345 0,'0'-64'0,"-21"22"16,21 0-16,-21 21 15,21 0-15,0-1 0,-21 22 16,21 22 0,0-1-16,0 21 0,0 0 15,0 1-15,21-1 0,-21 0 16,0 22-16,21-22 16,0 0-16,-21 1 0,21-1 15,1-21-15,-1 1 16,-21-1-16,21 0 0,0-21 15,-21-21-15,0 0 16,21-1-16,-21 1 16,0-21-16,22 21 0,-22-22 15,0 1-15,21 21 16,-21 0-16,21 0 0,0 21 16,0 0-16,0 0 15,-21 21-15,21 21 16,1-21-16,-22 21 0,0-20 15,21 20-15,-21-21 16,21 0-16,-21 1 0,0-1 16,0 0-16</inkml:trace>
+  <inkml:trace contextRef="#ctx0" brushRef="#br0" timeOffset="8341">9716 11578 0,'21'0'0,"-21"-21"16,0 0-1,21 21 1,-21-22 0,21 22-16,1-21 15,-1 0-15,0 0 16,0 0-16,-21-1 0,21 1 16,0 0-16,-21 0 15,0 0-15,0 0 0,-21 21 16,0-21-16,0 21 0,-21-22 15,20 22-15,1 0 16,-21 22-16,21-1 0,-1 0 16,1 0-16,0 21 15,21-21-15,0 22 0,0-1 16,21-21-16,-21 22 0,21-22 16,1 0-16,20 0 15,-21 0-15,22-21 0,-22 0 16,21 0-16</inkml:trace>
+  <inkml:trace contextRef="#ctx0" brushRef="#br0" timeOffset="9312">10097 11281 0,'-21'-21'15,"0"0"1,-1 21-16,22-21 0,0 42 31,22 0-15,-22 0-16,0 1 0,0 20 15,0-21-15,21 22 0,-21-22 16,0 0-16,0 21 16,0-21-16,0 0 15,0-42 1,21 0-1,-21 0-15,0 0 0,21-21 16,-21 20-16,0-20 16,21 0-16,-21 20 0,21-20 15,-21 21-15,21 0 16,1 21-16,-1 0 16,-21 21-16,21 21 15,-21-21-15,0 22 16,21-22-16,-21 21 0,0-20 15,0-1-15,0 0 16,21 0-16,1-21 31,-22-21-31,0 0 16,21 0-16,0-1 0,-21-20 16,21 21-16,0 0 15,0 21-15,0-22 0,22 44 31,-43-1-31,21-21 0,-21 21 16,0 21-16,21-20 0,-21-1 16,21 0-1,1 0-15,-1-21 16,0-21-16,0 21 0,0-21 16,21 0-16,-20-1 15,-1 1-15,0 0 0,0-21 16,0 20-16,-21-20 15,22 21-15,-22 0 0,21-21 16,-21 20-16,0 1 0,0 0 16,-21 0-1,-1 21-15,1 0 16,0 0-16,0 0 16,0 21-16,-1-21 0,1 21 15,0 22-15,0-22 0,21 0 16,-21 0-16,21 0 15,0 21-15,21-20 16,-21-1-16,21-21 16,0 0-16,0 0 0,1 0 15,-1 0-15,0-21 0,0-1 16,0 22-16,-21-42 16,22 21-16,-22 0 0,0 0 15,21 0-15,-21-1 0,0 1 16,0 0-16,0 42 31,0 22-15,21-22-16,-21 0 0,21 21 15,0 0-15,0-20 0,0-1 16,1 0-16,20-21 16,-21 0-16,0 0 0</inkml:trace>
+  <inkml:trace contextRef="#ctx0" brushRef="#br0" timeOffset="11046">7176 12763 0,'-21'0'0,"21"21"16,0 0-16,-21 1 15,21-1-15,0 21 16,0-21-16,0 22 0,21 20 15,-21-21-15,21 1 16,0 20-16,0-20 0,-21-1 16,21-21-16,0 21 0,-21-20 15,0-1-15,22-21 16</inkml:trace>
+  <inkml:trace contextRef="#ctx0" brushRef="#br0" timeOffset="11226">7028 13017 0,'0'-42'0,"-22"21"16,22-22-16,0 1 0,22 21 15,-22-21-15,21 20 16,0 1-16,0 0 0,0 0 16,22 21-16,-22-21 15,21-1-15,0 22 0,-20 0 16,-1 0-16,0 0 0,0 0 15</inkml:trace>
+  <inkml:trace contextRef="#ctx0" brushRef="#br0" timeOffset="11418">7112 13038 0,'0'21'0,"-21"1"0,0-22 15,21 21-15,21-21 31,0 0-31,1 0 16,20-21-16,-21 21 0,21-22 16,-21 1-16,22 21 15,-22 0-15,0-21 0,0 21 16,1 0-16</inkml:trace>
+  <inkml:trace contextRef="#ctx0" brushRef="#br0" timeOffset="11849">7832 12975 0,'-21'0'15,"0"0"-15,-1 0 16,44-21 0,-1 21-1,21-21 1,-21 21-16,22-22 0,-1 1 16,-21 21-16,21-21 15,1 21-15,-22-21 0,0 21 16,0-21-16</inkml:trace>
+  <inkml:trace contextRef="#ctx0" brushRef="#br0" timeOffset="12061">7896 12721 0,'-22'-21'0,"22"42"46,22 0-46,-22 0 16,21 0-16,0 1 0,-21-1 16,21 21-16,0 0 15,0 1-15,0-22 0,-21 21 16,22-21-16,-1 22 16,-21-22-16,21 0 0</inkml:trace>
+  <inkml:trace contextRef="#ctx0" brushRef="#br0" timeOffset="12485">8763 12509 0,'0'-21'0,"-21"0"16,21 42 15,21 0-15,-21 0-16,0 0 0,21 1 16,-21 20-16,22 0 0,-1 1 15,-21-1-15,21 0 16,-21-21-16,21 22 0,0-22 15,-21 21-15</inkml:trace>
+  <inkml:trace contextRef="#ctx0" brushRef="#br0" timeOffset="12828">8488 12679 0,'-42'-22'0,"21"1"16,0 0-16,-1 0 0,22 0 16,0-1-16,0 1 15,22 21-15,20-21 0,0 21 16,0-21-16,1 21 0,20-21 16,1 21-16,-1 0 15,1-21-15,-1 21 0,1 21 16,-22-21-16,0 21 0,1 0 15,-22 0-15,0 0 16,0 22-16,-21-22 0,-21 21 16,0-20-16,0 20 15,0-21-15,-22 21 0,1-21 16,0 1-16,-1-1 0,22 0 16,-21 0-16,-1 0 15,22 1-15,0-1 0</inkml:trace>
+  <inkml:trace contextRef="#ctx0" brushRef="#br0" timeOffset="14274">6668 12742 0,'21'-21'0,"0"21"15,0-21-15,0 21 16,-21-22-1,-21 44 17,0-22-32,0 0 15,0 21-15,0-21 0,0 0 16,-1 0-16,22 21 16,-21-21-16,0 0 0,0 21 15,21 0 16,0 1 1,0-1-32,0 0 15,0 0-15,0 0 16,0 0-16,21-21 16,-21 21-16,21 1 0,0-1 15,1-21 1,-1 0-16,0 21 0,0-21 15,0 0-15,-21 21 16,21 0 0,-21 1-16,0-1 15,0 0 1,0 0-16,-21-21 16,21 21-16,0 0 62,21 0-46,0-21-1,1 0 1,-1 0-16,0 22 16,0-22-16,-21 21 31,-21 0-31,0 0 15,0-21-15,-1 21 16,1 1-16,0-22 0,0 21 16,0 0-16,0-21 15,21 21-15,0 0 16,0 0 0,21 0-16,0 1 15,0-1-15,-21 0 16,42 0-16,-20 0 0,-1 1 15,21-22-15,-21 21 16,1 0-16,20-21 0,-21 21 16,21-21-16,-21 0 15,1 0-15</inkml:trace>
+  <inkml:trace contextRef="#ctx0" brushRef="#br0" timeOffset="15264">9187 12213 0,'0'-21'0,"21"21"16,0 0 0,0 0-16,0 0 15,1 21-15,-1-21 16,21 0-16,-21 0 0,21 21 15,-20-21-15,20 0 16,-21 0-16,0 21 0,1 0 16,-22 1-1,-22-1 1,1-21-16,0 21 0,21 0 16,-21-21-16,0 21 15,-1 0-15,22 0 16,0 1-16,0-1 15,0 0-15,0 0 16,22-21-16,-22 21 16,21-21-1,0 0-15,0 0 16,0 0-16,22 0 0,-22 0 16,0 0-16,0 0 15,0 0-15,0 0 0,1 0 16,-44 0 15,1 0-31,0 22 16,0-22-16,0 21 15,0-21-15,21 21 0,0 0 16,0 0 0,21 0-16,0 0 0,0 22 15,0-22-15,0 0 16,1 0-16,-1 1 0,0-1 15,0 42-15,-21-42 16,-21-21-16,0 21 16,-22 1-16,1-1 0</inkml:trace>
+</inkml:ink>
+</file>
+
 <file path=ppt/notesMasters/notesMaster1.xml><?xml version="1.0" encoding="utf-8"?>
 <p:notesMaster xmlns:a="http://schemas.openxmlformats.org/drawingml/2006/main" xmlns:r="http://schemas.openxmlformats.org/officeDocument/2006/relationships" xmlns:p="http://schemas.openxmlformats.org/presentationml/2006/main">
   <p:cSld>
@@ -2949,7 +2995,7 @@
           <a:p>
             <a:fld id="{4AF2A06D-4991-4208-8C88-4E8BAD69A8B8}" type="datetimeFigureOut">
               <a:rPr lang="en-US" smtClean="0"/>
-              <a:t>12/6/2020</a:t>
+              <a:t>11/16/2021</a:t>
             </a:fld>
             <a:endParaRPr lang="en-US"/>
           </a:p>
@@ -3573,7 +3619,7 @@
           <a:p>
             <a:fld id="{E26E0DA5-0C76-4851-AA82-0B75261F9EB4}" type="datetimeFigureOut">
               <a:rPr lang="en-US" smtClean="0"/>
-              <a:t>12/6/2020</a:t>
+              <a:t>11/16/2021</a:t>
             </a:fld>
             <a:endParaRPr lang="en-US"/>
           </a:p>
@@ -3741,7 +3787,7 @@
           <a:p>
             <a:fld id="{E26E0DA5-0C76-4851-AA82-0B75261F9EB4}" type="datetimeFigureOut">
               <a:rPr lang="en-US" smtClean="0"/>
-              <a:t>12/6/2020</a:t>
+              <a:t>11/16/2021</a:t>
             </a:fld>
             <a:endParaRPr lang="en-US"/>
           </a:p>
@@ -3919,7 +3965,7 @@
           <a:p>
             <a:fld id="{E26E0DA5-0C76-4851-AA82-0B75261F9EB4}" type="datetimeFigureOut">
               <a:rPr lang="en-US" smtClean="0"/>
-              <a:t>12/6/2020</a:t>
+              <a:t>11/16/2021</a:t>
             </a:fld>
             <a:endParaRPr lang="en-US"/>
           </a:p>
@@ -4246,7 +4292,7 @@
             <a:fld id="{9578D6DB-6798-42D2-B9AD-FC6F1C72FC30}" type="datetimeFigureOut">
               <a:rPr lang="en-US" smtClean="0"/>
               <a:pPr/>
-              <a:t>12/6/2020</a:t>
+              <a:t>11/16/2021</a:t>
             </a:fld>
             <a:endParaRPr lang="en-US"/>
           </a:p>
@@ -4488,7 +4534,7 @@
             <a:fld id="{425404F2-BE9A-4460-8815-8F645183555F}" type="datetimeFigureOut">
               <a:rPr lang="en-US" smtClean="0"/>
               <a:pPr/>
-              <a:t>12/6/2020</a:t>
+              <a:t>11/16/2021</a:t>
             </a:fld>
             <a:endParaRPr lang="en-US"/>
           </a:p>
@@ -4616,7 +4662,7 @@
             <a:fld id="{425404F2-BE9A-4460-8815-8F645183555F}" type="datetimeFigureOut">
               <a:rPr lang="en-US" smtClean="0"/>
               <a:pPr/>
-              <a:t>12/6/2020</a:t>
+              <a:t>11/16/2021</a:t>
             </a:fld>
             <a:endParaRPr lang="en-US"/>
           </a:p>
@@ -4866,7 +4912,7 @@
             <a:fld id="{425404F2-BE9A-4460-8815-8F645183555F}" type="datetimeFigureOut">
               <a:rPr lang="en-US" smtClean="0"/>
               <a:pPr/>
-              <a:t>12/6/2020</a:t>
+              <a:t>11/16/2021</a:t>
             </a:fld>
             <a:endParaRPr lang="en-US"/>
           </a:p>
@@ -5036,7 +5082,7 @@
             <a:fld id="{425404F2-BE9A-4460-8815-8F645183555F}" type="datetimeFigureOut">
               <a:rPr lang="en-US" smtClean="0"/>
               <a:pPr/>
-              <a:t>12/6/2020</a:t>
+              <a:t>11/16/2021</a:t>
             </a:fld>
             <a:endParaRPr lang="en-US"/>
           </a:p>
@@ -5323,7 +5369,7 @@
             <a:fld id="{425404F2-BE9A-4460-8815-8F645183555F}" type="datetimeFigureOut">
               <a:rPr lang="en-US" smtClean="0"/>
               <a:pPr/>
-              <a:t>12/6/2020</a:t>
+              <a:t>11/16/2021</a:t>
             </a:fld>
             <a:endParaRPr lang="en-US"/>
           </a:p>
@@ -5744,7 +5790,7 @@
             <a:fld id="{425404F2-BE9A-4460-8815-8F645183555F}" type="datetimeFigureOut">
               <a:rPr lang="en-US" smtClean="0"/>
               <a:pPr/>
-              <a:t>12/6/2020</a:t>
+              <a:t>11/16/2021</a:t>
             </a:fld>
             <a:endParaRPr lang="en-US"/>
           </a:p>
@@ -5869,7 +5915,7 @@
             <a:fld id="{425404F2-BE9A-4460-8815-8F645183555F}" type="datetimeFigureOut">
               <a:rPr lang="en-US" smtClean="0"/>
               <a:pPr/>
-              <a:t>12/6/2020</a:t>
+              <a:t>11/16/2021</a:t>
             </a:fld>
             <a:endParaRPr lang="en-US"/>
           </a:p>
@@ -6095,7 +6141,7 @@
           <a:p>
             <a:fld id="{E26E0DA5-0C76-4851-AA82-0B75261F9EB4}" type="datetimeFigureOut">
               <a:rPr lang="en-US" smtClean="0"/>
-              <a:t>12/6/2020</a:t>
+              <a:t>11/16/2021</a:t>
             </a:fld>
             <a:endParaRPr lang="en-US"/>
           </a:p>
@@ -6219,7 +6265,7 @@
             <a:fld id="{425404F2-BE9A-4460-8815-8F645183555F}" type="datetimeFigureOut">
               <a:rPr lang="en-US" smtClean="0"/>
               <a:pPr/>
-              <a:t>12/6/2020</a:t>
+              <a:t>11/16/2021</a:t>
             </a:fld>
             <a:endParaRPr lang="en-US"/>
           </a:p>
@@ -6766,7 +6812,7 @@
             <a:fld id="{425404F2-BE9A-4460-8815-8F645183555F}" type="datetimeFigureOut">
               <a:rPr lang="en-US" smtClean="0"/>
               <a:pPr/>
-              <a:t>12/6/2020</a:t>
+              <a:t>11/16/2021</a:t>
             </a:fld>
             <a:endParaRPr lang="en-US"/>
           </a:p>
@@ -6914,7 +6960,7 @@
             <a:fld id="{425404F2-BE9A-4460-8815-8F645183555F}" type="datetimeFigureOut">
               <a:rPr lang="en-US" smtClean="0"/>
               <a:pPr/>
-              <a:t>12/6/2020</a:t>
+              <a:t>11/16/2021</a:t>
             </a:fld>
             <a:endParaRPr lang="en-US"/>
           </a:p>
@@ -7147,7 +7193,7 @@
             <a:fld id="{425404F2-BE9A-4460-8815-8F645183555F}" type="datetimeFigureOut">
               <a:rPr lang="en-US" smtClean="0"/>
               <a:pPr/>
-              <a:t>12/6/2020</a:t>
+              <a:t>11/16/2021</a:t>
             </a:fld>
             <a:endParaRPr lang="en-US"/>
           </a:p>
@@ -7385,7 +7431,7 @@
             <a:fld id="{425404F2-BE9A-4460-8815-8F645183555F}" type="datetimeFigureOut">
               <a:rPr lang="en-US" smtClean="0"/>
               <a:pPr/>
-              <a:t>12/6/2020</a:t>
+              <a:t>11/16/2021</a:t>
             </a:fld>
             <a:endParaRPr lang="en-US"/>
           </a:p>
@@ -7567,7 +7613,7 @@
             <a:fld id="{425404F2-BE9A-4460-8815-8F645183555F}" type="datetimeFigureOut">
               <a:rPr lang="en-US" smtClean="0"/>
               <a:pPr/>
-              <a:t>12/6/2020</a:t>
+              <a:t>11/16/2021</a:t>
             </a:fld>
             <a:endParaRPr lang="en-US"/>
           </a:p>
@@ -7844,7 +7890,7 @@
             <a:fld id="{425404F2-BE9A-4460-8815-8F645183555F}" type="datetimeFigureOut">
               <a:rPr lang="en-US" smtClean="0"/>
               <a:pPr/>
-              <a:t>12/6/2020</a:t>
+              <a:t>11/16/2021</a:t>
             </a:fld>
             <a:endParaRPr lang="en-US"/>
           </a:p>
@@ -8098,7 +8144,7 @@
             <a:fld id="{425404F2-BE9A-4460-8815-8F645183555F}" type="datetimeFigureOut">
               <a:rPr lang="en-US" smtClean="0"/>
               <a:pPr/>
-              <a:t>12/6/2020</a:t>
+              <a:t>11/16/2021</a:t>
             </a:fld>
             <a:endParaRPr lang="en-US"/>
           </a:p>
@@ -8268,7 +8314,7 @@
             <a:fld id="{425404F2-BE9A-4460-8815-8F645183555F}" type="datetimeFigureOut">
               <a:rPr lang="en-US" smtClean="0"/>
               <a:pPr/>
-              <a:t>12/6/2020</a:t>
+              <a:t>11/16/2021</a:t>
             </a:fld>
             <a:endParaRPr lang="en-US"/>
           </a:p>
@@ -8448,7 +8494,7 @@
             <a:fld id="{425404F2-BE9A-4460-8815-8F645183555F}" type="datetimeFigureOut">
               <a:rPr lang="en-US" smtClean="0"/>
               <a:pPr/>
-              <a:t>12/6/2020</a:t>
+              <a:t>11/16/2021</a:t>
             </a:fld>
             <a:endParaRPr lang="en-US"/>
           </a:p>
@@ -8694,7 +8740,7 @@
           <a:p>
             <a:fld id="{E26E0DA5-0C76-4851-AA82-0B75261F9EB4}" type="datetimeFigureOut">
               <a:rPr lang="en-US" smtClean="0"/>
-              <a:t>12/6/2020</a:t>
+              <a:t>11/16/2021</a:t>
             </a:fld>
             <a:endParaRPr lang="en-US"/>
           </a:p>
@@ -8923,7 +8969,7 @@
           <a:p>
             <a:fld id="{E26E0DA5-0C76-4851-AA82-0B75261F9EB4}" type="datetimeFigureOut">
               <a:rPr lang="en-US" smtClean="0"/>
-              <a:t>12/6/2020</a:t>
+              <a:t>11/16/2021</a:t>
             </a:fld>
             <a:endParaRPr lang="en-US"/>
           </a:p>
@@ -9287,7 +9333,7 @@
           <a:p>
             <a:fld id="{E26E0DA5-0C76-4851-AA82-0B75261F9EB4}" type="datetimeFigureOut">
               <a:rPr lang="en-US" smtClean="0"/>
-              <a:t>12/6/2020</a:t>
+              <a:t>11/16/2021</a:t>
             </a:fld>
             <a:endParaRPr lang="en-US"/>
           </a:p>
@@ -9404,7 +9450,7 @@
           <a:p>
             <a:fld id="{E26E0DA5-0C76-4851-AA82-0B75261F9EB4}" type="datetimeFigureOut">
               <a:rPr lang="en-US" smtClean="0"/>
-              <a:t>12/6/2020</a:t>
+              <a:t>11/16/2021</a:t>
             </a:fld>
             <a:endParaRPr lang="en-US"/>
           </a:p>
@@ -9499,7 +9545,7 @@
           <a:p>
             <a:fld id="{E26E0DA5-0C76-4851-AA82-0B75261F9EB4}" type="datetimeFigureOut">
               <a:rPr lang="en-US" smtClean="0"/>
-              <a:t>12/6/2020</a:t>
+              <a:t>11/16/2021</a:t>
             </a:fld>
             <a:endParaRPr lang="en-US"/>
           </a:p>
@@ -9774,7 +9820,7 @@
           <a:p>
             <a:fld id="{E26E0DA5-0C76-4851-AA82-0B75261F9EB4}" type="datetimeFigureOut">
               <a:rPr lang="en-US" smtClean="0"/>
-              <a:t>12/6/2020</a:t>
+              <a:t>11/16/2021</a:t>
             </a:fld>
             <a:endParaRPr lang="en-US"/>
           </a:p>
@@ -10026,7 +10072,7 @@
           <a:p>
             <a:fld id="{E26E0DA5-0C76-4851-AA82-0B75261F9EB4}" type="datetimeFigureOut">
               <a:rPr lang="en-US" smtClean="0"/>
-              <a:t>12/6/2020</a:t>
+              <a:t>11/16/2021</a:t>
             </a:fld>
             <a:endParaRPr lang="en-US"/>
           </a:p>
@@ -10237,7 +10283,7 @@
           <a:p>
             <a:fld id="{E26E0DA5-0C76-4851-AA82-0B75261F9EB4}" type="datetimeFigureOut">
               <a:rPr lang="en-US" smtClean="0"/>
-              <a:t>12/6/2020</a:t>
+              <a:t>11/16/2021</a:t>
             </a:fld>
             <a:endParaRPr lang="en-US"/>
           </a:p>
@@ -10794,7 +10840,7 @@
             <a:fld id="{425404F2-BE9A-4460-8815-8F645183555F}" type="datetimeFigureOut">
               <a:rPr lang="en-US" smtClean="0"/>
               <a:pPr/>
-              <a:t>12/6/2020</a:t>
+              <a:t>11/16/2021</a:t>
             </a:fld>
             <a:endParaRPr lang="en-US"/>
           </a:p>
@@ -14491,3190 +14537,1562 @@
           </a:fontRef>
         </p:style>
       </p:cxnSp>
-      <p:grpSp>
-        <p:nvGrpSpPr>
-          <p:cNvPr id="19" name="Group 18">
+      <p:graphicFrame>
+        <p:nvGraphicFramePr>
+          <p:cNvPr id="7" name="Table 6">
             <a:extLst>
               <a:ext uri="{FF2B5EF4-FFF2-40B4-BE49-F238E27FC236}">
-                <a16:creationId xmlns:a16="http://schemas.microsoft.com/office/drawing/2014/main" id="{CB2A795E-944B-45F8-89A7-5C5EE2B4FD63}"/>
+                <a16:creationId xmlns:a16="http://schemas.microsoft.com/office/drawing/2014/main" id="{8E6965A7-A92A-448F-973B-6F1A1C3CD350}"/>
               </a:ext>
             </a:extLst>
           </p:cNvPr>
-          <p:cNvGrpSpPr/>
-          <p:nvPr/>
-        </p:nvGrpSpPr>
-        <p:grpSpPr>
-          <a:xfrm>
-            <a:off x="1981200" y="1295400"/>
-            <a:ext cx="7643192" cy="2019282"/>
-            <a:chOff x="1979612" y="1295400"/>
-            <a:chExt cx="7643192" cy="2019282"/>
-          </a:xfrm>
-        </p:grpSpPr>
-        <p:sp>
-          <p:nvSpPr>
-            <p:cNvPr id="2" name="Rectangle 1">
-              <a:extLst>
-                <a:ext uri="{FF2B5EF4-FFF2-40B4-BE49-F238E27FC236}">
-                  <a16:creationId xmlns:a16="http://schemas.microsoft.com/office/drawing/2014/main" id="{C3D865EF-900A-490D-AEFF-313A97FA4428}"/>
-                </a:ext>
-              </a:extLst>
-            </p:cNvPr>
-            <p:cNvSpPr/>
-            <p:nvPr/>
-          </p:nvSpPr>
-          <p:spPr>
-            <a:xfrm>
-              <a:off x="1979612" y="1295400"/>
-              <a:ext cx="1905000" cy="838191"/>
-            </a:xfrm>
-            <a:prstGeom prst="rect">
-              <a:avLst/>
-            </a:prstGeom>
-          </p:spPr>
-          <p:style>
-            <a:lnRef idx="2">
-              <a:schemeClr val="accent1">
-                <a:shade val="50000"/>
-              </a:schemeClr>
-            </a:lnRef>
-            <a:fillRef idx="1">
-              <a:schemeClr val="accent1"/>
-            </a:fillRef>
-            <a:effectRef idx="0">
-              <a:schemeClr val="accent1"/>
-            </a:effectRef>
-            <a:fontRef idx="minor">
-              <a:schemeClr val="lt1"/>
-            </a:fontRef>
-          </p:style>
-          <p:txBody>
-            <a:bodyPr rtlCol="0" anchor="ctr"/>
-            <a:lstStyle/>
-            <a:p>
-              <a:pPr algn="ctr" defTabSz="1218987"/>
-              <a:r>
-                <a:rPr lang="en-US" sz="2400" dirty="0">
-                  <a:solidFill>
-                    <a:prstClr val="white"/>
-                  </a:solidFill>
-                  <a:latin typeface="Calibri"/>
-                </a:rPr>
-                <a:t>Miami</a:t>
-              </a:r>
-            </a:p>
-          </p:txBody>
-        </p:sp>
-        <p:sp>
-          <p:nvSpPr>
-            <p:cNvPr id="3" name="Rectangle 2">
-              <a:extLst>
-                <a:ext uri="{FF2B5EF4-FFF2-40B4-BE49-F238E27FC236}">
-                  <a16:creationId xmlns:a16="http://schemas.microsoft.com/office/drawing/2014/main" id="{3ABC3408-D9D6-4ECA-971C-53AC6E992D63}"/>
-                </a:ext>
-              </a:extLst>
-            </p:cNvPr>
-            <p:cNvSpPr/>
-            <p:nvPr/>
-          </p:nvSpPr>
-          <p:spPr>
-            <a:xfrm>
-              <a:off x="1979612" y="2438391"/>
-              <a:ext cx="1905000" cy="838191"/>
-            </a:xfrm>
-            <a:prstGeom prst="rect">
-              <a:avLst/>
-            </a:prstGeom>
-          </p:spPr>
-          <p:style>
-            <a:lnRef idx="2">
-              <a:schemeClr val="accent1">
-                <a:shade val="50000"/>
-              </a:schemeClr>
-            </a:lnRef>
-            <a:fillRef idx="1">
-              <a:schemeClr val="accent1"/>
-            </a:fillRef>
-            <a:effectRef idx="0">
-              <a:schemeClr val="accent1"/>
-            </a:effectRef>
-            <a:fontRef idx="minor">
-              <a:schemeClr val="lt1"/>
-            </a:fontRef>
-          </p:style>
-          <p:txBody>
-            <a:bodyPr rtlCol="0" anchor="ctr"/>
-            <a:lstStyle/>
-            <a:p>
-              <a:pPr algn="ctr" defTabSz="1218987"/>
-              <a:r>
-                <a:rPr lang="en-US" sz="2400" dirty="0">
-                  <a:solidFill>
-                    <a:prstClr val="white"/>
-                  </a:solidFill>
-                  <a:latin typeface="Calibri"/>
-                </a:rPr>
-                <a:t>NYC</a:t>
-              </a:r>
-            </a:p>
-          </p:txBody>
-        </p:sp>
-        <p:sp>
-          <p:nvSpPr>
-            <p:cNvPr id="4" name="Rectangle 3">
-              <a:extLst>
-                <a:ext uri="{FF2B5EF4-FFF2-40B4-BE49-F238E27FC236}">
-                  <a16:creationId xmlns:a16="http://schemas.microsoft.com/office/drawing/2014/main" id="{B6645280-8ADE-4678-987D-EBB3245D2D50}"/>
-                </a:ext>
-              </a:extLst>
-            </p:cNvPr>
-            <p:cNvSpPr/>
-            <p:nvPr/>
-          </p:nvSpPr>
-          <p:spPr>
-            <a:xfrm>
-              <a:off x="7717804" y="1298331"/>
-              <a:ext cx="1905000" cy="838191"/>
-            </a:xfrm>
-            <a:prstGeom prst="rect">
-              <a:avLst/>
-            </a:prstGeom>
-          </p:spPr>
-          <p:style>
-            <a:lnRef idx="2">
-              <a:schemeClr val="accent1">
-                <a:shade val="50000"/>
-              </a:schemeClr>
-            </a:lnRef>
-            <a:fillRef idx="1">
-              <a:schemeClr val="accent1"/>
-            </a:fillRef>
-            <a:effectRef idx="0">
-              <a:schemeClr val="accent1"/>
-            </a:effectRef>
-            <a:fontRef idx="minor">
-              <a:schemeClr val="lt1"/>
-            </a:fontRef>
-          </p:style>
-          <p:txBody>
-            <a:bodyPr rtlCol="0" anchor="ctr"/>
-            <a:lstStyle/>
-            <a:p>
-              <a:pPr algn="ctr" defTabSz="1218987"/>
-              <a:r>
-                <a:rPr lang="en-US" sz="2400" dirty="0">
-                  <a:solidFill>
-                    <a:prstClr val="white"/>
-                  </a:solidFill>
-                  <a:latin typeface="Calibri"/>
-                </a:rPr>
-                <a:t>Santa Clara</a:t>
-              </a:r>
-            </a:p>
-          </p:txBody>
-        </p:sp>
-        <p:sp>
-          <p:nvSpPr>
-            <p:cNvPr id="5" name="Rectangle 4">
-              <a:extLst>
-                <a:ext uri="{FF2B5EF4-FFF2-40B4-BE49-F238E27FC236}">
-                  <a16:creationId xmlns:a16="http://schemas.microsoft.com/office/drawing/2014/main" id="{57BC049E-9A90-4377-A04B-5332798715CA}"/>
-                </a:ext>
-              </a:extLst>
-            </p:cNvPr>
-            <p:cNvSpPr/>
-            <p:nvPr/>
-          </p:nvSpPr>
-          <p:spPr>
-            <a:xfrm>
-              <a:off x="7717804" y="2394042"/>
-              <a:ext cx="1905000" cy="838191"/>
-            </a:xfrm>
-            <a:prstGeom prst="rect">
-              <a:avLst/>
-            </a:prstGeom>
-          </p:spPr>
-          <p:style>
-            <a:lnRef idx="2">
-              <a:schemeClr val="accent1">
-                <a:shade val="50000"/>
-              </a:schemeClr>
-            </a:lnRef>
-            <a:fillRef idx="1">
-              <a:schemeClr val="accent1"/>
-            </a:fillRef>
-            <a:effectRef idx="0">
-              <a:schemeClr val="accent1"/>
-            </a:effectRef>
-            <a:fontRef idx="minor">
-              <a:schemeClr val="lt1"/>
-            </a:fontRef>
-          </p:style>
-          <p:txBody>
-            <a:bodyPr rtlCol="0" anchor="ctr"/>
-            <a:lstStyle/>
-            <a:p>
-              <a:pPr algn="ctr" defTabSz="1218987"/>
-              <a:r>
-                <a:rPr lang="en-US" sz="2400" dirty="0">
-                  <a:solidFill>
-                    <a:prstClr val="white"/>
-                  </a:solidFill>
-                  <a:latin typeface="Calibri"/>
-                </a:rPr>
-                <a:t>Kings County</a:t>
-              </a:r>
-            </a:p>
-          </p:txBody>
-        </p:sp>
-        <p:sp>
-          <p:nvSpPr>
-            <p:cNvPr id="6" name="Flowchart: Magnetic Disk 5">
-              <a:extLst>
-                <a:ext uri="{FF2B5EF4-FFF2-40B4-BE49-F238E27FC236}">
-                  <a16:creationId xmlns:a16="http://schemas.microsoft.com/office/drawing/2014/main" id="{E6F5991D-9ECA-47A0-95BF-137A0B4EB99A}"/>
-                </a:ext>
-              </a:extLst>
-            </p:cNvPr>
-            <p:cNvSpPr/>
-            <p:nvPr/>
-          </p:nvSpPr>
-          <p:spPr>
-            <a:xfrm>
-              <a:off x="5077308" y="1562100"/>
-              <a:ext cx="1447800" cy="1752582"/>
-            </a:xfrm>
-            <a:prstGeom prst="flowChartMagneticDisk">
-              <a:avLst/>
-            </a:prstGeom>
-          </p:spPr>
-          <p:style>
-            <a:lnRef idx="2">
-              <a:schemeClr val="accent1">
-                <a:shade val="50000"/>
-              </a:schemeClr>
-            </a:lnRef>
-            <a:fillRef idx="1">
-              <a:schemeClr val="accent1"/>
-            </a:fillRef>
-            <a:effectRef idx="0">
-              <a:schemeClr val="accent1"/>
-            </a:effectRef>
-            <a:fontRef idx="minor">
-              <a:schemeClr val="lt1"/>
-            </a:fontRef>
-          </p:style>
-          <p:txBody>
-            <a:bodyPr rtlCol="0" anchor="ctr"/>
-            <a:lstStyle/>
-            <a:p>
-              <a:pPr algn="ctr" defTabSz="1218987"/>
-              <a:endParaRPr lang="en-US" sz="2400">
-                <a:solidFill>
-                  <a:prstClr val="white"/>
-                </a:solidFill>
-                <a:latin typeface="Calibri"/>
-              </a:endParaRPr>
-            </a:p>
-          </p:txBody>
-        </p:sp>
-        <p:cxnSp>
-          <p:nvCxnSpPr>
-            <p:cNvPr id="10" name="Connector: Elbow 9">
-              <a:extLst>
-                <a:ext uri="{FF2B5EF4-FFF2-40B4-BE49-F238E27FC236}">
-                  <a16:creationId xmlns:a16="http://schemas.microsoft.com/office/drawing/2014/main" id="{C48BB1FF-7CC8-4C38-8E52-1C1F6821CA18}"/>
-                </a:ext>
-              </a:extLst>
-            </p:cNvPr>
-            <p:cNvCxnSpPr>
-              <a:stCxn id="2" idx="3"/>
-            </p:cNvCxnSpPr>
-            <p:nvPr/>
-          </p:nvCxnSpPr>
-          <p:spPr>
-            <a:xfrm>
-              <a:off x="3884612" y="1714496"/>
-              <a:ext cx="1192696" cy="419095"/>
-            </a:xfrm>
-            <a:prstGeom prst="bentConnector3">
-              <a:avLst/>
-            </a:prstGeom>
-            <a:ln>
-              <a:tailEnd type="triangle"/>
-            </a:ln>
-          </p:spPr>
-          <p:style>
-            <a:lnRef idx="1">
-              <a:schemeClr val="accent1"/>
-            </a:lnRef>
-            <a:fillRef idx="0">
-              <a:schemeClr val="accent1"/>
-            </a:fillRef>
-            <a:effectRef idx="0">
-              <a:schemeClr val="accent1"/>
-            </a:effectRef>
-            <a:fontRef idx="minor">
-              <a:schemeClr val="tx1"/>
-            </a:fontRef>
-          </p:style>
-        </p:cxnSp>
-        <p:cxnSp>
-          <p:nvCxnSpPr>
-            <p:cNvPr id="14" name="Connector: Elbow 13">
-              <a:extLst>
-                <a:ext uri="{FF2B5EF4-FFF2-40B4-BE49-F238E27FC236}">
-                  <a16:creationId xmlns:a16="http://schemas.microsoft.com/office/drawing/2014/main" id="{8007C70D-9F80-45C5-8384-6D0E4572A074}"/>
-                </a:ext>
-              </a:extLst>
-            </p:cNvPr>
-            <p:cNvCxnSpPr>
-              <a:stCxn id="3" idx="3"/>
-              <a:endCxn id="6" idx="2"/>
-            </p:cNvCxnSpPr>
-            <p:nvPr/>
-          </p:nvCxnSpPr>
-          <p:spPr>
-            <a:xfrm flipV="1">
-              <a:off x="3884612" y="2438391"/>
-              <a:ext cx="1192696" cy="419096"/>
-            </a:xfrm>
-            <a:prstGeom prst="bentConnector3">
-              <a:avLst/>
-            </a:prstGeom>
-            <a:ln>
-              <a:tailEnd type="triangle"/>
-            </a:ln>
-          </p:spPr>
-          <p:style>
-            <a:lnRef idx="1">
-              <a:schemeClr val="accent1"/>
-            </a:lnRef>
-            <a:fillRef idx="0">
-              <a:schemeClr val="accent1"/>
-            </a:fillRef>
-            <a:effectRef idx="0">
-              <a:schemeClr val="accent1"/>
-            </a:effectRef>
-            <a:fontRef idx="minor">
-              <a:schemeClr val="tx1"/>
-            </a:fontRef>
-          </p:style>
-        </p:cxnSp>
-        <p:cxnSp>
-          <p:nvCxnSpPr>
-            <p:cNvPr id="16" name="Connector: Elbow 15">
-              <a:extLst>
-                <a:ext uri="{FF2B5EF4-FFF2-40B4-BE49-F238E27FC236}">
-                  <a16:creationId xmlns:a16="http://schemas.microsoft.com/office/drawing/2014/main" id="{1FC06799-B20C-4109-9A13-0275C26D811E}"/>
-                </a:ext>
-              </a:extLst>
-            </p:cNvPr>
-            <p:cNvCxnSpPr>
-              <a:stCxn id="4" idx="1"/>
-            </p:cNvCxnSpPr>
-            <p:nvPr/>
-          </p:nvCxnSpPr>
-          <p:spPr>
-            <a:xfrm rot="10800000" flipV="1">
-              <a:off x="6525108" y="1717427"/>
-              <a:ext cx="1192696" cy="455500"/>
-            </a:xfrm>
-            <a:prstGeom prst="bentConnector3">
-              <a:avLst/>
-            </a:prstGeom>
-            <a:ln>
-              <a:tailEnd type="triangle"/>
-            </a:ln>
-          </p:spPr>
-          <p:style>
-            <a:lnRef idx="1">
-              <a:schemeClr val="accent1"/>
-            </a:lnRef>
-            <a:fillRef idx="0">
-              <a:schemeClr val="accent1"/>
-            </a:fillRef>
-            <a:effectRef idx="0">
-              <a:schemeClr val="accent1"/>
-            </a:effectRef>
-            <a:fontRef idx="minor">
-              <a:schemeClr val="tx1"/>
-            </a:fontRef>
-          </p:style>
-        </p:cxnSp>
-        <p:cxnSp>
-          <p:nvCxnSpPr>
-            <p:cNvPr id="18" name="Connector: Elbow 17">
-              <a:extLst>
-                <a:ext uri="{FF2B5EF4-FFF2-40B4-BE49-F238E27FC236}">
-                  <a16:creationId xmlns:a16="http://schemas.microsoft.com/office/drawing/2014/main" id="{E22F5C94-6876-420B-9A47-B1D9F56284B1}"/>
-                </a:ext>
-              </a:extLst>
-            </p:cNvPr>
-            <p:cNvCxnSpPr>
-              <a:stCxn id="5" idx="1"/>
-              <a:endCxn id="6" idx="4"/>
-            </p:cNvCxnSpPr>
-            <p:nvPr/>
-          </p:nvCxnSpPr>
-          <p:spPr>
-            <a:xfrm rot="10800000">
-              <a:off x="6525108" y="2438392"/>
-              <a:ext cx="1192696" cy="374747"/>
-            </a:xfrm>
-            <a:prstGeom prst="bentConnector3">
-              <a:avLst/>
-            </a:prstGeom>
-            <a:ln>
-              <a:tailEnd type="triangle"/>
-            </a:ln>
-          </p:spPr>
-          <p:style>
-            <a:lnRef idx="1">
-              <a:schemeClr val="accent1"/>
-            </a:lnRef>
-            <a:fillRef idx="0">
-              <a:schemeClr val="accent1"/>
-            </a:fillRef>
-            <a:effectRef idx="0">
-              <a:schemeClr val="accent1"/>
-            </a:effectRef>
-            <a:fontRef idx="minor">
-              <a:schemeClr val="tx1"/>
-            </a:fontRef>
-          </p:style>
-        </p:cxnSp>
-      </p:grpSp>
-      <p:grpSp>
-        <p:nvGrpSpPr>
-          <p:cNvPr id="23" name="Group 22">
+          <p:cNvGraphicFramePr>
+            <a:graphicFrameLocks noGrp="1"/>
+          </p:cNvGraphicFramePr>
+          <p:nvPr>
+            <p:extLst>
+              <p:ext uri="{D42A27DB-BD31-4B8C-83A1-F6EECF244321}">
+                <p14:modId xmlns:p14="http://schemas.microsoft.com/office/powerpoint/2010/main" val="2539455986"/>
+              </p:ext>
+            </p:extLst>
+          </p:nvPr>
+        </p:nvGraphicFramePr>
+        <p:xfrm>
+          <a:off x="2946399" y="2483984"/>
+          <a:ext cx="6299202" cy="2346960"/>
+        </p:xfrm>
+        <a:graphic>
+          <a:graphicData uri="http://schemas.openxmlformats.org/drawingml/2006/table">
+            <a:tbl>
+              <a:tblPr firstRow="1" bandRow="1">
+                <a:tableStyleId>{5C22544A-7EE6-4342-B048-85BDC9FD1C3A}</a:tableStyleId>
+              </a:tblPr>
+              <a:tblGrid>
+                <a:gridCol w="1049867">
+                  <a:extLst>
+                    <a:ext uri="{9D8B030D-6E8A-4147-A177-3AD203B41FA5}">
+                      <a16:colId xmlns:a16="http://schemas.microsoft.com/office/drawing/2014/main" val="1204850301"/>
+                    </a:ext>
+                  </a:extLst>
+                </a:gridCol>
+                <a:gridCol w="1049867">
+                  <a:extLst>
+                    <a:ext uri="{9D8B030D-6E8A-4147-A177-3AD203B41FA5}">
+                      <a16:colId xmlns:a16="http://schemas.microsoft.com/office/drawing/2014/main" val="1390646121"/>
+                    </a:ext>
+                  </a:extLst>
+                </a:gridCol>
+                <a:gridCol w="1049867">
+                  <a:extLst>
+                    <a:ext uri="{9D8B030D-6E8A-4147-A177-3AD203B41FA5}">
+                      <a16:colId xmlns:a16="http://schemas.microsoft.com/office/drawing/2014/main" val="3467074400"/>
+                    </a:ext>
+                  </a:extLst>
+                </a:gridCol>
+                <a:gridCol w="1049867">
+                  <a:extLst>
+                    <a:ext uri="{9D8B030D-6E8A-4147-A177-3AD203B41FA5}">
+                      <a16:colId xmlns:a16="http://schemas.microsoft.com/office/drawing/2014/main" val="1265159009"/>
+                    </a:ext>
+                  </a:extLst>
+                </a:gridCol>
+                <a:gridCol w="1049867">
+                  <a:extLst>
+                    <a:ext uri="{9D8B030D-6E8A-4147-A177-3AD203B41FA5}">
+                      <a16:colId xmlns:a16="http://schemas.microsoft.com/office/drawing/2014/main" val="3662968458"/>
+                    </a:ext>
+                  </a:extLst>
+                </a:gridCol>
+                <a:gridCol w="1049867">
+                  <a:extLst>
+                    <a:ext uri="{9D8B030D-6E8A-4147-A177-3AD203B41FA5}">
+                      <a16:colId xmlns:a16="http://schemas.microsoft.com/office/drawing/2014/main" val="3087204769"/>
+                    </a:ext>
+                  </a:extLst>
+                </a:gridCol>
+              </a:tblGrid>
+              <a:tr h="311507">
+                <a:tc>
+                  <a:txBody>
+                    <a:bodyPr/>
+                    <a:lstStyle/>
+                    <a:p>
+                      <a:r>
+                        <a:rPr lang="en-US" sz="1600" dirty="0"/>
+                        <a:t>ORDID</a:t>
+                      </a:r>
+                    </a:p>
+                  </a:txBody>
+                  <a:tcPr/>
+                </a:tc>
+                <a:tc>
+                  <a:txBody>
+                    <a:bodyPr/>
+                    <a:lstStyle/>
+                    <a:p>
+                      <a:r>
+                        <a:rPr lang="en-US" sz="1600" dirty="0"/>
+                        <a:t>CUST</a:t>
+                      </a:r>
+                    </a:p>
+                  </a:txBody>
+                  <a:tcPr/>
+                </a:tc>
+                <a:tc>
+                  <a:txBody>
+                    <a:bodyPr/>
+                    <a:lstStyle/>
+                    <a:p>
+                      <a:r>
+                        <a:rPr lang="en-US" sz="1600" dirty="0"/>
+                        <a:t>PROD</a:t>
+                      </a:r>
+                    </a:p>
+                  </a:txBody>
+                  <a:tcPr/>
+                </a:tc>
+                <a:tc>
+                  <a:txBody>
+                    <a:bodyPr/>
+                    <a:lstStyle/>
+                    <a:p>
+                      <a:r>
+                        <a:rPr lang="en-US" sz="1600" dirty="0"/>
+                        <a:t>QTY</a:t>
+                      </a:r>
+                    </a:p>
+                  </a:txBody>
+                  <a:tcPr>
+                    <a:solidFill>
+                      <a:schemeClr val="accent2"/>
+                    </a:solidFill>
+                  </a:tcPr>
+                </a:tc>
+                <a:tc>
+                  <a:txBody>
+                    <a:bodyPr/>
+                    <a:lstStyle/>
+                    <a:p>
+                      <a:r>
+                        <a:rPr lang="en-US" sz="1600" dirty="0"/>
+                        <a:t>AMT</a:t>
+                      </a:r>
+                    </a:p>
+                  </a:txBody>
+                  <a:tcPr>
+                    <a:solidFill>
+                      <a:schemeClr val="accent2"/>
+                    </a:solidFill>
+                  </a:tcPr>
+                </a:tc>
+                <a:tc>
+                  <a:txBody>
+                    <a:bodyPr/>
+                    <a:lstStyle/>
+                    <a:p>
+                      <a:r>
+                        <a:rPr lang="en-US" sz="1600" dirty="0"/>
+                        <a:t>COUNTRY</a:t>
+                      </a:r>
+                    </a:p>
+                  </a:txBody>
+                  <a:tcPr/>
+                </a:tc>
+                <a:extLst>
+                  <a:ext uri="{0D108BD9-81ED-4DB2-BD59-A6C34878D82A}">
+                    <a16:rowId xmlns:a16="http://schemas.microsoft.com/office/drawing/2014/main" val="4284478001"/>
+                  </a:ext>
+                </a:extLst>
+              </a:tr>
+              <a:tr h="311507">
+                <a:tc>
+                  <a:txBody>
+                    <a:bodyPr/>
+                    <a:lstStyle/>
+                    <a:p>
+                      <a:r>
+                        <a:rPr lang="en-US" sz="1600" dirty="0"/>
+                        <a:t>1</a:t>
+                      </a:r>
+                    </a:p>
+                  </a:txBody>
+                  <a:tcPr/>
+                </a:tc>
+                <a:tc>
+                  <a:txBody>
+                    <a:bodyPr/>
+                    <a:lstStyle/>
+                    <a:p>
+                      <a:r>
+                        <a:rPr lang="en-US" sz="1600" dirty="0"/>
+                        <a:t>A</a:t>
+                      </a:r>
+                    </a:p>
+                  </a:txBody>
+                  <a:tcPr/>
+                </a:tc>
+                <a:tc>
+                  <a:txBody>
+                    <a:bodyPr/>
+                    <a:lstStyle/>
+                    <a:p>
+                      <a:r>
+                        <a:rPr lang="en-US" sz="1600" dirty="0"/>
+                        <a:t>P1</a:t>
+                      </a:r>
+                    </a:p>
+                  </a:txBody>
+                  <a:tcPr/>
+                </a:tc>
+                <a:tc>
+                  <a:txBody>
+                    <a:bodyPr/>
+                    <a:lstStyle/>
+                    <a:p>
+                      <a:r>
+                        <a:rPr lang="en-US" sz="1600" dirty="0"/>
+                        <a:t>10</a:t>
+                      </a:r>
+                    </a:p>
+                  </a:txBody>
+                  <a:tcPr>
+                    <a:solidFill>
+                      <a:schemeClr val="accent2"/>
+                    </a:solidFill>
+                  </a:tcPr>
+                </a:tc>
+                <a:tc>
+                  <a:txBody>
+                    <a:bodyPr/>
+                    <a:lstStyle/>
+                    <a:p>
+                      <a:r>
+                        <a:rPr lang="en-US" sz="1600" dirty="0"/>
+                        <a:t>5000</a:t>
+                      </a:r>
+                    </a:p>
+                  </a:txBody>
+                  <a:tcPr>
+                    <a:solidFill>
+                      <a:schemeClr val="accent2"/>
+                    </a:solidFill>
+                  </a:tcPr>
+                </a:tc>
+                <a:tc>
+                  <a:txBody>
+                    <a:bodyPr/>
+                    <a:lstStyle/>
+                    <a:p>
+                      <a:r>
+                        <a:rPr lang="en-US" sz="1600" dirty="0"/>
+                        <a:t>EUR</a:t>
+                      </a:r>
+                    </a:p>
+                  </a:txBody>
+                  <a:tcPr/>
+                </a:tc>
+                <a:extLst>
+                  <a:ext uri="{0D108BD9-81ED-4DB2-BD59-A6C34878D82A}">
+                    <a16:rowId xmlns:a16="http://schemas.microsoft.com/office/drawing/2014/main" val="3479545048"/>
+                  </a:ext>
+                </a:extLst>
+              </a:tr>
+              <a:tr h="311507">
+                <a:tc>
+                  <a:txBody>
+                    <a:bodyPr/>
+                    <a:lstStyle/>
+                    <a:p>
+                      <a:r>
+                        <a:rPr lang="en-US" sz="1600" dirty="0"/>
+                        <a:t>2</a:t>
+                      </a:r>
+                    </a:p>
+                  </a:txBody>
+                  <a:tcPr/>
+                </a:tc>
+                <a:tc>
+                  <a:txBody>
+                    <a:bodyPr/>
+                    <a:lstStyle/>
+                    <a:p>
+                      <a:r>
+                        <a:rPr lang="en-US" sz="1600" dirty="0"/>
+                        <a:t>B</a:t>
+                      </a:r>
+                    </a:p>
+                  </a:txBody>
+                  <a:tcPr/>
+                </a:tc>
+                <a:tc>
+                  <a:txBody>
+                    <a:bodyPr/>
+                    <a:lstStyle/>
+                    <a:p>
+                      <a:r>
+                        <a:rPr lang="en-US" sz="1600" dirty="0"/>
+                        <a:t>P1</a:t>
+                      </a:r>
+                    </a:p>
+                  </a:txBody>
+                  <a:tcPr/>
+                </a:tc>
+                <a:tc>
+                  <a:txBody>
+                    <a:bodyPr/>
+                    <a:lstStyle/>
+                    <a:p>
+                      <a:r>
+                        <a:rPr lang="en-US" sz="1600" dirty="0"/>
+                        <a:t>20</a:t>
+                      </a:r>
+                    </a:p>
+                  </a:txBody>
+                  <a:tcPr>
+                    <a:solidFill>
+                      <a:schemeClr val="accent2"/>
+                    </a:solidFill>
+                  </a:tcPr>
+                </a:tc>
+                <a:tc>
+                  <a:txBody>
+                    <a:bodyPr/>
+                    <a:lstStyle/>
+                    <a:p>
+                      <a:r>
+                        <a:rPr lang="en-US" sz="1600" dirty="0"/>
+                        <a:t>2500</a:t>
+                      </a:r>
+                    </a:p>
+                  </a:txBody>
+                  <a:tcPr>
+                    <a:solidFill>
+                      <a:schemeClr val="accent2"/>
+                    </a:solidFill>
+                  </a:tcPr>
+                </a:tc>
+                <a:tc>
+                  <a:txBody>
+                    <a:bodyPr/>
+                    <a:lstStyle/>
+                    <a:p>
+                      <a:r>
+                        <a:rPr lang="en-US" sz="1600" dirty="0"/>
+                        <a:t>EUR</a:t>
+                      </a:r>
+                    </a:p>
+                  </a:txBody>
+                  <a:tcPr/>
+                </a:tc>
+                <a:extLst>
+                  <a:ext uri="{0D108BD9-81ED-4DB2-BD59-A6C34878D82A}">
+                    <a16:rowId xmlns:a16="http://schemas.microsoft.com/office/drawing/2014/main" val="2116046493"/>
+                  </a:ext>
+                </a:extLst>
+              </a:tr>
+              <a:tr h="311507">
+                <a:tc>
+                  <a:txBody>
+                    <a:bodyPr/>
+                    <a:lstStyle/>
+                    <a:p>
+                      <a:r>
+                        <a:rPr lang="en-US" sz="1600" dirty="0"/>
+                        <a:t>3</a:t>
+                      </a:r>
+                    </a:p>
+                  </a:txBody>
+                  <a:tcPr/>
+                </a:tc>
+                <a:tc>
+                  <a:txBody>
+                    <a:bodyPr/>
+                    <a:lstStyle/>
+                    <a:p>
+                      <a:r>
+                        <a:rPr lang="en-US" sz="1600" dirty="0"/>
+                        <a:t>A</a:t>
+                      </a:r>
+                    </a:p>
+                  </a:txBody>
+                  <a:tcPr/>
+                </a:tc>
+                <a:tc>
+                  <a:txBody>
+                    <a:bodyPr/>
+                    <a:lstStyle/>
+                    <a:p>
+                      <a:r>
+                        <a:rPr lang="en-US" sz="1600" dirty="0"/>
+                        <a:t>P2</a:t>
+                      </a:r>
+                    </a:p>
+                  </a:txBody>
+                  <a:tcPr/>
+                </a:tc>
+                <a:tc>
+                  <a:txBody>
+                    <a:bodyPr/>
+                    <a:lstStyle/>
+                    <a:p>
+                      <a:r>
+                        <a:rPr lang="en-US" sz="1600" dirty="0"/>
+                        <a:t>20</a:t>
+                      </a:r>
+                    </a:p>
+                  </a:txBody>
+                  <a:tcPr>
+                    <a:solidFill>
+                      <a:schemeClr val="accent2"/>
+                    </a:solidFill>
+                  </a:tcPr>
+                </a:tc>
+                <a:tc>
+                  <a:txBody>
+                    <a:bodyPr/>
+                    <a:lstStyle/>
+                    <a:p>
+                      <a:r>
+                        <a:rPr lang="en-US" sz="1600" dirty="0"/>
+                        <a:t>8500</a:t>
+                      </a:r>
+                    </a:p>
+                  </a:txBody>
+                  <a:tcPr>
+                    <a:solidFill>
+                      <a:schemeClr val="accent2"/>
+                    </a:solidFill>
+                  </a:tcPr>
+                </a:tc>
+                <a:tc>
+                  <a:txBody>
+                    <a:bodyPr/>
+                    <a:lstStyle/>
+                    <a:p>
+                      <a:r>
+                        <a:rPr lang="en-US" sz="1600" dirty="0"/>
+                        <a:t>EUR</a:t>
+                      </a:r>
+                    </a:p>
+                  </a:txBody>
+                  <a:tcPr/>
+                </a:tc>
+                <a:extLst>
+                  <a:ext uri="{0D108BD9-81ED-4DB2-BD59-A6C34878D82A}">
+                    <a16:rowId xmlns:a16="http://schemas.microsoft.com/office/drawing/2014/main" val="1976119475"/>
+                  </a:ext>
+                </a:extLst>
+              </a:tr>
+              <a:tr h="311507">
+                <a:tc>
+                  <a:txBody>
+                    <a:bodyPr/>
+                    <a:lstStyle/>
+                    <a:p>
+                      <a:r>
+                        <a:rPr lang="en-US" sz="1600" dirty="0"/>
+                        <a:t>4</a:t>
+                      </a:r>
+                    </a:p>
+                  </a:txBody>
+                  <a:tcPr/>
+                </a:tc>
+                <a:tc>
+                  <a:txBody>
+                    <a:bodyPr/>
+                    <a:lstStyle/>
+                    <a:p>
+                      <a:r>
+                        <a:rPr lang="en-US" sz="1600" dirty="0"/>
+                        <a:t>A</a:t>
+                      </a:r>
+                    </a:p>
+                  </a:txBody>
+                  <a:tcPr/>
+                </a:tc>
+                <a:tc>
+                  <a:txBody>
+                    <a:bodyPr/>
+                    <a:lstStyle/>
+                    <a:p>
+                      <a:r>
+                        <a:rPr lang="en-US" sz="1600" dirty="0"/>
+                        <a:t>P1</a:t>
+                      </a:r>
+                    </a:p>
+                  </a:txBody>
+                  <a:tcPr/>
+                </a:tc>
+                <a:tc>
+                  <a:txBody>
+                    <a:bodyPr/>
+                    <a:lstStyle/>
+                    <a:p>
+                      <a:r>
+                        <a:rPr lang="en-US" sz="1600" dirty="0"/>
+                        <a:t>30</a:t>
+                      </a:r>
+                    </a:p>
+                  </a:txBody>
+                  <a:tcPr>
+                    <a:solidFill>
+                      <a:schemeClr val="accent2"/>
+                    </a:solidFill>
+                  </a:tcPr>
+                </a:tc>
+                <a:tc>
+                  <a:txBody>
+                    <a:bodyPr/>
+                    <a:lstStyle/>
+                    <a:p>
+                      <a:r>
+                        <a:rPr lang="en-US" sz="1600" dirty="0"/>
+                        <a:t>3600</a:t>
+                      </a:r>
+                    </a:p>
+                  </a:txBody>
+                  <a:tcPr>
+                    <a:solidFill>
+                      <a:schemeClr val="accent2"/>
+                    </a:solidFill>
+                  </a:tcPr>
+                </a:tc>
+                <a:tc>
+                  <a:txBody>
+                    <a:bodyPr/>
+                    <a:lstStyle/>
+                    <a:p>
+                      <a:r>
+                        <a:rPr lang="en-US" sz="1600" dirty="0"/>
+                        <a:t>EUR</a:t>
+                      </a:r>
+                    </a:p>
+                  </a:txBody>
+                  <a:tcPr/>
+                </a:tc>
+                <a:extLst>
+                  <a:ext uri="{0D108BD9-81ED-4DB2-BD59-A6C34878D82A}">
+                    <a16:rowId xmlns:a16="http://schemas.microsoft.com/office/drawing/2014/main" val="25726893"/>
+                  </a:ext>
+                </a:extLst>
+              </a:tr>
+              <a:tr h="311507">
+                <a:tc>
+                  <a:txBody>
+                    <a:bodyPr/>
+                    <a:lstStyle/>
+                    <a:p>
+                      <a:r>
+                        <a:rPr lang="en-US" sz="1600" dirty="0"/>
+                        <a:t>5</a:t>
+                      </a:r>
+                    </a:p>
+                  </a:txBody>
+                  <a:tcPr/>
+                </a:tc>
+                <a:tc>
+                  <a:txBody>
+                    <a:bodyPr/>
+                    <a:lstStyle/>
+                    <a:p>
+                      <a:r>
+                        <a:rPr lang="en-US" sz="1600" dirty="0"/>
+                        <a:t>B</a:t>
+                      </a:r>
+                    </a:p>
+                  </a:txBody>
+                  <a:tcPr/>
+                </a:tc>
+                <a:tc>
+                  <a:txBody>
+                    <a:bodyPr/>
+                    <a:lstStyle/>
+                    <a:p>
+                      <a:r>
+                        <a:rPr lang="en-US" sz="1600" dirty="0"/>
+                        <a:t>P3</a:t>
+                      </a:r>
+                    </a:p>
+                  </a:txBody>
+                  <a:tcPr/>
+                </a:tc>
+                <a:tc>
+                  <a:txBody>
+                    <a:bodyPr/>
+                    <a:lstStyle/>
+                    <a:p>
+                      <a:r>
+                        <a:rPr lang="en-US" sz="1600" dirty="0"/>
+                        <a:t>80</a:t>
+                      </a:r>
+                    </a:p>
+                  </a:txBody>
+                  <a:tcPr>
+                    <a:solidFill>
+                      <a:schemeClr val="accent2"/>
+                    </a:solidFill>
+                  </a:tcPr>
+                </a:tc>
+                <a:tc>
+                  <a:txBody>
+                    <a:bodyPr/>
+                    <a:lstStyle/>
+                    <a:p>
+                      <a:r>
+                        <a:rPr lang="en-US" sz="1600" dirty="0"/>
+                        <a:t>9500</a:t>
+                      </a:r>
+                    </a:p>
+                  </a:txBody>
+                  <a:tcPr>
+                    <a:solidFill>
+                      <a:schemeClr val="accent2"/>
+                    </a:solidFill>
+                  </a:tcPr>
+                </a:tc>
+                <a:tc>
+                  <a:txBody>
+                    <a:bodyPr/>
+                    <a:lstStyle/>
+                    <a:p>
+                      <a:r>
+                        <a:rPr lang="en-US" sz="1600" dirty="0"/>
+                        <a:t>EUR</a:t>
+                      </a:r>
+                    </a:p>
+                  </a:txBody>
+                  <a:tcPr/>
+                </a:tc>
+                <a:extLst>
+                  <a:ext uri="{0D108BD9-81ED-4DB2-BD59-A6C34878D82A}">
+                    <a16:rowId xmlns:a16="http://schemas.microsoft.com/office/drawing/2014/main" val="3776105806"/>
+                  </a:ext>
+                </a:extLst>
+              </a:tr>
+              <a:tr h="311507">
+                <a:tc>
+                  <a:txBody>
+                    <a:bodyPr/>
+                    <a:lstStyle/>
+                    <a:p>
+                      <a:r>
+                        <a:rPr lang="en-US" sz="1600" dirty="0"/>
+                        <a:t>6</a:t>
+                      </a:r>
+                    </a:p>
+                  </a:txBody>
+                  <a:tcPr/>
+                </a:tc>
+                <a:tc>
+                  <a:txBody>
+                    <a:bodyPr/>
+                    <a:lstStyle/>
+                    <a:p>
+                      <a:r>
+                        <a:rPr lang="en-US" sz="1600" dirty="0"/>
+                        <a:t>B</a:t>
+                      </a:r>
+                    </a:p>
+                  </a:txBody>
+                  <a:tcPr/>
+                </a:tc>
+                <a:tc>
+                  <a:txBody>
+                    <a:bodyPr/>
+                    <a:lstStyle/>
+                    <a:p>
+                      <a:r>
+                        <a:rPr lang="en-US" sz="1600" dirty="0"/>
+                        <a:t>P3</a:t>
+                      </a:r>
+                    </a:p>
+                  </a:txBody>
+                  <a:tcPr/>
+                </a:tc>
+                <a:tc>
+                  <a:txBody>
+                    <a:bodyPr/>
+                    <a:lstStyle/>
+                    <a:p>
+                      <a:r>
+                        <a:rPr lang="en-US" sz="1600" dirty="0"/>
+                        <a:t>50</a:t>
+                      </a:r>
+                    </a:p>
+                  </a:txBody>
+                  <a:tcPr>
+                    <a:solidFill>
+                      <a:schemeClr val="accent2"/>
+                    </a:solidFill>
+                  </a:tcPr>
+                </a:tc>
+                <a:tc>
+                  <a:txBody>
+                    <a:bodyPr/>
+                    <a:lstStyle/>
+                    <a:p>
+                      <a:r>
+                        <a:rPr lang="en-US" sz="1600" dirty="0"/>
+                        <a:t>7500</a:t>
+                      </a:r>
+                    </a:p>
+                  </a:txBody>
+                  <a:tcPr>
+                    <a:solidFill>
+                      <a:schemeClr val="accent2"/>
+                    </a:solidFill>
+                  </a:tcPr>
+                </a:tc>
+                <a:tc>
+                  <a:txBody>
+                    <a:bodyPr/>
+                    <a:lstStyle/>
+                    <a:p>
+                      <a:r>
+                        <a:rPr lang="en-US" sz="1600" dirty="0"/>
+                        <a:t>EUR</a:t>
+                      </a:r>
+                    </a:p>
+                  </a:txBody>
+                  <a:tcPr/>
+                </a:tc>
+                <a:extLst>
+                  <a:ext uri="{0D108BD9-81ED-4DB2-BD59-A6C34878D82A}">
+                    <a16:rowId xmlns:a16="http://schemas.microsoft.com/office/drawing/2014/main" val="2913266214"/>
+                  </a:ext>
+                </a:extLst>
+              </a:tr>
+            </a:tbl>
+          </a:graphicData>
+        </a:graphic>
+      </p:graphicFrame>
+      <p:sp>
+        <p:nvSpPr>
+          <p:cNvPr id="8" name="TextBox 7">
             <a:extLst>
               <a:ext uri="{FF2B5EF4-FFF2-40B4-BE49-F238E27FC236}">
-                <a16:creationId xmlns:a16="http://schemas.microsoft.com/office/drawing/2014/main" id="{38EF5535-0683-4F09-8079-2C2BA43D31E6}"/>
+                <a16:creationId xmlns:a16="http://schemas.microsoft.com/office/drawing/2014/main" id="{ABD610B4-7E05-4951-8D30-4D1580696386}"/>
               </a:ext>
             </a:extLst>
           </p:cNvPr>
-          <p:cNvGrpSpPr/>
+          <p:cNvSpPr txBox="1"/>
           <p:nvPr/>
-        </p:nvGrpSpPr>
-        <p:grpSpPr>
+        </p:nvSpPr>
+        <p:spPr>
           <a:xfrm>
-            <a:off x="10226798" y="1527122"/>
-            <a:ext cx="3200400" cy="793842"/>
-            <a:chOff x="1979612" y="1295400"/>
-            <a:chExt cx="7643192" cy="2019282"/>
+            <a:off x="2890982" y="1810327"/>
+            <a:ext cx="6479584" cy="646331"/>
           </a:xfrm>
-        </p:grpSpPr>
-        <p:sp>
-          <p:nvSpPr>
-            <p:cNvPr id="24" name="Rectangle 23">
-              <a:extLst>
-                <a:ext uri="{FF2B5EF4-FFF2-40B4-BE49-F238E27FC236}">
-                  <a16:creationId xmlns:a16="http://schemas.microsoft.com/office/drawing/2014/main" id="{D5A8DC41-43E0-41E2-B4D8-2C5890ADC139}"/>
-                </a:ext>
-              </a:extLst>
-            </p:cNvPr>
-            <p:cNvSpPr/>
-            <p:nvPr/>
-          </p:nvSpPr>
-          <p:spPr>
-            <a:xfrm>
-              <a:off x="1979612" y="1295400"/>
-              <a:ext cx="1905000" cy="838191"/>
-            </a:xfrm>
-            <a:prstGeom prst="rect">
-              <a:avLst/>
-            </a:prstGeom>
-          </p:spPr>
-          <p:style>
-            <a:lnRef idx="2">
-              <a:schemeClr val="accent1">
-                <a:shade val="50000"/>
-              </a:schemeClr>
-            </a:lnRef>
-            <a:fillRef idx="1">
-              <a:schemeClr val="accent1"/>
-            </a:fillRef>
-            <a:effectRef idx="0">
-              <a:schemeClr val="accent1"/>
-            </a:effectRef>
-            <a:fontRef idx="minor">
-              <a:schemeClr val="lt1"/>
-            </a:fontRef>
-          </p:style>
-          <p:txBody>
-            <a:bodyPr rtlCol="0" anchor="ctr"/>
-            <a:lstStyle/>
-            <a:p>
-              <a:pPr algn="ctr" defTabSz="1218987"/>
-              <a:r>
-                <a:rPr lang="en-US" sz="1400" dirty="0">
-                  <a:solidFill>
-                    <a:prstClr val="white"/>
-                  </a:solidFill>
-                  <a:latin typeface="Calibri"/>
-                </a:rPr>
-                <a:t>Miami</a:t>
-              </a:r>
-            </a:p>
-          </p:txBody>
-        </p:sp>
-        <p:sp>
-          <p:nvSpPr>
-            <p:cNvPr id="25" name="Rectangle 24">
-              <a:extLst>
-                <a:ext uri="{FF2B5EF4-FFF2-40B4-BE49-F238E27FC236}">
-                  <a16:creationId xmlns:a16="http://schemas.microsoft.com/office/drawing/2014/main" id="{538C840A-3F00-4D0E-9107-F41D6117BFC3}"/>
-                </a:ext>
-              </a:extLst>
-            </p:cNvPr>
-            <p:cNvSpPr/>
-            <p:nvPr/>
-          </p:nvSpPr>
-          <p:spPr>
-            <a:xfrm>
-              <a:off x="1979612" y="2438391"/>
-              <a:ext cx="1905000" cy="838191"/>
-            </a:xfrm>
-            <a:prstGeom prst="rect">
-              <a:avLst/>
-            </a:prstGeom>
-          </p:spPr>
-          <p:style>
-            <a:lnRef idx="2">
-              <a:schemeClr val="accent1">
-                <a:shade val="50000"/>
-              </a:schemeClr>
-            </a:lnRef>
-            <a:fillRef idx="1">
-              <a:schemeClr val="accent1"/>
-            </a:fillRef>
-            <a:effectRef idx="0">
-              <a:schemeClr val="accent1"/>
-            </a:effectRef>
-            <a:fontRef idx="minor">
-              <a:schemeClr val="lt1"/>
-            </a:fontRef>
-          </p:style>
-          <p:txBody>
-            <a:bodyPr rtlCol="0" anchor="ctr"/>
-            <a:lstStyle/>
-            <a:p>
-              <a:pPr algn="ctr" defTabSz="1218987"/>
-              <a:r>
-                <a:rPr lang="en-US" sz="1400" dirty="0">
-                  <a:solidFill>
-                    <a:prstClr val="white"/>
-                  </a:solidFill>
-                  <a:latin typeface="Calibri"/>
-                </a:rPr>
-                <a:t>NYC</a:t>
-              </a:r>
-            </a:p>
-          </p:txBody>
-        </p:sp>
-        <p:sp>
-          <p:nvSpPr>
-            <p:cNvPr id="26" name="Rectangle 25">
-              <a:extLst>
-                <a:ext uri="{FF2B5EF4-FFF2-40B4-BE49-F238E27FC236}">
-                  <a16:creationId xmlns:a16="http://schemas.microsoft.com/office/drawing/2014/main" id="{2579061B-35D0-4EEE-A69A-0779C6F78F1D}"/>
-                </a:ext>
-              </a:extLst>
-            </p:cNvPr>
-            <p:cNvSpPr/>
-            <p:nvPr/>
-          </p:nvSpPr>
-          <p:spPr>
-            <a:xfrm>
-              <a:off x="7717804" y="1298331"/>
-              <a:ext cx="1905000" cy="838191"/>
-            </a:xfrm>
-            <a:prstGeom prst="rect">
-              <a:avLst/>
-            </a:prstGeom>
-          </p:spPr>
-          <p:style>
-            <a:lnRef idx="2">
-              <a:schemeClr val="accent1">
-                <a:shade val="50000"/>
-              </a:schemeClr>
-            </a:lnRef>
-            <a:fillRef idx="1">
-              <a:schemeClr val="accent1"/>
-            </a:fillRef>
-            <a:effectRef idx="0">
-              <a:schemeClr val="accent1"/>
-            </a:effectRef>
-            <a:fontRef idx="minor">
-              <a:schemeClr val="lt1"/>
-            </a:fontRef>
-          </p:style>
-          <p:txBody>
-            <a:bodyPr rtlCol="0" anchor="ctr"/>
-            <a:lstStyle/>
-            <a:p>
-              <a:pPr algn="ctr" defTabSz="1218987"/>
-              <a:r>
-                <a:rPr lang="en-US" sz="1400" dirty="0">
-                  <a:solidFill>
-                    <a:prstClr val="white"/>
-                  </a:solidFill>
-                  <a:latin typeface="Calibri"/>
-                </a:rPr>
-                <a:t>Santa Clara</a:t>
-              </a:r>
-            </a:p>
-          </p:txBody>
-        </p:sp>
-        <p:sp>
-          <p:nvSpPr>
-            <p:cNvPr id="27" name="Rectangle 26">
-              <a:extLst>
-                <a:ext uri="{FF2B5EF4-FFF2-40B4-BE49-F238E27FC236}">
-                  <a16:creationId xmlns:a16="http://schemas.microsoft.com/office/drawing/2014/main" id="{82F8D59D-7F88-4CD3-ABCC-D4DD46B9B2B5}"/>
-                </a:ext>
-              </a:extLst>
-            </p:cNvPr>
-            <p:cNvSpPr/>
-            <p:nvPr/>
-          </p:nvSpPr>
-          <p:spPr>
-            <a:xfrm>
-              <a:off x="7717804" y="2394042"/>
-              <a:ext cx="1905000" cy="838191"/>
-            </a:xfrm>
-            <a:prstGeom prst="rect">
-              <a:avLst/>
-            </a:prstGeom>
-          </p:spPr>
-          <p:style>
-            <a:lnRef idx="2">
-              <a:schemeClr val="accent1">
-                <a:shade val="50000"/>
-              </a:schemeClr>
-            </a:lnRef>
-            <a:fillRef idx="1">
-              <a:schemeClr val="accent1"/>
-            </a:fillRef>
-            <a:effectRef idx="0">
-              <a:schemeClr val="accent1"/>
-            </a:effectRef>
-            <a:fontRef idx="minor">
-              <a:schemeClr val="lt1"/>
-            </a:fontRef>
-          </p:style>
-          <p:txBody>
-            <a:bodyPr rtlCol="0" anchor="ctr"/>
-            <a:lstStyle/>
-            <a:p>
-              <a:pPr algn="ctr" defTabSz="1218987"/>
-              <a:r>
-                <a:rPr lang="en-US" sz="1400" dirty="0">
-                  <a:solidFill>
-                    <a:prstClr val="white"/>
-                  </a:solidFill>
-                  <a:latin typeface="Calibri"/>
-                </a:rPr>
-                <a:t>Kings County</a:t>
-              </a:r>
-            </a:p>
-          </p:txBody>
-        </p:sp>
-        <p:sp>
-          <p:nvSpPr>
-            <p:cNvPr id="28" name="Flowchart: Magnetic Disk 27">
-              <a:extLst>
-                <a:ext uri="{FF2B5EF4-FFF2-40B4-BE49-F238E27FC236}">
-                  <a16:creationId xmlns:a16="http://schemas.microsoft.com/office/drawing/2014/main" id="{63AEB253-0341-4039-BE69-BD830348C759}"/>
-                </a:ext>
-              </a:extLst>
-            </p:cNvPr>
-            <p:cNvSpPr/>
-            <p:nvPr/>
-          </p:nvSpPr>
-          <p:spPr>
-            <a:xfrm>
-              <a:off x="5077308" y="1562100"/>
-              <a:ext cx="1447800" cy="1752582"/>
-            </a:xfrm>
-            <a:prstGeom prst="flowChartMagneticDisk">
-              <a:avLst/>
-            </a:prstGeom>
-          </p:spPr>
-          <p:style>
-            <a:lnRef idx="2">
-              <a:schemeClr val="accent1">
-                <a:shade val="50000"/>
-              </a:schemeClr>
-            </a:lnRef>
-            <a:fillRef idx="1">
-              <a:schemeClr val="accent1"/>
-            </a:fillRef>
-            <a:effectRef idx="0">
-              <a:schemeClr val="accent1"/>
-            </a:effectRef>
-            <a:fontRef idx="minor">
-              <a:schemeClr val="lt1"/>
-            </a:fontRef>
-          </p:style>
-          <p:txBody>
-            <a:bodyPr rtlCol="0" anchor="ctr"/>
-            <a:lstStyle/>
-            <a:p>
-              <a:pPr algn="ctr" defTabSz="1218987"/>
-              <a:endParaRPr lang="en-US" sz="1400">
-                <a:solidFill>
-                  <a:prstClr val="white"/>
-                </a:solidFill>
-                <a:latin typeface="Calibri"/>
-              </a:endParaRPr>
-            </a:p>
-          </p:txBody>
-        </p:sp>
-        <p:cxnSp>
-          <p:nvCxnSpPr>
-            <p:cNvPr id="29" name="Connector: Elbow 28">
-              <a:extLst>
-                <a:ext uri="{FF2B5EF4-FFF2-40B4-BE49-F238E27FC236}">
-                  <a16:creationId xmlns:a16="http://schemas.microsoft.com/office/drawing/2014/main" id="{E0273654-BDC3-4DEA-91B2-C6A2C1632467}"/>
-                </a:ext>
-              </a:extLst>
-            </p:cNvPr>
-            <p:cNvCxnSpPr>
-              <a:stCxn id="24" idx="3"/>
-            </p:cNvCxnSpPr>
-            <p:nvPr/>
-          </p:nvCxnSpPr>
-          <p:spPr>
-            <a:xfrm>
-              <a:off x="3884612" y="1714496"/>
-              <a:ext cx="1192696" cy="419095"/>
-            </a:xfrm>
-            <a:prstGeom prst="bentConnector3">
-              <a:avLst/>
-            </a:prstGeom>
-            <a:ln>
-              <a:tailEnd type="triangle"/>
-            </a:ln>
-          </p:spPr>
-          <p:style>
-            <a:lnRef idx="1">
-              <a:schemeClr val="accent1"/>
-            </a:lnRef>
-            <a:fillRef idx="0">
-              <a:schemeClr val="accent1"/>
-            </a:fillRef>
-            <a:effectRef idx="0">
-              <a:schemeClr val="accent1"/>
-            </a:effectRef>
-            <a:fontRef idx="minor">
-              <a:schemeClr val="tx1"/>
-            </a:fontRef>
-          </p:style>
-        </p:cxnSp>
-        <p:cxnSp>
-          <p:nvCxnSpPr>
-            <p:cNvPr id="30" name="Connector: Elbow 29">
-              <a:extLst>
-                <a:ext uri="{FF2B5EF4-FFF2-40B4-BE49-F238E27FC236}">
-                  <a16:creationId xmlns:a16="http://schemas.microsoft.com/office/drawing/2014/main" id="{B5C6269D-555C-4E57-8A5A-2E8042BDE935}"/>
-                </a:ext>
-              </a:extLst>
-            </p:cNvPr>
-            <p:cNvCxnSpPr>
-              <a:stCxn id="25" idx="3"/>
-              <a:endCxn id="28" idx="2"/>
-            </p:cNvCxnSpPr>
-            <p:nvPr/>
-          </p:nvCxnSpPr>
-          <p:spPr>
-            <a:xfrm flipV="1">
-              <a:off x="3884612" y="2438391"/>
-              <a:ext cx="1192696" cy="419096"/>
-            </a:xfrm>
-            <a:prstGeom prst="bentConnector3">
-              <a:avLst/>
-            </a:prstGeom>
-            <a:ln>
-              <a:tailEnd type="triangle"/>
-            </a:ln>
-          </p:spPr>
-          <p:style>
-            <a:lnRef idx="1">
-              <a:schemeClr val="accent1"/>
-            </a:lnRef>
-            <a:fillRef idx="0">
-              <a:schemeClr val="accent1"/>
-            </a:fillRef>
-            <a:effectRef idx="0">
-              <a:schemeClr val="accent1"/>
-            </a:effectRef>
-            <a:fontRef idx="minor">
-              <a:schemeClr val="tx1"/>
-            </a:fontRef>
-          </p:style>
-        </p:cxnSp>
-        <p:cxnSp>
-          <p:nvCxnSpPr>
-            <p:cNvPr id="31" name="Connector: Elbow 30">
-              <a:extLst>
-                <a:ext uri="{FF2B5EF4-FFF2-40B4-BE49-F238E27FC236}">
-                  <a16:creationId xmlns:a16="http://schemas.microsoft.com/office/drawing/2014/main" id="{6938CA02-B3C2-4008-B6CE-AA53FA7C5DDA}"/>
-                </a:ext>
-              </a:extLst>
-            </p:cNvPr>
-            <p:cNvCxnSpPr>
-              <a:stCxn id="26" idx="1"/>
-            </p:cNvCxnSpPr>
-            <p:nvPr/>
-          </p:nvCxnSpPr>
-          <p:spPr>
-            <a:xfrm rot="10800000" flipV="1">
-              <a:off x="6525108" y="1717427"/>
-              <a:ext cx="1192696" cy="455500"/>
-            </a:xfrm>
-            <a:prstGeom prst="bentConnector3">
-              <a:avLst/>
-            </a:prstGeom>
-            <a:ln>
-              <a:tailEnd type="triangle"/>
-            </a:ln>
-          </p:spPr>
-          <p:style>
-            <a:lnRef idx="1">
-              <a:schemeClr val="accent1"/>
-            </a:lnRef>
-            <a:fillRef idx="0">
-              <a:schemeClr val="accent1"/>
-            </a:fillRef>
-            <a:effectRef idx="0">
-              <a:schemeClr val="accent1"/>
-            </a:effectRef>
-            <a:fontRef idx="minor">
-              <a:schemeClr val="tx1"/>
-            </a:fontRef>
-          </p:style>
-        </p:cxnSp>
-        <p:cxnSp>
-          <p:nvCxnSpPr>
-            <p:cNvPr id="32" name="Connector: Elbow 31">
-              <a:extLst>
-                <a:ext uri="{FF2B5EF4-FFF2-40B4-BE49-F238E27FC236}">
-                  <a16:creationId xmlns:a16="http://schemas.microsoft.com/office/drawing/2014/main" id="{02CF9DA0-74A3-455E-B17B-2CAC10C3C4B2}"/>
-                </a:ext>
-              </a:extLst>
-            </p:cNvPr>
-            <p:cNvCxnSpPr>
-              <a:stCxn id="27" idx="1"/>
-              <a:endCxn id="28" idx="4"/>
-            </p:cNvCxnSpPr>
-            <p:nvPr/>
-          </p:nvCxnSpPr>
-          <p:spPr>
-            <a:xfrm rot="10800000">
-              <a:off x="6525108" y="2438392"/>
-              <a:ext cx="1192696" cy="374747"/>
-            </a:xfrm>
-            <a:prstGeom prst="bentConnector3">
-              <a:avLst/>
-            </a:prstGeom>
-            <a:ln>
-              <a:tailEnd type="triangle"/>
-            </a:ln>
-          </p:spPr>
-          <p:style>
-            <a:lnRef idx="1">
-              <a:schemeClr val="accent1"/>
-            </a:lnRef>
-            <a:fillRef idx="0">
-              <a:schemeClr val="accent1"/>
-            </a:fillRef>
-            <a:effectRef idx="0">
-              <a:schemeClr val="accent1"/>
-            </a:effectRef>
-            <a:fontRef idx="minor">
-              <a:schemeClr val="tx1"/>
-            </a:fontRef>
-          </p:style>
-        </p:cxnSp>
-      </p:grpSp>
-      <p:grpSp>
-        <p:nvGrpSpPr>
-          <p:cNvPr id="33" name="Group 32">
+          <a:prstGeom prst="rect">
+            <a:avLst/>
+          </a:prstGeom>
+          <a:noFill/>
+        </p:spPr>
+        <p:txBody>
+          <a:bodyPr wrap="square" rtlCol="0">
+            <a:spAutoFit/>
+          </a:bodyPr>
+          <a:lstStyle/>
+          <a:p>
+            <a:r>
+              <a:rPr lang="en-US" dirty="0"/>
+              <a:t>Fact or transaction data – KPI Key performance indicator</a:t>
+            </a:r>
+          </a:p>
+          <a:p>
+            <a:r>
+              <a:rPr lang="en-US" dirty="0"/>
+              <a:t>A Numeric field - measure</a:t>
+            </a:r>
+          </a:p>
+        </p:txBody>
+      </p:sp>
+      <p:sp>
+        <p:nvSpPr>
+          <p:cNvPr id="9" name="TextBox 8">
             <a:extLst>
               <a:ext uri="{FF2B5EF4-FFF2-40B4-BE49-F238E27FC236}">
-                <a16:creationId xmlns:a16="http://schemas.microsoft.com/office/drawing/2014/main" id="{46C397D0-4AB9-4C70-9A37-4467AC782397}"/>
+                <a16:creationId xmlns:a16="http://schemas.microsoft.com/office/drawing/2014/main" id="{B06DA661-A984-4030-91A0-D473BAB22EB8}"/>
               </a:ext>
             </a:extLst>
           </p:cNvPr>
-          <p:cNvGrpSpPr/>
+          <p:cNvSpPr txBox="1"/>
           <p:nvPr/>
-        </p:nvGrpSpPr>
-        <p:grpSpPr>
+        </p:nvSpPr>
+        <p:spPr>
           <a:xfrm>
-            <a:off x="10379198" y="1679522"/>
-            <a:ext cx="3200400" cy="793842"/>
-            <a:chOff x="1979612" y="1295400"/>
-            <a:chExt cx="7643192" cy="2019282"/>
+            <a:off x="2946399" y="4830944"/>
+            <a:ext cx="6299202" cy="369332"/>
           </a:xfrm>
-        </p:grpSpPr>
-        <p:sp>
-          <p:nvSpPr>
-            <p:cNvPr id="34" name="Rectangle 33">
-              <a:extLst>
-                <a:ext uri="{FF2B5EF4-FFF2-40B4-BE49-F238E27FC236}">
-                  <a16:creationId xmlns:a16="http://schemas.microsoft.com/office/drawing/2014/main" id="{A4F71EB8-4E20-47A8-9B0E-33B299012455}"/>
-                </a:ext>
-              </a:extLst>
-            </p:cNvPr>
-            <p:cNvSpPr/>
-            <p:nvPr/>
-          </p:nvSpPr>
-          <p:spPr>
-            <a:xfrm>
-              <a:off x="1979612" y="1295400"/>
-              <a:ext cx="1905000" cy="838191"/>
-            </a:xfrm>
-            <a:prstGeom prst="rect">
-              <a:avLst/>
-            </a:prstGeom>
-          </p:spPr>
-          <p:style>
-            <a:lnRef idx="2">
-              <a:schemeClr val="accent1">
-                <a:shade val="50000"/>
-              </a:schemeClr>
-            </a:lnRef>
-            <a:fillRef idx="1">
-              <a:schemeClr val="accent1"/>
-            </a:fillRef>
-            <a:effectRef idx="0">
-              <a:schemeClr val="accent1"/>
-            </a:effectRef>
-            <a:fontRef idx="minor">
-              <a:schemeClr val="lt1"/>
-            </a:fontRef>
-          </p:style>
-          <p:txBody>
-            <a:bodyPr rtlCol="0" anchor="ctr"/>
-            <a:lstStyle/>
-            <a:p>
-              <a:pPr algn="ctr" defTabSz="1218987"/>
-              <a:r>
-                <a:rPr lang="en-US" sz="1400" dirty="0">
-                  <a:solidFill>
-                    <a:prstClr val="white"/>
-                  </a:solidFill>
-                  <a:latin typeface="Calibri"/>
-                </a:rPr>
-                <a:t>Miami</a:t>
-              </a:r>
-            </a:p>
-          </p:txBody>
-        </p:sp>
-        <p:sp>
-          <p:nvSpPr>
-            <p:cNvPr id="35" name="Rectangle 34">
-              <a:extLst>
-                <a:ext uri="{FF2B5EF4-FFF2-40B4-BE49-F238E27FC236}">
-                  <a16:creationId xmlns:a16="http://schemas.microsoft.com/office/drawing/2014/main" id="{3F0843C2-F582-426F-8B2B-36EA9F0A389A}"/>
-                </a:ext>
-              </a:extLst>
-            </p:cNvPr>
-            <p:cNvSpPr/>
-            <p:nvPr/>
-          </p:nvSpPr>
-          <p:spPr>
-            <a:xfrm>
-              <a:off x="1979612" y="2438391"/>
-              <a:ext cx="1905000" cy="838191"/>
-            </a:xfrm>
-            <a:prstGeom prst="rect">
-              <a:avLst/>
-            </a:prstGeom>
-          </p:spPr>
-          <p:style>
-            <a:lnRef idx="2">
-              <a:schemeClr val="accent1">
-                <a:shade val="50000"/>
-              </a:schemeClr>
-            </a:lnRef>
-            <a:fillRef idx="1">
-              <a:schemeClr val="accent1"/>
-            </a:fillRef>
-            <a:effectRef idx="0">
-              <a:schemeClr val="accent1"/>
-            </a:effectRef>
-            <a:fontRef idx="minor">
-              <a:schemeClr val="lt1"/>
-            </a:fontRef>
-          </p:style>
-          <p:txBody>
-            <a:bodyPr rtlCol="0" anchor="ctr"/>
-            <a:lstStyle/>
-            <a:p>
-              <a:pPr algn="ctr" defTabSz="1218987"/>
-              <a:r>
-                <a:rPr lang="en-US" sz="1400" dirty="0">
-                  <a:solidFill>
-                    <a:prstClr val="white"/>
-                  </a:solidFill>
-                  <a:latin typeface="Calibri"/>
-                </a:rPr>
-                <a:t>NYC</a:t>
-              </a:r>
-            </a:p>
-          </p:txBody>
-        </p:sp>
-        <p:sp>
-          <p:nvSpPr>
-            <p:cNvPr id="36" name="Rectangle 35">
-              <a:extLst>
-                <a:ext uri="{FF2B5EF4-FFF2-40B4-BE49-F238E27FC236}">
-                  <a16:creationId xmlns:a16="http://schemas.microsoft.com/office/drawing/2014/main" id="{A6EB230D-573B-484E-A331-2B0F4EB18BEB}"/>
-                </a:ext>
-              </a:extLst>
-            </p:cNvPr>
-            <p:cNvSpPr/>
-            <p:nvPr/>
-          </p:nvSpPr>
-          <p:spPr>
-            <a:xfrm>
-              <a:off x="7717804" y="1298331"/>
-              <a:ext cx="1905000" cy="838191"/>
-            </a:xfrm>
-            <a:prstGeom prst="rect">
-              <a:avLst/>
-            </a:prstGeom>
-          </p:spPr>
-          <p:style>
-            <a:lnRef idx="2">
-              <a:schemeClr val="accent1">
-                <a:shade val="50000"/>
-              </a:schemeClr>
-            </a:lnRef>
-            <a:fillRef idx="1">
-              <a:schemeClr val="accent1"/>
-            </a:fillRef>
-            <a:effectRef idx="0">
-              <a:schemeClr val="accent1"/>
-            </a:effectRef>
-            <a:fontRef idx="minor">
-              <a:schemeClr val="lt1"/>
-            </a:fontRef>
-          </p:style>
-          <p:txBody>
-            <a:bodyPr rtlCol="0" anchor="ctr"/>
-            <a:lstStyle/>
-            <a:p>
-              <a:pPr algn="ctr" defTabSz="1218987"/>
-              <a:r>
-                <a:rPr lang="en-US" sz="1400" dirty="0">
-                  <a:solidFill>
-                    <a:prstClr val="white"/>
-                  </a:solidFill>
-                  <a:latin typeface="Calibri"/>
-                </a:rPr>
-                <a:t>Santa Clara</a:t>
-              </a:r>
-            </a:p>
-          </p:txBody>
-        </p:sp>
-        <p:sp>
-          <p:nvSpPr>
-            <p:cNvPr id="38" name="Rectangle 37">
-              <a:extLst>
-                <a:ext uri="{FF2B5EF4-FFF2-40B4-BE49-F238E27FC236}">
-                  <a16:creationId xmlns:a16="http://schemas.microsoft.com/office/drawing/2014/main" id="{98F56857-8780-472B-9CAC-A65B6201AD79}"/>
-                </a:ext>
-              </a:extLst>
-            </p:cNvPr>
-            <p:cNvSpPr/>
-            <p:nvPr/>
-          </p:nvSpPr>
-          <p:spPr>
-            <a:xfrm>
-              <a:off x="7717804" y="2394042"/>
-              <a:ext cx="1905000" cy="838191"/>
-            </a:xfrm>
-            <a:prstGeom prst="rect">
-              <a:avLst/>
-            </a:prstGeom>
-          </p:spPr>
-          <p:style>
-            <a:lnRef idx="2">
-              <a:schemeClr val="accent1">
-                <a:shade val="50000"/>
-              </a:schemeClr>
-            </a:lnRef>
-            <a:fillRef idx="1">
-              <a:schemeClr val="accent1"/>
-            </a:fillRef>
-            <a:effectRef idx="0">
-              <a:schemeClr val="accent1"/>
-            </a:effectRef>
-            <a:fontRef idx="minor">
-              <a:schemeClr val="lt1"/>
-            </a:fontRef>
-          </p:style>
-          <p:txBody>
-            <a:bodyPr rtlCol="0" anchor="ctr"/>
-            <a:lstStyle/>
-            <a:p>
-              <a:pPr algn="ctr" defTabSz="1218987"/>
-              <a:r>
-                <a:rPr lang="en-US" sz="1400" dirty="0">
-                  <a:solidFill>
-                    <a:prstClr val="white"/>
-                  </a:solidFill>
-                  <a:latin typeface="Calibri"/>
-                </a:rPr>
-                <a:t>Kings County</a:t>
-              </a:r>
-            </a:p>
-          </p:txBody>
-        </p:sp>
-        <p:sp>
-          <p:nvSpPr>
-            <p:cNvPr id="39" name="Flowchart: Magnetic Disk 38">
-              <a:extLst>
-                <a:ext uri="{FF2B5EF4-FFF2-40B4-BE49-F238E27FC236}">
-                  <a16:creationId xmlns:a16="http://schemas.microsoft.com/office/drawing/2014/main" id="{A4320EC1-AF05-4F9F-B4C6-35EFAE8518F0}"/>
-                </a:ext>
-              </a:extLst>
-            </p:cNvPr>
-            <p:cNvSpPr/>
-            <p:nvPr/>
-          </p:nvSpPr>
-          <p:spPr>
-            <a:xfrm>
-              <a:off x="5077308" y="1562100"/>
-              <a:ext cx="1447800" cy="1752582"/>
-            </a:xfrm>
-            <a:prstGeom prst="flowChartMagneticDisk">
-              <a:avLst/>
-            </a:prstGeom>
-          </p:spPr>
-          <p:style>
-            <a:lnRef idx="2">
-              <a:schemeClr val="accent1">
-                <a:shade val="50000"/>
-              </a:schemeClr>
-            </a:lnRef>
-            <a:fillRef idx="1">
-              <a:schemeClr val="accent1"/>
-            </a:fillRef>
-            <a:effectRef idx="0">
-              <a:schemeClr val="accent1"/>
-            </a:effectRef>
-            <a:fontRef idx="minor">
-              <a:schemeClr val="lt1"/>
-            </a:fontRef>
-          </p:style>
-          <p:txBody>
-            <a:bodyPr rtlCol="0" anchor="ctr"/>
-            <a:lstStyle/>
-            <a:p>
-              <a:pPr algn="ctr" defTabSz="1218987"/>
-              <a:endParaRPr lang="en-US" sz="1400">
-                <a:solidFill>
-                  <a:prstClr val="white"/>
-                </a:solidFill>
-                <a:latin typeface="Calibri"/>
-              </a:endParaRPr>
-            </a:p>
-          </p:txBody>
-        </p:sp>
-        <p:cxnSp>
-          <p:nvCxnSpPr>
-            <p:cNvPr id="42" name="Connector: Elbow 41">
-              <a:extLst>
-                <a:ext uri="{FF2B5EF4-FFF2-40B4-BE49-F238E27FC236}">
-                  <a16:creationId xmlns:a16="http://schemas.microsoft.com/office/drawing/2014/main" id="{55874D31-D7F5-4DCB-AB09-79E63F062FC2}"/>
-                </a:ext>
-              </a:extLst>
-            </p:cNvPr>
-            <p:cNvCxnSpPr>
-              <a:stCxn id="34" idx="3"/>
-            </p:cNvCxnSpPr>
-            <p:nvPr/>
-          </p:nvCxnSpPr>
-          <p:spPr>
-            <a:xfrm>
-              <a:off x="3884612" y="1714496"/>
-              <a:ext cx="1192696" cy="419095"/>
-            </a:xfrm>
-            <a:prstGeom prst="bentConnector3">
-              <a:avLst/>
-            </a:prstGeom>
-            <a:ln>
-              <a:tailEnd type="triangle"/>
-            </a:ln>
-          </p:spPr>
-          <p:style>
-            <a:lnRef idx="1">
-              <a:schemeClr val="accent1"/>
-            </a:lnRef>
-            <a:fillRef idx="0">
-              <a:schemeClr val="accent1"/>
-            </a:fillRef>
-            <a:effectRef idx="0">
-              <a:schemeClr val="accent1"/>
-            </a:effectRef>
-            <a:fontRef idx="minor">
-              <a:schemeClr val="tx1"/>
-            </a:fontRef>
-          </p:style>
-        </p:cxnSp>
-        <p:cxnSp>
-          <p:nvCxnSpPr>
-            <p:cNvPr id="43" name="Connector: Elbow 42">
-              <a:extLst>
-                <a:ext uri="{FF2B5EF4-FFF2-40B4-BE49-F238E27FC236}">
-                  <a16:creationId xmlns:a16="http://schemas.microsoft.com/office/drawing/2014/main" id="{AB28B00C-7BDA-4E7D-8B3F-A13CE50785CF}"/>
-                </a:ext>
-              </a:extLst>
-            </p:cNvPr>
-            <p:cNvCxnSpPr>
-              <a:stCxn id="35" idx="3"/>
-              <a:endCxn id="39" idx="2"/>
-            </p:cNvCxnSpPr>
-            <p:nvPr/>
-          </p:nvCxnSpPr>
-          <p:spPr>
-            <a:xfrm flipV="1">
-              <a:off x="3884612" y="2438391"/>
-              <a:ext cx="1192696" cy="419096"/>
-            </a:xfrm>
-            <a:prstGeom prst="bentConnector3">
-              <a:avLst/>
-            </a:prstGeom>
-            <a:ln>
-              <a:tailEnd type="triangle"/>
-            </a:ln>
-          </p:spPr>
-          <p:style>
-            <a:lnRef idx="1">
-              <a:schemeClr val="accent1"/>
-            </a:lnRef>
-            <a:fillRef idx="0">
-              <a:schemeClr val="accent1"/>
-            </a:fillRef>
-            <a:effectRef idx="0">
-              <a:schemeClr val="accent1"/>
-            </a:effectRef>
-            <a:fontRef idx="minor">
-              <a:schemeClr val="tx1"/>
-            </a:fontRef>
-          </p:style>
-        </p:cxnSp>
-        <p:cxnSp>
-          <p:nvCxnSpPr>
-            <p:cNvPr id="44" name="Connector: Elbow 43">
-              <a:extLst>
-                <a:ext uri="{FF2B5EF4-FFF2-40B4-BE49-F238E27FC236}">
-                  <a16:creationId xmlns:a16="http://schemas.microsoft.com/office/drawing/2014/main" id="{DE2B24DC-D2C6-41CC-89F9-5AD6912416B2}"/>
-                </a:ext>
-              </a:extLst>
-            </p:cNvPr>
-            <p:cNvCxnSpPr>
-              <a:stCxn id="36" idx="1"/>
-            </p:cNvCxnSpPr>
-            <p:nvPr/>
-          </p:nvCxnSpPr>
-          <p:spPr>
-            <a:xfrm rot="10800000" flipV="1">
-              <a:off x="6525108" y="1717427"/>
-              <a:ext cx="1192696" cy="455500"/>
-            </a:xfrm>
-            <a:prstGeom prst="bentConnector3">
-              <a:avLst/>
-            </a:prstGeom>
-            <a:ln>
-              <a:tailEnd type="triangle"/>
-            </a:ln>
-          </p:spPr>
-          <p:style>
-            <a:lnRef idx="1">
-              <a:schemeClr val="accent1"/>
-            </a:lnRef>
-            <a:fillRef idx="0">
-              <a:schemeClr val="accent1"/>
-            </a:fillRef>
-            <a:effectRef idx="0">
-              <a:schemeClr val="accent1"/>
-            </a:effectRef>
-            <a:fontRef idx="minor">
-              <a:schemeClr val="tx1"/>
-            </a:fontRef>
-          </p:style>
-        </p:cxnSp>
-        <p:cxnSp>
-          <p:nvCxnSpPr>
-            <p:cNvPr id="45" name="Connector: Elbow 44">
-              <a:extLst>
-                <a:ext uri="{FF2B5EF4-FFF2-40B4-BE49-F238E27FC236}">
-                  <a16:creationId xmlns:a16="http://schemas.microsoft.com/office/drawing/2014/main" id="{1FB28B5E-57C1-4243-957C-83963CB41F0C}"/>
-                </a:ext>
-              </a:extLst>
-            </p:cNvPr>
-            <p:cNvCxnSpPr>
-              <a:stCxn id="38" idx="1"/>
-              <a:endCxn id="39" idx="4"/>
-            </p:cNvCxnSpPr>
-            <p:nvPr/>
-          </p:nvCxnSpPr>
-          <p:spPr>
-            <a:xfrm rot="10800000">
-              <a:off x="6525108" y="2438392"/>
-              <a:ext cx="1192696" cy="374747"/>
-            </a:xfrm>
-            <a:prstGeom prst="bentConnector3">
-              <a:avLst/>
-            </a:prstGeom>
-            <a:ln>
-              <a:tailEnd type="triangle"/>
-            </a:ln>
-          </p:spPr>
-          <p:style>
-            <a:lnRef idx="1">
-              <a:schemeClr val="accent1"/>
-            </a:lnRef>
-            <a:fillRef idx="0">
-              <a:schemeClr val="accent1"/>
-            </a:fillRef>
-            <a:effectRef idx="0">
-              <a:schemeClr val="accent1"/>
-            </a:effectRef>
-            <a:fontRef idx="minor">
-              <a:schemeClr val="tx1"/>
-            </a:fontRef>
-          </p:style>
-        </p:cxnSp>
-      </p:grpSp>
-      <p:grpSp>
-        <p:nvGrpSpPr>
-          <p:cNvPr id="46" name="Group 45">
+          <a:prstGeom prst="rect">
+            <a:avLst/>
+          </a:prstGeom>
+          <a:noFill/>
+        </p:spPr>
+        <p:txBody>
+          <a:bodyPr wrap="square" rtlCol="0">
+            <a:spAutoFit/>
+          </a:bodyPr>
+          <a:lstStyle/>
+          <a:p>
+            <a:r>
+              <a:rPr lang="en-US" dirty="0"/>
+              <a:t>Total Qty, Total Amount</a:t>
+            </a:r>
+          </a:p>
+        </p:txBody>
+      </p:sp>
+      <p:graphicFrame>
+        <p:nvGraphicFramePr>
+          <p:cNvPr id="12" name="Table 11">
             <a:extLst>
               <a:ext uri="{FF2B5EF4-FFF2-40B4-BE49-F238E27FC236}">
-                <a16:creationId xmlns:a16="http://schemas.microsoft.com/office/drawing/2014/main" id="{5B2FAB21-B47C-4954-9B92-5DBB633EB479}"/>
+                <a16:creationId xmlns:a16="http://schemas.microsoft.com/office/drawing/2014/main" id="{6F27243F-0F04-4CF7-ADF9-D6B9F7577742}"/>
               </a:ext>
             </a:extLst>
           </p:cNvPr>
-          <p:cNvGrpSpPr/>
-          <p:nvPr/>
-        </p:nvGrpSpPr>
-        <p:grpSpPr>
-          <a:xfrm>
-            <a:off x="10531598" y="1831922"/>
-            <a:ext cx="3200400" cy="793842"/>
-            <a:chOff x="1979612" y="1295400"/>
-            <a:chExt cx="7643192" cy="2019282"/>
-          </a:xfrm>
-        </p:grpSpPr>
-        <p:sp>
-          <p:nvSpPr>
-            <p:cNvPr id="47" name="Rectangle 46">
-              <a:extLst>
-                <a:ext uri="{FF2B5EF4-FFF2-40B4-BE49-F238E27FC236}">
-                  <a16:creationId xmlns:a16="http://schemas.microsoft.com/office/drawing/2014/main" id="{3E16617C-BDE8-4BD6-B319-ED7FC50E8CF5}"/>
-                </a:ext>
-              </a:extLst>
-            </p:cNvPr>
-            <p:cNvSpPr/>
-            <p:nvPr/>
-          </p:nvSpPr>
-          <p:spPr>
-            <a:xfrm>
-              <a:off x="1979612" y="1295400"/>
-              <a:ext cx="1905000" cy="838191"/>
-            </a:xfrm>
-            <a:prstGeom prst="rect">
-              <a:avLst/>
-            </a:prstGeom>
-          </p:spPr>
-          <p:style>
-            <a:lnRef idx="2">
-              <a:schemeClr val="accent1">
-                <a:shade val="50000"/>
-              </a:schemeClr>
-            </a:lnRef>
-            <a:fillRef idx="1">
-              <a:schemeClr val="accent1"/>
-            </a:fillRef>
-            <a:effectRef idx="0">
-              <a:schemeClr val="accent1"/>
-            </a:effectRef>
-            <a:fontRef idx="minor">
-              <a:schemeClr val="lt1"/>
-            </a:fontRef>
-          </p:style>
-          <p:txBody>
-            <a:bodyPr rtlCol="0" anchor="ctr"/>
-            <a:lstStyle/>
-            <a:p>
-              <a:pPr algn="ctr" defTabSz="1218987"/>
-              <a:r>
-                <a:rPr lang="en-US" sz="1400" dirty="0">
-                  <a:solidFill>
-                    <a:prstClr val="white"/>
-                  </a:solidFill>
-                  <a:latin typeface="Calibri"/>
-                </a:rPr>
-                <a:t>Miami</a:t>
-              </a:r>
-            </a:p>
-          </p:txBody>
-        </p:sp>
-        <p:sp>
-          <p:nvSpPr>
-            <p:cNvPr id="48" name="Rectangle 47">
-              <a:extLst>
-                <a:ext uri="{FF2B5EF4-FFF2-40B4-BE49-F238E27FC236}">
-                  <a16:creationId xmlns:a16="http://schemas.microsoft.com/office/drawing/2014/main" id="{8A264AF4-B780-446B-A3EA-627446F8D445}"/>
-                </a:ext>
-              </a:extLst>
-            </p:cNvPr>
-            <p:cNvSpPr/>
-            <p:nvPr/>
-          </p:nvSpPr>
-          <p:spPr>
-            <a:xfrm>
-              <a:off x="1979612" y="2438391"/>
-              <a:ext cx="1905000" cy="838191"/>
-            </a:xfrm>
-            <a:prstGeom prst="rect">
-              <a:avLst/>
-            </a:prstGeom>
-          </p:spPr>
-          <p:style>
-            <a:lnRef idx="2">
-              <a:schemeClr val="accent1">
-                <a:shade val="50000"/>
-              </a:schemeClr>
-            </a:lnRef>
-            <a:fillRef idx="1">
-              <a:schemeClr val="accent1"/>
-            </a:fillRef>
-            <a:effectRef idx="0">
-              <a:schemeClr val="accent1"/>
-            </a:effectRef>
-            <a:fontRef idx="minor">
-              <a:schemeClr val="lt1"/>
-            </a:fontRef>
-          </p:style>
-          <p:txBody>
-            <a:bodyPr rtlCol="0" anchor="ctr"/>
-            <a:lstStyle/>
-            <a:p>
-              <a:pPr algn="ctr" defTabSz="1218987"/>
-              <a:r>
-                <a:rPr lang="en-US" sz="1400" dirty="0">
-                  <a:solidFill>
-                    <a:prstClr val="white"/>
-                  </a:solidFill>
-                  <a:latin typeface="Calibri"/>
-                </a:rPr>
-                <a:t>NYC</a:t>
-              </a:r>
-            </a:p>
-          </p:txBody>
-        </p:sp>
-        <p:sp>
-          <p:nvSpPr>
-            <p:cNvPr id="49" name="Rectangle 48">
-              <a:extLst>
-                <a:ext uri="{FF2B5EF4-FFF2-40B4-BE49-F238E27FC236}">
-                  <a16:creationId xmlns:a16="http://schemas.microsoft.com/office/drawing/2014/main" id="{D6830776-6B93-4D49-875F-0B44653589E9}"/>
-                </a:ext>
-              </a:extLst>
-            </p:cNvPr>
-            <p:cNvSpPr/>
-            <p:nvPr/>
-          </p:nvSpPr>
-          <p:spPr>
-            <a:xfrm>
-              <a:off x="7717804" y="1298331"/>
-              <a:ext cx="1905000" cy="838191"/>
-            </a:xfrm>
-            <a:prstGeom prst="rect">
-              <a:avLst/>
-            </a:prstGeom>
-          </p:spPr>
-          <p:style>
-            <a:lnRef idx="2">
-              <a:schemeClr val="accent1">
-                <a:shade val="50000"/>
-              </a:schemeClr>
-            </a:lnRef>
-            <a:fillRef idx="1">
-              <a:schemeClr val="accent1"/>
-            </a:fillRef>
-            <a:effectRef idx="0">
-              <a:schemeClr val="accent1"/>
-            </a:effectRef>
-            <a:fontRef idx="minor">
-              <a:schemeClr val="lt1"/>
-            </a:fontRef>
-          </p:style>
-          <p:txBody>
-            <a:bodyPr rtlCol="0" anchor="ctr"/>
-            <a:lstStyle/>
-            <a:p>
-              <a:pPr algn="ctr" defTabSz="1218987"/>
-              <a:r>
-                <a:rPr lang="en-US" sz="1400" dirty="0">
-                  <a:solidFill>
-                    <a:prstClr val="white"/>
-                  </a:solidFill>
-                  <a:latin typeface="Calibri"/>
-                </a:rPr>
-                <a:t>Santa Clara</a:t>
-              </a:r>
-            </a:p>
-          </p:txBody>
-        </p:sp>
-        <p:sp>
-          <p:nvSpPr>
-            <p:cNvPr id="50" name="Rectangle 49">
-              <a:extLst>
-                <a:ext uri="{FF2B5EF4-FFF2-40B4-BE49-F238E27FC236}">
-                  <a16:creationId xmlns:a16="http://schemas.microsoft.com/office/drawing/2014/main" id="{544FF28B-64A5-4FEA-B751-D58D990144E5}"/>
-                </a:ext>
-              </a:extLst>
-            </p:cNvPr>
-            <p:cNvSpPr/>
-            <p:nvPr/>
-          </p:nvSpPr>
-          <p:spPr>
-            <a:xfrm>
-              <a:off x="7717804" y="2394042"/>
-              <a:ext cx="1905000" cy="838191"/>
-            </a:xfrm>
-            <a:prstGeom prst="rect">
-              <a:avLst/>
-            </a:prstGeom>
-          </p:spPr>
-          <p:style>
-            <a:lnRef idx="2">
-              <a:schemeClr val="accent1">
-                <a:shade val="50000"/>
-              </a:schemeClr>
-            </a:lnRef>
-            <a:fillRef idx="1">
-              <a:schemeClr val="accent1"/>
-            </a:fillRef>
-            <a:effectRef idx="0">
-              <a:schemeClr val="accent1"/>
-            </a:effectRef>
-            <a:fontRef idx="minor">
-              <a:schemeClr val="lt1"/>
-            </a:fontRef>
-          </p:style>
-          <p:txBody>
-            <a:bodyPr rtlCol="0" anchor="ctr"/>
-            <a:lstStyle/>
-            <a:p>
-              <a:pPr algn="ctr" defTabSz="1218987"/>
-              <a:r>
-                <a:rPr lang="en-US" sz="1400" dirty="0">
-                  <a:solidFill>
-                    <a:prstClr val="white"/>
-                  </a:solidFill>
-                  <a:latin typeface="Calibri"/>
-                </a:rPr>
-                <a:t>Kings County</a:t>
-              </a:r>
-            </a:p>
-          </p:txBody>
-        </p:sp>
-        <p:sp>
-          <p:nvSpPr>
-            <p:cNvPr id="51" name="Flowchart: Magnetic Disk 50">
-              <a:extLst>
-                <a:ext uri="{FF2B5EF4-FFF2-40B4-BE49-F238E27FC236}">
-                  <a16:creationId xmlns:a16="http://schemas.microsoft.com/office/drawing/2014/main" id="{AAA88CF0-55C9-4A39-AC55-4D22CC49C86B}"/>
-                </a:ext>
-              </a:extLst>
-            </p:cNvPr>
-            <p:cNvSpPr/>
-            <p:nvPr/>
-          </p:nvSpPr>
-          <p:spPr>
-            <a:xfrm>
-              <a:off x="5077308" y="1562100"/>
-              <a:ext cx="1447800" cy="1752582"/>
-            </a:xfrm>
-            <a:prstGeom prst="flowChartMagneticDisk">
-              <a:avLst/>
-            </a:prstGeom>
-          </p:spPr>
-          <p:style>
-            <a:lnRef idx="2">
-              <a:schemeClr val="accent1">
-                <a:shade val="50000"/>
-              </a:schemeClr>
-            </a:lnRef>
-            <a:fillRef idx="1">
-              <a:schemeClr val="accent1"/>
-            </a:fillRef>
-            <a:effectRef idx="0">
-              <a:schemeClr val="accent1"/>
-            </a:effectRef>
-            <a:fontRef idx="minor">
-              <a:schemeClr val="lt1"/>
-            </a:fontRef>
-          </p:style>
-          <p:txBody>
-            <a:bodyPr rtlCol="0" anchor="ctr"/>
-            <a:lstStyle/>
-            <a:p>
-              <a:pPr algn="ctr" defTabSz="1218987"/>
-              <a:endParaRPr lang="en-US" sz="1400">
-                <a:solidFill>
-                  <a:prstClr val="white"/>
-                </a:solidFill>
-                <a:latin typeface="Calibri"/>
-              </a:endParaRPr>
-            </a:p>
-          </p:txBody>
-        </p:sp>
-        <p:cxnSp>
-          <p:nvCxnSpPr>
-            <p:cNvPr id="52" name="Connector: Elbow 51">
-              <a:extLst>
-                <a:ext uri="{FF2B5EF4-FFF2-40B4-BE49-F238E27FC236}">
-                  <a16:creationId xmlns:a16="http://schemas.microsoft.com/office/drawing/2014/main" id="{39F72051-7222-403D-8CD1-2AE0017CEB3A}"/>
-                </a:ext>
-              </a:extLst>
-            </p:cNvPr>
-            <p:cNvCxnSpPr>
-              <a:stCxn id="47" idx="3"/>
-            </p:cNvCxnSpPr>
-            <p:nvPr/>
-          </p:nvCxnSpPr>
-          <p:spPr>
-            <a:xfrm>
-              <a:off x="3884612" y="1714496"/>
-              <a:ext cx="1192696" cy="419095"/>
-            </a:xfrm>
-            <a:prstGeom prst="bentConnector3">
-              <a:avLst/>
-            </a:prstGeom>
-            <a:ln>
-              <a:tailEnd type="triangle"/>
-            </a:ln>
-          </p:spPr>
-          <p:style>
-            <a:lnRef idx="1">
-              <a:schemeClr val="accent1"/>
-            </a:lnRef>
-            <a:fillRef idx="0">
-              <a:schemeClr val="accent1"/>
-            </a:fillRef>
-            <a:effectRef idx="0">
-              <a:schemeClr val="accent1"/>
-            </a:effectRef>
-            <a:fontRef idx="minor">
-              <a:schemeClr val="tx1"/>
-            </a:fontRef>
-          </p:style>
-        </p:cxnSp>
-        <p:cxnSp>
-          <p:nvCxnSpPr>
-            <p:cNvPr id="53" name="Connector: Elbow 52">
-              <a:extLst>
-                <a:ext uri="{FF2B5EF4-FFF2-40B4-BE49-F238E27FC236}">
-                  <a16:creationId xmlns:a16="http://schemas.microsoft.com/office/drawing/2014/main" id="{D6712E55-50CD-41DD-8290-3FC0BF2EB111}"/>
-                </a:ext>
-              </a:extLst>
-            </p:cNvPr>
-            <p:cNvCxnSpPr>
-              <a:stCxn id="48" idx="3"/>
-              <a:endCxn id="51" idx="2"/>
-            </p:cNvCxnSpPr>
-            <p:nvPr/>
-          </p:nvCxnSpPr>
-          <p:spPr>
-            <a:xfrm flipV="1">
-              <a:off x="3884612" y="2438391"/>
-              <a:ext cx="1192696" cy="419096"/>
-            </a:xfrm>
-            <a:prstGeom prst="bentConnector3">
-              <a:avLst/>
-            </a:prstGeom>
-            <a:ln>
-              <a:tailEnd type="triangle"/>
-            </a:ln>
-          </p:spPr>
-          <p:style>
-            <a:lnRef idx="1">
-              <a:schemeClr val="accent1"/>
-            </a:lnRef>
-            <a:fillRef idx="0">
-              <a:schemeClr val="accent1"/>
-            </a:fillRef>
-            <a:effectRef idx="0">
-              <a:schemeClr val="accent1"/>
-            </a:effectRef>
-            <a:fontRef idx="minor">
-              <a:schemeClr val="tx1"/>
-            </a:fontRef>
-          </p:style>
-        </p:cxnSp>
-        <p:cxnSp>
-          <p:nvCxnSpPr>
-            <p:cNvPr id="54" name="Connector: Elbow 53">
-              <a:extLst>
-                <a:ext uri="{FF2B5EF4-FFF2-40B4-BE49-F238E27FC236}">
-                  <a16:creationId xmlns:a16="http://schemas.microsoft.com/office/drawing/2014/main" id="{D8CE8E7B-7D6D-4C0C-8D2A-BE0033B92F6A}"/>
-                </a:ext>
-              </a:extLst>
-            </p:cNvPr>
-            <p:cNvCxnSpPr>
-              <a:stCxn id="49" idx="1"/>
-            </p:cNvCxnSpPr>
-            <p:nvPr/>
-          </p:nvCxnSpPr>
-          <p:spPr>
-            <a:xfrm rot="10800000" flipV="1">
-              <a:off x="6525108" y="1717427"/>
-              <a:ext cx="1192696" cy="455500"/>
-            </a:xfrm>
-            <a:prstGeom prst="bentConnector3">
-              <a:avLst/>
-            </a:prstGeom>
-            <a:ln>
-              <a:tailEnd type="triangle"/>
-            </a:ln>
-          </p:spPr>
-          <p:style>
-            <a:lnRef idx="1">
-              <a:schemeClr val="accent1"/>
-            </a:lnRef>
-            <a:fillRef idx="0">
-              <a:schemeClr val="accent1"/>
-            </a:fillRef>
-            <a:effectRef idx="0">
-              <a:schemeClr val="accent1"/>
-            </a:effectRef>
-            <a:fontRef idx="minor">
-              <a:schemeClr val="tx1"/>
-            </a:fontRef>
-          </p:style>
-        </p:cxnSp>
-        <p:cxnSp>
-          <p:nvCxnSpPr>
-            <p:cNvPr id="55" name="Connector: Elbow 54">
-              <a:extLst>
-                <a:ext uri="{FF2B5EF4-FFF2-40B4-BE49-F238E27FC236}">
-                  <a16:creationId xmlns:a16="http://schemas.microsoft.com/office/drawing/2014/main" id="{253A8250-EC82-4EAE-ACE1-B851F28A2609}"/>
-                </a:ext>
-              </a:extLst>
-            </p:cNvPr>
-            <p:cNvCxnSpPr>
-              <a:stCxn id="50" idx="1"/>
-              <a:endCxn id="51" idx="4"/>
-            </p:cNvCxnSpPr>
-            <p:nvPr/>
-          </p:nvCxnSpPr>
-          <p:spPr>
-            <a:xfrm rot="10800000">
-              <a:off x="6525108" y="2438392"/>
-              <a:ext cx="1192696" cy="374747"/>
-            </a:xfrm>
-            <a:prstGeom prst="bentConnector3">
-              <a:avLst/>
-            </a:prstGeom>
-            <a:ln>
-              <a:tailEnd type="triangle"/>
-            </a:ln>
-          </p:spPr>
-          <p:style>
-            <a:lnRef idx="1">
-              <a:schemeClr val="accent1"/>
-            </a:lnRef>
-            <a:fillRef idx="0">
-              <a:schemeClr val="accent1"/>
-            </a:fillRef>
-            <a:effectRef idx="0">
-              <a:schemeClr val="accent1"/>
-            </a:effectRef>
-            <a:fontRef idx="minor">
-              <a:schemeClr val="tx1"/>
-            </a:fontRef>
-          </p:style>
-        </p:cxnSp>
-      </p:grpSp>
-      <p:grpSp>
-        <p:nvGrpSpPr>
-          <p:cNvPr id="56" name="Group 55">
+          <p:cNvGraphicFramePr>
+            <a:graphicFrameLocks noGrp="1"/>
+          </p:cNvGraphicFramePr>
+          <p:nvPr>
+            <p:extLst>
+              <p:ext uri="{D42A27DB-BD31-4B8C-83A1-F6EECF244321}">
+                <p14:modId xmlns:p14="http://schemas.microsoft.com/office/powerpoint/2010/main" val="764424244"/>
+              </p:ext>
+            </p:extLst>
+          </p:nvPr>
+        </p:nvGraphicFramePr>
+        <p:xfrm>
+          <a:off x="144274" y="1321646"/>
+          <a:ext cx="2677160" cy="1371600"/>
+        </p:xfrm>
+        <a:graphic>
+          <a:graphicData uri="http://schemas.openxmlformats.org/drawingml/2006/table">
+            <a:tbl>
+              <a:tblPr firstRow="1" bandRow="1">
+                <a:tableStyleId>{5C22544A-7EE6-4342-B048-85BDC9FD1C3A}</a:tableStyleId>
+              </a:tblPr>
+              <a:tblGrid>
+                <a:gridCol w="962660">
+                  <a:extLst>
+                    <a:ext uri="{9D8B030D-6E8A-4147-A177-3AD203B41FA5}">
+                      <a16:colId xmlns:a16="http://schemas.microsoft.com/office/drawing/2014/main" val="272882488"/>
+                    </a:ext>
+                  </a:extLst>
+                </a:gridCol>
+                <a:gridCol w="1714500">
+                  <a:extLst>
+                    <a:ext uri="{9D8B030D-6E8A-4147-A177-3AD203B41FA5}">
+                      <a16:colId xmlns:a16="http://schemas.microsoft.com/office/drawing/2014/main" val="2476513669"/>
+                    </a:ext>
+                  </a:extLst>
+                </a:gridCol>
+              </a:tblGrid>
+              <a:tr h="212664">
+                <a:tc>
+                  <a:txBody>
+                    <a:bodyPr/>
+                    <a:lstStyle/>
+                    <a:p>
+                      <a:r>
+                        <a:rPr lang="en-US" sz="1200" dirty="0" err="1"/>
+                        <a:t>CustomerID</a:t>
+                      </a:r>
+                      <a:endParaRPr lang="en-US" sz="1200" dirty="0"/>
+                    </a:p>
+                  </a:txBody>
+                  <a:tcPr/>
+                </a:tc>
+                <a:tc>
+                  <a:txBody>
+                    <a:bodyPr/>
+                    <a:lstStyle/>
+                    <a:p>
+                      <a:r>
+                        <a:rPr lang="en-US" sz="1200" dirty="0"/>
+                        <a:t>Name</a:t>
+                      </a:r>
+                    </a:p>
+                  </a:txBody>
+                  <a:tcPr/>
+                </a:tc>
+                <a:extLst>
+                  <a:ext uri="{0D108BD9-81ED-4DB2-BD59-A6C34878D82A}">
+                    <a16:rowId xmlns:a16="http://schemas.microsoft.com/office/drawing/2014/main" val="889355203"/>
+                  </a:ext>
+                </a:extLst>
+              </a:tr>
+              <a:tr h="212664">
+                <a:tc>
+                  <a:txBody>
+                    <a:bodyPr/>
+                    <a:lstStyle/>
+                    <a:p>
+                      <a:r>
+                        <a:rPr lang="en-US" sz="1200" dirty="0"/>
+                        <a:t>A</a:t>
+                      </a:r>
+                    </a:p>
+                  </a:txBody>
+                  <a:tcPr/>
+                </a:tc>
+                <a:tc>
+                  <a:txBody>
+                    <a:bodyPr/>
+                    <a:lstStyle/>
+                    <a:p>
+                      <a:r>
+                        <a:rPr lang="en-US" sz="1200" dirty="0"/>
+                        <a:t>Apple</a:t>
+                      </a:r>
+                    </a:p>
+                  </a:txBody>
+                  <a:tcPr/>
+                </a:tc>
+                <a:extLst>
+                  <a:ext uri="{0D108BD9-81ED-4DB2-BD59-A6C34878D82A}">
+                    <a16:rowId xmlns:a16="http://schemas.microsoft.com/office/drawing/2014/main" val="3201544930"/>
+                  </a:ext>
+                </a:extLst>
+              </a:tr>
+              <a:tr h="212664">
+                <a:tc>
+                  <a:txBody>
+                    <a:bodyPr/>
+                    <a:lstStyle/>
+                    <a:p>
+                      <a:r>
+                        <a:rPr lang="en-US" sz="1200" dirty="0"/>
+                        <a:t>B</a:t>
+                      </a:r>
+                    </a:p>
+                  </a:txBody>
+                  <a:tcPr/>
+                </a:tc>
+                <a:tc>
+                  <a:txBody>
+                    <a:bodyPr/>
+                    <a:lstStyle/>
+                    <a:p>
+                      <a:r>
+                        <a:rPr lang="en-US" sz="1200" dirty="0"/>
+                        <a:t>SAP</a:t>
+                      </a:r>
+                    </a:p>
+                  </a:txBody>
+                  <a:tcPr/>
+                </a:tc>
+                <a:extLst>
+                  <a:ext uri="{0D108BD9-81ED-4DB2-BD59-A6C34878D82A}">
+                    <a16:rowId xmlns:a16="http://schemas.microsoft.com/office/drawing/2014/main" val="864891476"/>
+                  </a:ext>
+                </a:extLst>
+              </a:tr>
+              <a:tr h="212664">
+                <a:tc>
+                  <a:txBody>
+                    <a:bodyPr/>
+                    <a:lstStyle/>
+                    <a:p>
+                      <a:r>
+                        <a:rPr lang="en-US" sz="1200" dirty="0"/>
+                        <a:t>C</a:t>
+                      </a:r>
+                    </a:p>
+                  </a:txBody>
+                  <a:tcPr/>
+                </a:tc>
+                <a:tc>
+                  <a:txBody>
+                    <a:bodyPr/>
+                    <a:lstStyle/>
+                    <a:p>
+                      <a:r>
+                        <a:rPr lang="en-US" sz="1200" dirty="0"/>
+                        <a:t>IBM</a:t>
+                      </a:r>
+                    </a:p>
+                  </a:txBody>
+                  <a:tcPr/>
+                </a:tc>
+                <a:extLst>
+                  <a:ext uri="{0D108BD9-81ED-4DB2-BD59-A6C34878D82A}">
+                    <a16:rowId xmlns:a16="http://schemas.microsoft.com/office/drawing/2014/main" val="668321922"/>
+                  </a:ext>
+                </a:extLst>
+              </a:tr>
+              <a:tr h="212664">
+                <a:tc>
+                  <a:txBody>
+                    <a:bodyPr/>
+                    <a:lstStyle/>
+                    <a:p>
+                      <a:endParaRPr lang="en-US" sz="1200"/>
+                    </a:p>
+                  </a:txBody>
+                  <a:tcPr/>
+                </a:tc>
+                <a:tc>
+                  <a:txBody>
+                    <a:bodyPr/>
+                    <a:lstStyle/>
+                    <a:p>
+                      <a:endParaRPr lang="en-US" sz="1200" dirty="0"/>
+                    </a:p>
+                  </a:txBody>
+                  <a:tcPr/>
+                </a:tc>
+                <a:extLst>
+                  <a:ext uri="{0D108BD9-81ED-4DB2-BD59-A6C34878D82A}">
+                    <a16:rowId xmlns:a16="http://schemas.microsoft.com/office/drawing/2014/main" val="3913733586"/>
+                  </a:ext>
+                </a:extLst>
+              </a:tr>
+            </a:tbl>
+          </a:graphicData>
+        </a:graphic>
+      </p:graphicFrame>
+      <p:sp>
+        <p:nvSpPr>
+          <p:cNvPr id="13" name="TextBox 12">
             <a:extLst>
               <a:ext uri="{FF2B5EF4-FFF2-40B4-BE49-F238E27FC236}">
-                <a16:creationId xmlns:a16="http://schemas.microsoft.com/office/drawing/2014/main" id="{08FDADAF-8171-4F18-B808-82E56C26C43B}"/>
+                <a16:creationId xmlns:a16="http://schemas.microsoft.com/office/drawing/2014/main" id="{E00B7486-B2C0-420D-906A-34E63511FCA5}"/>
               </a:ext>
             </a:extLst>
           </p:cNvPr>
-          <p:cNvGrpSpPr/>
+          <p:cNvSpPr txBox="1"/>
           <p:nvPr/>
-        </p:nvGrpSpPr>
-        <p:grpSpPr>
+        </p:nvSpPr>
+        <p:spPr>
           <a:xfrm>
-            <a:off x="10683998" y="1984322"/>
-            <a:ext cx="3200400" cy="793842"/>
-            <a:chOff x="1979612" y="1295400"/>
-            <a:chExt cx="7643192" cy="2019282"/>
+            <a:off x="144274" y="2788522"/>
+            <a:ext cx="2065020" cy="923330"/>
           </a:xfrm>
-        </p:grpSpPr>
-        <p:sp>
-          <p:nvSpPr>
-            <p:cNvPr id="57" name="Rectangle 56">
-              <a:extLst>
-                <a:ext uri="{FF2B5EF4-FFF2-40B4-BE49-F238E27FC236}">
-                  <a16:creationId xmlns:a16="http://schemas.microsoft.com/office/drawing/2014/main" id="{B321D634-C2B1-4061-A6ED-6C9B6BAFE460}"/>
-                </a:ext>
-              </a:extLst>
-            </p:cNvPr>
-            <p:cNvSpPr/>
-            <p:nvPr/>
-          </p:nvSpPr>
-          <p:spPr>
-            <a:xfrm>
-              <a:off x="1979612" y="1295400"/>
-              <a:ext cx="1905000" cy="838191"/>
-            </a:xfrm>
-            <a:prstGeom prst="rect">
-              <a:avLst/>
-            </a:prstGeom>
-          </p:spPr>
-          <p:style>
-            <a:lnRef idx="2">
-              <a:schemeClr val="accent1">
-                <a:shade val="50000"/>
-              </a:schemeClr>
-            </a:lnRef>
-            <a:fillRef idx="1">
-              <a:schemeClr val="accent1"/>
-            </a:fillRef>
-            <a:effectRef idx="0">
-              <a:schemeClr val="accent1"/>
-            </a:effectRef>
-            <a:fontRef idx="minor">
-              <a:schemeClr val="lt1"/>
-            </a:fontRef>
-          </p:style>
-          <p:txBody>
-            <a:bodyPr rtlCol="0" anchor="ctr"/>
-            <a:lstStyle/>
-            <a:p>
-              <a:pPr algn="ctr" defTabSz="1218987"/>
-              <a:r>
-                <a:rPr lang="en-US" sz="1400" dirty="0">
-                  <a:solidFill>
-                    <a:prstClr val="white"/>
-                  </a:solidFill>
-                  <a:latin typeface="Calibri"/>
-                </a:rPr>
-                <a:t>Miami</a:t>
-              </a:r>
-            </a:p>
-          </p:txBody>
-        </p:sp>
-        <p:sp>
-          <p:nvSpPr>
-            <p:cNvPr id="58" name="Rectangle 57">
-              <a:extLst>
-                <a:ext uri="{FF2B5EF4-FFF2-40B4-BE49-F238E27FC236}">
-                  <a16:creationId xmlns:a16="http://schemas.microsoft.com/office/drawing/2014/main" id="{878D443D-963A-433E-860D-F7C7629276B3}"/>
-                </a:ext>
-              </a:extLst>
-            </p:cNvPr>
-            <p:cNvSpPr/>
-            <p:nvPr/>
-          </p:nvSpPr>
-          <p:spPr>
-            <a:xfrm>
-              <a:off x="1979612" y="2438391"/>
-              <a:ext cx="1905000" cy="838191"/>
-            </a:xfrm>
-            <a:prstGeom prst="rect">
-              <a:avLst/>
-            </a:prstGeom>
-          </p:spPr>
-          <p:style>
-            <a:lnRef idx="2">
-              <a:schemeClr val="accent1">
-                <a:shade val="50000"/>
-              </a:schemeClr>
-            </a:lnRef>
-            <a:fillRef idx="1">
-              <a:schemeClr val="accent1"/>
-            </a:fillRef>
-            <a:effectRef idx="0">
-              <a:schemeClr val="accent1"/>
-            </a:effectRef>
-            <a:fontRef idx="minor">
-              <a:schemeClr val="lt1"/>
-            </a:fontRef>
-          </p:style>
-          <p:txBody>
-            <a:bodyPr rtlCol="0" anchor="ctr"/>
-            <a:lstStyle/>
-            <a:p>
-              <a:pPr algn="ctr" defTabSz="1218987"/>
-              <a:r>
-                <a:rPr lang="en-US" sz="1400" dirty="0">
-                  <a:solidFill>
-                    <a:prstClr val="white"/>
-                  </a:solidFill>
-                  <a:latin typeface="Calibri"/>
-                </a:rPr>
-                <a:t>NYC</a:t>
-              </a:r>
-            </a:p>
-          </p:txBody>
-        </p:sp>
-        <p:sp>
-          <p:nvSpPr>
-            <p:cNvPr id="59" name="Rectangle 58">
-              <a:extLst>
-                <a:ext uri="{FF2B5EF4-FFF2-40B4-BE49-F238E27FC236}">
-                  <a16:creationId xmlns:a16="http://schemas.microsoft.com/office/drawing/2014/main" id="{A21CAC51-444D-4F83-9E2B-168BA3016E49}"/>
-                </a:ext>
-              </a:extLst>
-            </p:cNvPr>
-            <p:cNvSpPr/>
-            <p:nvPr/>
-          </p:nvSpPr>
-          <p:spPr>
-            <a:xfrm>
-              <a:off x="7717804" y="1298331"/>
-              <a:ext cx="1905000" cy="838191"/>
-            </a:xfrm>
-            <a:prstGeom prst="rect">
-              <a:avLst/>
-            </a:prstGeom>
-          </p:spPr>
-          <p:style>
-            <a:lnRef idx="2">
-              <a:schemeClr val="accent1">
-                <a:shade val="50000"/>
-              </a:schemeClr>
-            </a:lnRef>
-            <a:fillRef idx="1">
-              <a:schemeClr val="accent1"/>
-            </a:fillRef>
-            <a:effectRef idx="0">
-              <a:schemeClr val="accent1"/>
-            </a:effectRef>
-            <a:fontRef idx="minor">
-              <a:schemeClr val="lt1"/>
-            </a:fontRef>
-          </p:style>
-          <p:txBody>
-            <a:bodyPr rtlCol="0" anchor="ctr"/>
-            <a:lstStyle/>
-            <a:p>
-              <a:pPr algn="ctr" defTabSz="1218987"/>
-              <a:r>
-                <a:rPr lang="en-US" sz="1400" dirty="0">
-                  <a:solidFill>
-                    <a:prstClr val="white"/>
-                  </a:solidFill>
-                  <a:latin typeface="Calibri"/>
-                </a:rPr>
-                <a:t>Santa Clara</a:t>
-              </a:r>
-            </a:p>
-          </p:txBody>
-        </p:sp>
-        <p:sp>
-          <p:nvSpPr>
-            <p:cNvPr id="60" name="Rectangle 59">
-              <a:extLst>
-                <a:ext uri="{FF2B5EF4-FFF2-40B4-BE49-F238E27FC236}">
-                  <a16:creationId xmlns:a16="http://schemas.microsoft.com/office/drawing/2014/main" id="{B6DBBB86-9618-45EA-9B35-45D7A0094354}"/>
-                </a:ext>
-              </a:extLst>
-            </p:cNvPr>
-            <p:cNvSpPr/>
-            <p:nvPr/>
-          </p:nvSpPr>
-          <p:spPr>
-            <a:xfrm>
-              <a:off x="7717804" y="2394042"/>
-              <a:ext cx="1905000" cy="838191"/>
-            </a:xfrm>
-            <a:prstGeom prst="rect">
-              <a:avLst/>
-            </a:prstGeom>
-          </p:spPr>
-          <p:style>
-            <a:lnRef idx="2">
-              <a:schemeClr val="accent1">
-                <a:shade val="50000"/>
-              </a:schemeClr>
-            </a:lnRef>
-            <a:fillRef idx="1">
-              <a:schemeClr val="accent1"/>
-            </a:fillRef>
-            <a:effectRef idx="0">
-              <a:schemeClr val="accent1"/>
-            </a:effectRef>
-            <a:fontRef idx="minor">
-              <a:schemeClr val="lt1"/>
-            </a:fontRef>
-          </p:style>
-          <p:txBody>
-            <a:bodyPr rtlCol="0" anchor="ctr"/>
-            <a:lstStyle/>
-            <a:p>
-              <a:pPr algn="ctr" defTabSz="1218987"/>
-              <a:r>
-                <a:rPr lang="en-US" sz="1400" dirty="0">
-                  <a:solidFill>
-                    <a:prstClr val="white"/>
-                  </a:solidFill>
-                  <a:latin typeface="Calibri"/>
-                </a:rPr>
-                <a:t>Kings County</a:t>
-              </a:r>
-            </a:p>
-          </p:txBody>
-        </p:sp>
-        <p:sp>
-          <p:nvSpPr>
-            <p:cNvPr id="61" name="Flowchart: Magnetic Disk 60">
-              <a:extLst>
-                <a:ext uri="{FF2B5EF4-FFF2-40B4-BE49-F238E27FC236}">
-                  <a16:creationId xmlns:a16="http://schemas.microsoft.com/office/drawing/2014/main" id="{4D7F6363-7139-4D59-832D-6AC4D7ADD029}"/>
-                </a:ext>
-              </a:extLst>
-            </p:cNvPr>
-            <p:cNvSpPr/>
-            <p:nvPr/>
-          </p:nvSpPr>
-          <p:spPr>
-            <a:xfrm>
-              <a:off x="5077308" y="1562100"/>
-              <a:ext cx="1447800" cy="1752582"/>
-            </a:xfrm>
-            <a:prstGeom prst="flowChartMagneticDisk">
-              <a:avLst/>
-            </a:prstGeom>
-          </p:spPr>
-          <p:style>
-            <a:lnRef idx="2">
-              <a:schemeClr val="accent1">
-                <a:shade val="50000"/>
-              </a:schemeClr>
-            </a:lnRef>
-            <a:fillRef idx="1">
-              <a:schemeClr val="accent1"/>
-            </a:fillRef>
-            <a:effectRef idx="0">
-              <a:schemeClr val="accent1"/>
-            </a:effectRef>
-            <a:fontRef idx="minor">
-              <a:schemeClr val="lt1"/>
-            </a:fontRef>
-          </p:style>
-          <p:txBody>
-            <a:bodyPr rtlCol="0" anchor="ctr"/>
-            <a:lstStyle/>
-            <a:p>
-              <a:pPr algn="ctr" defTabSz="1218987"/>
-              <a:endParaRPr lang="en-US" sz="1400">
-                <a:solidFill>
-                  <a:prstClr val="white"/>
-                </a:solidFill>
-                <a:latin typeface="Calibri"/>
-              </a:endParaRPr>
-            </a:p>
-          </p:txBody>
-        </p:sp>
-        <p:cxnSp>
-          <p:nvCxnSpPr>
-            <p:cNvPr id="62" name="Connector: Elbow 61">
-              <a:extLst>
-                <a:ext uri="{FF2B5EF4-FFF2-40B4-BE49-F238E27FC236}">
-                  <a16:creationId xmlns:a16="http://schemas.microsoft.com/office/drawing/2014/main" id="{8279DEEC-DFDA-41FC-8E3F-098605C29B34}"/>
-                </a:ext>
-              </a:extLst>
-            </p:cNvPr>
-            <p:cNvCxnSpPr>
-              <a:stCxn id="57" idx="3"/>
-            </p:cNvCxnSpPr>
-            <p:nvPr/>
-          </p:nvCxnSpPr>
-          <p:spPr>
-            <a:xfrm>
-              <a:off x="3884612" y="1714496"/>
-              <a:ext cx="1192696" cy="419095"/>
-            </a:xfrm>
-            <a:prstGeom prst="bentConnector3">
-              <a:avLst/>
-            </a:prstGeom>
-            <a:ln>
-              <a:tailEnd type="triangle"/>
-            </a:ln>
-          </p:spPr>
-          <p:style>
-            <a:lnRef idx="1">
-              <a:schemeClr val="accent1"/>
-            </a:lnRef>
-            <a:fillRef idx="0">
-              <a:schemeClr val="accent1"/>
-            </a:fillRef>
-            <a:effectRef idx="0">
-              <a:schemeClr val="accent1"/>
-            </a:effectRef>
-            <a:fontRef idx="minor">
-              <a:schemeClr val="tx1"/>
-            </a:fontRef>
-          </p:style>
-        </p:cxnSp>
-        <p:cxnSp>
-          <p:nvCxnSpPr>
-            <p:cNvPr id="63" name="Connector: Elbow 62">
-              <a:extLst>
-                <a:ext uri="{FF2B5EF4-FFF2-40B4-BE49-F238E27FC236}">
-                  <a16:creationId xmlns:a16="http://schemas.microsoft.com/office/drawing/2014/main" id="{167CAC48-75C4-4013-BBB9-A61F0CB228F6}"/>
-                </a:ext>
-              </a:extLst>
-            </p:cNvPr>
-            <p:cNvCxnSpPr>
-              <a:stCxn id="58" idx="3"/>
-              <a:endCxn id="61" idx="2"/>
-            </p:cNvCxnSpPr>
-            <p:nvPr/>
-          </p:nvCxnSpPr>
-          <p:spPr>
-            <a:xfrm flipV="1">
-              <a:off x="3884612" y="2438391"/>
-              <a:ext cx="1192696" cy="419096"/>
-            </a:xfrm>
-            <a:prstGeom prst="bentConnector3">
-              <a:avLst/>
-            </a:prstGeom>
-            <a:ln>
-              <a:tailEnd type="triangle"/>
-            </a:ln>
-          </p:spPr>
-          <p:style>
-            <a:lnRef idx="1">
-              <a:schemeClr val="accent1"/>
-            </a:lnRef>
-            <a:fillRef idx="0">
-              <a:schemeClr val="accent1"/>
-            </a:fillRef>
-            <a:effectRef idx="0">
-              <a:schemeClr val="accent1"/>
-            </a:effectRef>
-            <a:fontRef idx="minor">
-              <a:schemeClr val="tx1"/>
-            </a:fontRef>
-          </p:style>
-        </p:cxnSp>
-        <p:cxnSp>
-          <p:nvCxnSpPr>
-            <p:cNvPr id="64" name="Connector: Elbow 63">
-              <a:extLst>
-                <a:ext uri="{FF2B5EF4-FFF2-40B4-BE49-F238E27FC236}">
-                  <a16:creationId xmlns:a16="http://schemas.microsoft.com/office/drawing/2014/main" id="{937546D6-4282-48B8-B520-B184C18D2D1D}"/>
-                </a:ext>
-              </a:extLst>
-            </p:cNvPr>
-            <p:cNvCxnSpPr>
-              <a:stCxn id="59" idx="1"/>
-            </p:cNvCxnSpPr>
-            <p:nvPr/>
-          </p:nvCxnSpPr>
-          <p:spPr>
-            <a:xfrm rot="10800000" flipV="1">
-              <a:off x="6525108" y="1717427"/>
-              <a:ext cx="1192696" cy="455500"/>
-            </a:xfrm>
-            <a:prstGeom prst="bentConnector3">
-              <a:avLst/>
-            </a:prstGeom>
-            <a:ln>
-              <a:tailEnd type="triangle"/>
-            </a:ln>
-          </p:spPr>
-          <p:style>
-            <a:lnRef idx="1">
-              <a:schemeClr val="accent1"/>
-            </a:lnRef>
-            <a:fillRef idx="0">
-              <a:schemeClr val="accent1"/>
-            </a:fillRef>
-            <a:effectRef idx="0">
-              <a:schemeClr val="accent1"/>
-            </a:effectRef>
-            <a:fontRef idx="minor">
-              <a:schemeClr val="tx1"/>
-            </a:fontRef>
-          </p:style>
-        </p:cxnSp>
-        <p:cxnSp>
-          <p:nvCxnSpPr>
-            <p:cNvPr id="65" name="Connector: Elbow 64">
-              <a:extLst>
-                <a:ext uri="{FF2B5EF4-FFF2-40B4-BE49-F238E27FC236}">
-                  <a16:creationId xmlns:a16="http://schemas.microsoft.com/office/drawing/2014/main" id="{B379C209-F7FA-4093-900C-EBA68F6863EB}"/>
-                </a:ext>
-              </a:extLst>
-            </p:cNvPr>
-            <p:cNvCxnSpPr>
-              <a:stCxn id="60" idx="1"/>
-              <a:endCxn id="61" idx="4"/>
-            </p:cNvCxnSpPr>
-            <p:nvPr/>
-          </p:nvCxnSpPr>
-          <p:spPr>
-            <a:xfrm rot="10800000">
-              <a:off x="6525108" y="2438392"/>
-              <a:ext cx="1192696" cy="374747"/>
-            </a:xfrm>
-            <a:prstGeom prst="bentConnector3">
-              <a:avLst/>
-            </a:prstGeom>
-            <a:ln>
-              <a:tailEnd type="triangle"/>
-            </a:ln>
-          </p:spPr>
-          <p:style>
-            <a:lnRef idx="1">
-              <a:schemeClr val="accent1"/>
-            </a:lnRef>
-            <a:fillRef idx="0">
-              <a:schemeClr val="accent1"/>
-            </a:fillRef>
-            <a:effectRef idx="0">
-              <a:schemeClr val="accent1"/>
-            </a:effectRef>
-            <a:fontRef idx="minor">
-              <a:schemeClr val="tx1"/>
-            </a:fontRef>
-          </p:style>
-        </p:cxnSp>
-      </p:grpSp>
-      <p:grpSp>
-        <p:nvGrpSpPr>
-          <p:cNvPr id="66" name="Group 65">
+          <a:prstGeom prst="rect">
+            <a:avLst/>
+          </a:prstGeom>
+          <a:noFill/>
+        </p:spPr>
+        <p:txBody>
+          <a:bodyPr wrap="square" rtlCol="0">
+            <a:spAutoFit/>
+          </a:bodyPr>
+          <a:lstStyle/>
+          <a:p>
+            <a:r>
+              <a:rPr lang="en-US" dirty="0"/>
+              <a:t>Apple 17100</a:t>
+            </a:r>
+          </a:p>
+          <a:p>
+            <a:r>
+              <a:rPr lang="en-US" dirty="0"/>
+              <a:t>SAP     19500</a:t>
+            </a:r>
+          </a:p>
+          <a:p>
+            <a:r>
+              <a:rPr lang="en-US" dirty="0"/>
+              <a:t>IBM     0</a:t>
+            </a:r>
+          </a:p>
+        </p:txBody>
+      </p:sp>
+      <p:sp>
+        <p:nvSpPr>
+          <p:cNvPr id="15" name="TextBox 14">
             <a:extLst>
               <a:ext uri="{FF2B5EF4-FFF2-40B4-BE49-F238E27FC236}">
-                <a16:creationId xmlns:a16="http://schemas.microsoft.com/office/drawing/2014/main" id="{F70E123E-40C4-4BB8-AE4F-7DD6CB42FD01}"/>
+                <a16:creationId xmlns:a16="http://schemas.microsoft.com/office/drawing/2014/main" id="{4452D160-6E88-4DA1-BBAE-32B9AA478281}"/>
               </a:ext>
             </a:extLst>
           </p:cNvPr>
-          <p:cNvGrpSpPr/>
+          <p:cNvSpPr txBox="1"/>
           <p:nvPr/>
-        </p:nvGrpSpPr>
-        <p:grpSpPr>
+        </p:nvSpPr>
+        <p:spPr>
           <a:xfrm>
-            <a:off x="10836398" y="2136722"/>
-            <a:ext cx="3200400" cy="793842"/>
-            <a:chOff x="1979612" y="1295400"/>
-            <a:chExt cx="7643192" cy="2019282"/>
+            <a:off x="68074" y="919578"/>
+            <a:ext cx="3680966" cy="338554"/>
           </a:xfrm>
-        </p:grpSpPr>
-        <p:sp>
-          <p:nvSpPr>
-            <p:cNvPr id="67" name="Rectangle 66">
-              <a:extLst>
-                <a:ext uri="{FF2B5EF4-FFF2-40B4-BE49-F238E27FC236}">
-                  <a16:creationId xmlns:a16="http://schemas.microsoft.com/office/drawing/2014/main" id="{008B94F0-BB8B-42A4-BFA9-6929F7F21B21}"/>
-                </a:ext>
-              </a:extLst>
-            </p:cNvPr>
-            <p:cNvSpPr/>
-            <p:nvPr/>
-          </p:nvSpPr>
-          <p:spPr>
-            <a:xfrm>
-              <a:off x="1979612" y="1295400"/>
-              <a:ext cx="1905000" cy="838191"/>
-            </a:xfrm>
-            <a:prstGeom prst="rect">
-              <a:avLst/>
-            </a:prstGeom>
-          </p:spPr>
-          <p:style>
-            <a:lnRef idx="2">
-              <a:schemeClr val="accent1">
-                <a:shade val="50000"/>
-              </a:schemeClr>
-            </a:lnRef>
-            <a:fillRef idx="1">
-              <a:schemeClr val="accent1"/>
-            </a:fillRef>
-            <a:effectRef idx="0">
-              <a:schemeClr val="accent1"/>
-            </a:effectRef>
-            <a:fontRef idx="minor">
-              <a:schemeClr val="lt1"/>
-            </a:fontRef>
-          </p:style>
-          <p:txBody>
-            <a:bodyPr rtlCol="0" anchor="ctr"/>
-            <a:lstStyle/>
-            <a:p>
-              <a:pPr algn="ctr" defTabSz="1218987"/>
-              <a:r>
-                <a:rPr lang="en-US" sz="1400" dirty="0">
-                  <a:solidFill>
-                    <a:prstClr val="white"/>
-                  </a:solidFill>
-                  <a:latin typeface="Calibri"/>
-                </a:rPr>
-                <a:t>Miami</a:t>
-              </a:r>
-            </a:p>
-          </p:txBody>
-        </p:sp>
-        <p:sp>
-          <p:nvSpPr>
-            <p:cNvPr id="68" name="Rectangle 67">
-              <a:extLst>
-                <a:ext uri="{FF2B5EF4-FFF2-40B4-BE49-F238E27FC236}">
-                  <a16:creationId xmlns:a16="http://schemas.microsoft.com/office/drawing/2014/main" id="{719C46E1-E0B3-425F-9FC8-97870D6BDD44}"/>
-                </a:ext>
-              </a:extLst>
-            </p:cNvPr>
-            <p:cNvSpPr/>
-            <p:nvPr/>
-          </p:nvSpPr>
-          <p:spPr>
-            <a:xfrm>
-              <a:off x="1979612" y="2438391"/>
-              <a:ext cx="1905000" cy="838191"/>
-            </a:xfrm>
-            <a:prstGeom prst="rect">
-              <a:avLst/>
-            </a:prstGeom>
-          </p:spPr>
-          <p:style>
-            <a:lnRef idx="2">
-              <a:schemeClr val="accent1">
-                <a:shade val="50000"/>
-              </a:schemeClr>
-            </a:lnRef>
-            <a:fillRef idx="1">
-              <a:schemeClr val="accent1"/>
-            </a:fillRef>
-            <a:effectRef idx="0">
-              <a:schemeClr val="accent1"/>
-            </a:effectRef>
-            <a:fontRef idx="minor">
-              <a:schemeClr val="lt1"/>
-            </a:fontRef>
-          </p:style>
-          <p:txBody>
-            <a:bodyPr rtlCol="0" anchor="ctr"/>
-            <a:lstStyle/>
-            <a:p>
-              <a:pPr algn="ctr" defTabSz="1218987"/>
-              <a:r>
-                <a:rPr lang="en-US" sz="1400" dirty="0">
-                  <a:solidFill>
-                    <a:prstClr val="white"/>
-                  </a:solidFill>
-                  <a:latin typeface="Calibri"/>
-                </a:rPr>
-                <a:t>NYC</a:t>
-              </a:r>
-            </a:p>
-          </p:txBody>
-        </p:sp>
-        <p:sp>
-          <p:nvSpPr>
-            <p:cNvPr id="69" name="Rectangle 68">
-              <a:extLst>
-                <a:ext uri="{FF2B5EF4-FFF2-40B4-BE49-F238E27FC236}">
-                  <a16:creationId xmlns:a16="http://schemas.microsoft.com/office/drawing/2014/main" id="{23760444-53AE-4F5F-8F41-627EBB525501}"/>
-                </a:ext>
-              </a:extLst>
-            </p:cNvPr>
-            <p:cNvSpPr/>
-            <p:nvPr/>
-          </p:nvSpPr>
-          <p:spPr>
-            <a:xfrm>
-              <a:off x="7717804" y="1298331"/>
-              <a:ext cx="1905000" cy="838191"/>
-            </a:xfrm>
-            <a:prstGeom prst="rect">
-              <a:avLst/>
-            </a:prstGeom>
-          </p:spPr>
-          <p:style>
-            <a:lnRef idx="2">
-              <a:schemeClr val="accent1">
-                <a:shade val="50000"/>
-              </a:schemeClr>
-            </a:lnRef>
-            <a:fillRef idx="1">
-              <a:schemeClr val="accent1"/>
-            </a:fillRef>
-            <a:effectRef idx="0">
-              <a:schemeClr val="accent1"/>
-            </a:effectRef>
-            <a:fontRef idx="minor">
-              <a:schemeClr val="lt1"/>
-            </a:fontRef>
-          </p:style>
-          <p:txBody>
-            <a:bodyPr rtlCol="0" anchor="ctr"/>
-            <a:lstStyle/>
-            <a:p>
-              <a:pPr algn="ctr" defTabSz="1218987"/>
-              <a:r>
-                <a:rPr lang="en-US" sz="1400" dirty="0">
-                  <a:solidFill>
-                    <a:prstClr val="white"/>
-                  </a:solidFill>
-                  <a:latin typeface="Calibri"/>
-                </a:rPr>
-                <a:t>Santa Clara</a:t>
-              </a:r>
-            </a:p>
-          </p:txBody>
-        </p:sp>
-        <p:sp>
-          <p:nvSpPr>
-            <p:cNvPr id="70" name="Rectangle 69">
-              <a:extLst>
-                <a:ext uri="{FF2B5EF4-FFF2-40B4-BE49-F238E27FC236}">
-                  <a16:creationId xmlns:a16="http://schemas.microsoft.com/office/drawing/2014/main" id="{16081751-8000-4D60-AD58-83121D894192}"/>
-                </a:ext>
-              </a:extLst>
-            </p:cNvPr>
-            <p:cNvSpPr/>
-            <p:nvPr/>
-          </p:nvSpPr>
-          <p:spPr>
-            <a:xfrm>
-              <a:off x="7717804" y="2394042"/>
-              <a:ext cx="1905000" cy="838191"/>
-            </a:xfrm>
-            <a:prstGeom prst="rect">
-              <a:avLst/>
-            </a:prstGeom>
-          </p:spPr>
-          <p:style>
-            <a:lnRef idx="2">
-              <a:schemeClr val="accent1">
-                <a:shade val="50000"/>
-              </a:schemeClr>
-            </a:lnRef>
-            <a:fillRef idx="1">
-              <a:schemeClr val="accent1"/>
-            </a:fillRef>
-            <a:effectRef idx="0">
-              <a:schemeClr val="accent1"/>
-            </a:effectRef>
-            <a:fontRef idx="minor">
-              <a:schemeClr val="lt1"/>
-            </a:fontRef>
-          </p:style>
-          <p:txBody>
-            <a:bodyPr rtlCol="0" anchor="ctr"/>
-            <a:lstStyle/>
-            <a:p>
-              <a:pPr algn="ctr" defTabSz="1218987"/>
-              <a:r>
-                <a:rPr lang="en-US" sz="1400" dirty="0">
-                  <a:solidFill>
-                    <a:prstClr val="white"/>
-                  </a:solidFill>
-                  <a:latin typeface="Calibri"/>
-                </a:rPr>
-                <a:t>Kings County</a:t>
-              </a:r>
-            </a:p>
-          </p:txBody>
-        </p:sp>
-        <p:sp>
-          <p:nvSpPr>
-            <p:cNvPr id="71" name="Flowchart: Magnetic Disk 70">
-              <a:extLst>
-                <a:ext uri="{FF2B5EF4-FFF2-40B4-BE49-F238E27FC236}">
-                  <a16:creationId xmlns:a16="http://schemas.microsoft.com/office/drawing/2014/main" id="{A0669C44-2F84-4605-A8F3-A5BF0A917C26}"/>
-                </a:ext>
-              </a:extLst>
-            </p:cNvPr>
-            <p:cNvSpPr/>
-            <p:nvPr/>
-          </p:nvSpPr>
-          <p:spPr>
-            <a:xfrm>
-              <a:off x="5077308" y="1562100"/>
-              <a:ext cx="1447800" cy="1752582"/>
-            </a:xfrm>
-            <a:prstGeom prst="flowChartMagneticDisk">
-              <a:avLst/>
-            </a:prstGeom>
-          </p:spPr>
-          <p:style>
-            <a:lnRef idx="2">
-              <a:schemeClr val="accent1">
-                <a:shade val="50000"/>
-              </a:schemeClr>
-            </a:lnRef>
-            <a:fillRef idx="1">
-              <a:schemeClr val="accent1"/>
-            </a:fillRef>
-            <a:effectRef idx="0">
-              <a:schemeClr val="accent1"/>
-            </a:effectRef>
-            <a:fontRef idx="minor">
-              <a:schemeClr val="lt1"/>
-            </a:fontRef>
-          </p:style>
-          <p:txBody>
-            <a:bodyPr rtlCol="0" anchor="ctr"/>
-            <a:lstStyle/>
-            <a:p>
-              <a:pPr algn="ctr" defTabSz="1218987"/>
-              <a:endParaRPr lang="en-US" sz="1400">
-                <a:solidFill>
-                  <a:prstClr val="white"/>
-                </a:solidFill>
-                <a:latin typeface="Calibri"/>
-              </a:endParaRPr>
-            </a:p>
-          </p:txBody>
-        </p:sp>
-        <p:cxnSp>
-          <p:nvCxnSpPr>
-            <p:cNvPr id="72" name="Connector: Elbow 71">
-              <a:extLst>
-                <a:ext uri="{FF2B5EF4-FFF2-40B4-BE49-F238E27FC236}">
-                  <a16:creationId xmlns:a16="http://schemas.microsoft.com/office/drawing/2014/main" id="{0448A7DD-4DA0-40D3-B9C3-EF5B1296F564}"/>
-                </a:ext>
-              </a:extLst>
-            </p:cNvPr>
-            <p:cNvCxnSpPr>
-              <a:stCxn id="67" idx="3"/>
-            </p:cNvCxnSpPr>
-            <p:nvPr/>
-          </p:nvCxnSpPr>
-          <p:spPr>
-            <a:xfrm>
-              <a:off x="3884612" y="1714496"/>
-              <a:ext cx="1192696" cy="419095"/>
-            </a:xfrm>
-            <a:prstGeom prst="bentConnector3">
-              <a:avLst/>
-            </a:prstGeom>
-            <a:ln>
-              <a:tailEnd type="triangle"/>
-            </a:ln>
-          </p:spPr>
-          <p:style>
-            <a:lnRef idx="1">
-              <a:schemeClr val="accent1"/>
-            </a:lnRef>
-            <a:fillRef idx="0">
-              <a:schemeClr val="accent1"/>
-            </a:fillRef>
-            <a:effectRef idx="0">
-              <a:schemeClr val="accent1"/>
-            </a:effectRef>
-            <a:fontRef idx="minor">
-              <a:schemeClr val="tx1"/>
-            </a:fontRef>
-          </p:style>
-        </p:cxnSp>
-        <p:cxnSp>
-          <p:nvCxnSpPr>
-            <p:cNvPr id="73" name="Connector: Elbow 72">
-              <a:extLst>
-                <a:ext uri="{FF2B5EF4-FFF2-40B4-BE49-F238E27FC236}">
-                  <a16:creationId xmlns:a16="http://schemas.microsoft.com/office/drawing/2014/main" id="{FF5FD450-8264-412E-AAF8-D88918D6BD86}"/>
-                </a:ext>
-              </a:extLst>
-            </p:cNvPr>
-            <p:cNvCxnSpPr>
-              <a:stCxn id="68" idx="3"/>
-              <a:endCxn id="71" idx="2"/>
-            </p:cNvCxnSpPr>
-            <p:nvPr/>
-          </p:nvCxnSpPr>
-          <p:spPr>
-            <a:xfrm flipV="1">
-              <a:off x="3884612" y="2438391"/>
-              <a:ext cx="1192696" cy="419096"/>
-            </a:xfrm>
-            <a:prstGeom prst="bentConnector3">
-              <a:avLst/>
-            </a:prstGeom>
-            <a:ln>
-              <a:tailEnd type="triangle"/>
-            </a:ln>
-          </p:spPr>
-          <p:style>
-            <a:lnRef idx="1">
-              <a:schemeClr val="accent1"/>
-            </a:lnRef>
-            <a:fillRef idx="0">
-              <a:schemeClr val="accent1"/>
-            </a:fillRef>
-            <a:effectRef idx="0">
-              <a:schemeClr val="accent1"/>
-            </a:effectRef>
-            <a:fontRef idx="minor">
-              <a:schemeClr val="tx1"/>
-            </a:fontRef>
-          </p:style>
-        </p:cxnSp>
-        <p:cxnSp>
-          <p:nvCxnSpPr>
-            <p:cNvPr id="74" name="Connector: Elbow 73">
-              <a:extLst>
-                <a:ext uri="{FF2B5EF4-FFF2-40B4-BE49-F238E27FC236}">
-                  <a16:creationId xmlns:a16="http://schemas.microsoft.com/office/drawing/2014/main" id="{28A784AC-0352-475A-800D-5D13AC2EC0AF}"/>
-                </a:ext>
-              </a:extLst>
-            </p:cNvPr>
-            <p:cNvCxnSpPr>
-              <a:stCxn id="69" idx="1"/>
-            </p:cNvCxnSpPr>
-            <p:nvPr/>
-          </p:nvCxnSpPr>
-          <p:spPr>
-            <a:xfrm rot="10800000" flipV="1">
-              <a:off x="6525108" y="1717427"/>
-              <a:ext cx="1192696" cy="455500"/>
-            </a:xfrm>
-            <a:prstGeom prst="bentConnector3">
-              <a:avLst/>
-            </a:prstGeom>
-            <a:ln>
-              <a:tailEnd type="triangle"/>
-            </a:ln>
-          </p:spPr>
-          <p:style>
-            <a:lnRef idx="1">
-              <a:schemeClr val="accent1"/>
-            </a:lnRef>
-            <a:fillRef idx="0">
-              <a:schemeClr val="accent1"/>
-            </a:fillRef>
-            <a:effectRef idx="0">
-              <a:schemeClr val="accent1"/>
-            </a:effectRef>
-            <a:fontRef idx="minor">
-              <a:schemeClr val="tx1"/>
-            </a:fontRef>
-          </p:style>
-        </p:cxnSp>
-        <p:cxnSp>
-          <p:nvCxnSpPr>
-            <p:cNvPr id="75" name="Connector: Elbow 74">
-              <a:extLst>
-                <a:ext uri="{FF2B5EF4-FFF2-40B4-BE49-F238E27FC236}">
-                  <a16:creationId xmlns:a16="http://schemas.microsoft.com/office/drawing/2014/main" id="{393E11C0-54B3-48C7-9039-450741ABD7FF}"/>
-                </a:ext>
-              </a:extLst>
-            </p:cNvPr>
-            <p:cNvCxnSpPr>
-              <a:stCxn id="70" idx="1"/>
-              <a:endCxn id="71" idx="4"/>
-            </p:cNvCxnSpPr>
-            <p:nvPr/>
-          </p:nvCxnSpPr>
-          <p:spPr>
-            <a:xfrm rot="10800000">
-              <a:off x="6525108" y="2438392"/>
-              <a:ext cx="1192696" cy="374747"/>
-            </a:xfrm>
-            <a:prstGeom prst="bentConnector3">
-              <a:avLst/>
-            </a:prstGeom>
-            <a:ln>
-              <a:tailEnd type="triangle"/>
-            </a:ln>
-          </p:spPr>
-          <p:style>
-            <a:lnRef idx="1">
-              <a:schemeClr val="accent1"/>
-            </a:lnRef>
-            <a:fillRef idx="0">
-              <a:schemeClr val="accent1"/>
-            </a:fillRef>
-            <a:effectRef idx="0">
-              <a:schemeClr val="accent1"/>
-            </a:effectRef>
-            <a:fontRef idx="minor">
-              <a:schemeClr val="tx1"/>
-            </a:fontRef>
-          </p:style>
-        </p:cxnSp>
-      </p:grpSp>
-      <p:grpSp>
-        <p:nvGrpSpPr>
-          <p:cNvPr id="76" name="Group 75">
+          <a:prstGeom prst="rect">
+            <a:avLst/>
+          </a:prstGeom>
+          <a:noFill/>
+        </p:spPr>
+        <p:txBody>
+          <a:bodyPr wrap="square" rtlCol="0">
+            <a:spAutoFit/>
+          </a:bodyPr>
+          <a:lstStyle/>
+          <a:p>
+            <a:r>
+              <a:rPr lang="en-US" sz="1600" b="1" dirty="0"/>
+              <a:t>Master Data - Dimension</a:t>
+            </a:r>
+          </a:p>
+        </p:txBody>
+      </p:sp>
+      <p:graphicFrame>
+        <p:nvGraphicFramePr>
+          <p:cNvPr id="86" name="Table 85">
             <a:extLst>
               <a:ext uri="{FF2B5EF4-FFF2-40B4-BE49-F238E27FC236}">
-                <a16:creationId xmlns:a16="http://schemas.microsoft.com/office/drawing/2014/main" id="{56C907DF-4C12-4FC9-9B52-D36D84AE0B2C}"/>
+                <a16:creationId xmlns:a16="http://schemas.microsoft.com/office/drawing/2014/main" id="{6B596AF6-3B14-45CE-BECC-C33140346E31}"/>
               </a:ext>
             </a:extLst>
           </p:cNvPr>
-          <p:cNvGrpSpPr/>
-          <p:nvPr/>
-        </p:nvGrpSpPr>
-        <p:grpSpPr>
-          <a:xfrm>
-            <a:off x="10988798" y="2289122"/>
-            <a:ext cx="3200400" cy="793842"/>
-            <a:chOff x="1979612" y="1295400"/>
-            <a:chExt cx="7643192" cy="2019282"/>
-          </a:xfrm>
-        </p:grpSpPr>
-        <p:sp>
-          <p:nvSpPr>
-            <p:cNvPr id="77" name="Rectangle 76">
-              <a:extLst>
-                <a:ext uri="{FF2B5EF4-FFF2-40B4-BE49-F238E27FC236}">
-                  <a16:creationId xmlns:a16="http://schemas.microsoft.com/office/drawing/2014/main" id="{99ABDF84-DF53-4A3C-9705-2590E2DEBABE}"/>
-                </a:ext>
-              </a:extLst>
-            </p:cNvPr>
-            <p:cNvSpPr/>
-            <p:nvPr/>
-          </p:nvSpPr>
-          <p:spPr>
-            <a:xfrm>
-              <a:off x="1979612" y="1295400"/>
-              <a:ext cx="1905000" cy="838191"/>
-            </a:xfrm>
-            <a:prstGeom prst="rect">
-              <a:avLst/>
-            </a:prstGeom>
-          </p:spPr>
-          <p:style>
-            <a:lnRef idx="2">
-              <a:schemeClr val="accent1">
-                <a:shade val="50000"/>
-              </a:schemeClr>
-            </a:lnRef>
-            <a:fillRef idx="1">
-              <a:schemeClr val="accent1"/>
-            </a:fillRef>
-            <a:effectRef idx="0">
-              <a:schemeClr val="accent1"/>
-            </a:effectRef>
-            <a:fontRef idx="minor">
-              <a:schemeClr val="lt1"/>
-            </a:fontRef>
-          </p:style>
-          <p:txBody>
-            <a:bodyPr rtlCol="0" anchor="ctr"/>
-            <a:lstStyle/>
-            <a:p>
-              <a:pPr algn="ctr" defTabSz="1218987"/>
-              <a:r>
-                <a:rPr lang="en-US" sz="1400" dirty="0">
-                  <a:solidFill>
-                    <a:prstClr val="white"/>
-                  </a:solidFill>
-                  <a:latin typeface="Calibri"/>
-                </a:rPr>
-                <a:t>Miami</a:t>
-              </a:r>
-            </a:p>
-          </p:txBody>
-        </p:sp>
-        <p:sp>
-          <p:nvSpPr>
-            <p:cNvPr id="78" name="Rectangle 77">
-              <a:extLst>
-                <a:ext uri="{FF2B5EF4-FFF2-40B4-BE49-F238E27FC236}">
-                  <a16:creationId xmlns:a16="http://schemas.microsoft.com/office/drawing/2014/main" id="{9E7D06A0-5EFE-43A8-8EB1-35F20F205261}"/>
-                </a:ext>
-              </a:extLst>
-            </p:cNvPr>
-            <p:cNvSpPr/>
-            <p:nvPr/>
-          </p:nvSpPr>
-          <p:spPr>
-            <a:xfrm>
-              <a:off x="1979612" y="2438391"/>
-              <a:ext cx="1905000" cy="838191"/>
-            </a:xfrm>
-            <a:prstGeom prst="rect">
-              <a:avLst/>
-            </a:prstGeom>
-          </p:spPr>
-          <p:style>
-            <a:lnRef idx="2">
-              <a:schemeClr val="accent1">
-                <a:shade val="50000"/>
-              </a:schemeClr>
-            </a:lnRef>
-            <a:fillRef idx="1">
-              <a:schemeClr val="accent1"/>
-            </a:fillRef>
-            <a:effectRef idx="0">
-              <a:schemeClr val="accent1"/>
-            </a:effectRef>
-            <a:fontRef idx="minor">
-              <a:schemeClr val="lt1"/>
-            </a:fontRef>
-          </p:style>
-          <p:txBody>
-            <a:bodyPr rtlCol="0" anchor="ctr"/>
-            <a:lstStyle/>
-            <a:p>
-              <a:pPr algn="ctr" defTabSz="1218987"/>
-              <a:r>
-                <a:rPr lang="en-US" sz="1400" dirty="0">
-                  <a:solidFill>
-                    <a:prstClr val="white"/>
-                  </a:solidFill>
-                  <a:latin typeface="Calibri"/>
-                </a:rPr>
-                <a:t>NYC</a:t>
-              </a:r>
-            </a:p>
-          </p:txBody>
-        </p:sp>
-        <p:sp>
-          <p:nvSpPr>
-            <p:cNvPr id="79" name="Rectangle 78">
-              <a:extLst>
-                <a:ext uri="{FF2B5EF4-FFF2-40B4-BE49-F238E27FC236}">
-                  <a16:creationId xmlns:a16="http://schemas.microsoft.com/office/drawing/2014/main" id="{2796F03D-1C26-4BDC-B971-5AC27FA691FD}"/>
-                </a:ext>
-              </a:extLst>
-            </p:cNvPr>
-            <p:cNvSpPr/>
-            <p:nvPr/>
-          </p:nvSpPr>
-          <p:spPr>
-            <a:xfrm>
-              <a:off x="7717804" y="1298331"/>
-              <a:ext cx="1905000" cy="838191"/>
-            </a:xfrm>
-            <a:prstGeom prst="rect">
-              <a:avLst/>
-            </a:prstGeom>
-          </p:spPr>
-          <p:style>
-            <a:lnRef idx="2">
-              <a:schemeClr val="accent1">
-                <a:shade val="50000"/>
-              </a:schemeClr>
-            </a:lnRef>
-            <a:fillRef idx="1">
-              <a:schemeClr val="accent1"/>
-            </a:fillRef>
-            <a:effectRef idx="0">
-              <a:schemeClr val="accent1"/>
-            </a:effectRef>
-            <a:fontRef idx="minor">
-              <a:schemeClr val="lt1"/>
-            </a:fontRef>
-          </p:style>
-          <p:txBody>
-            <a:bodyPr rtlCol="0" anchor="ctr"/>
-            <a:lstStyle/>
-            <a:p>
-              <a:pPr algn="ctr" defTabSz="1218987"/>
-              <a:r>
-                <a:rPr lang="en-US" sz="1400" dirty="0">
-                  <a:solidFill>
-                    <a:prstClr val="white"/>
-                  </a:solidFill>
-                  <a:latin typeface="Calibri"/>
-                </a:rPr>
-                <a:t>Santa Clara</a:t>
-              </a:r>
-            </a:p>
-          </p:txBody>
-        </p:sp>
-        <p:sp>
-          <p:nvSpPr>
-            <p:cNvPr id="80" name="Rectangle 79">
-              <a:extLst>
-                <a:ext uri="{FF2B5EF4-FFF2-40B4-BE49-F238E27FC236}">
-                  <a16:creationId xmlns:a16="http://schemas.microsoft.com/office/drawing/2014/main" id="{CC5B77A4-C0DD-47AF-9499-11864784AADC}"/>
-                </a:ext>
-              </a:extLst>
-            </p:cNvPr>
-            <p:cNvSpPr/>
-            <p:nvPr/>
-          </p:nvSpPr>
-          <p:spPr>
-            <a:xfrm>
-              <a:off x="7717804" y="2394042"/>
-              <a:ext cx="1905000" cy="838191"/>
-            </a:xfrm>
-            <a:prstGeom prst="rect">
-              <a:avLst/>
-            </a:prstGeom>
-          </p:spPr>
-          <p:style>
-            <a:lnRef idx="2">
-              <a:schemeClr val="accent1">
-                <a:shade val="50000"/>
-              </a:schemeClr>
-            </a:lnRef>
-            <a:fillRef idx="1">
-              <a:schemeClr val="accent1"/>
-            </a:fillRef>
-            <a:effectRef idx="0">
-              <a:schemeClr val="accent1"/>
-            </a:effectRef>
-            <a:fontRef idx="minor">
-              <a:schemeClr val="lt1"/>
-            </a:fontRef>
-          </p:style>
-          <p:txBody>
-            <a:bodyPr rtlCol="0" anchor="ctr"/>
-            <a:lstStyle/>
-            <a:p>
-              <a:pPr algn="ctr" defTabSz="1218987"/>
-              <a:r>
-                <a:rPr lang="en-US" sz="1400" dirty="0">
-                  <a:solidFill>
-                    <a:prstClr val="white"/>
-                  </a:solidFill>
-                  <a:latin typeface="Calibri"/>
-                </a:rPr>
-                <a:t>Kings County</a:t>
-              </a:r>
-            </a:p>
-          </p:txBody>
-        </p:sp>
-        <p:sp>
-          <p:nvSpPr>
-            <p:cNvPr id="81" name="Flowchart: Magnetic Disk 80">
-              <a:extLst>
-                <a:ext uri="{FF2B5EF4-FFF2-40B4-BE49-F238E27FC236}">
-                  <a16:creationId xmlns:a16="http://schemas.microsoft.com/office/drawing/2014/main" id="{C1DF247B-F1AB-47B1-BAD2-526E02100AC4}"/>
-                </a:ext>
-              </a:extLst>
-            </p:cNvPr>
-            <p:cNvSpPr/>
-            <p:nvPr/>
-          </p:nvSpPr>
-          <p:spPr>
-            <a:xfrm>
-              <a:off x="5077308" y="1562100"/>
-              <a:ext cx="1447800" cy="1752582"/>
-            </a:xfrm>
-            <a:prstGeom prst="flowChartMagneticDisk">
-              <a:avLst/>
-            </a:prstGeom>
-          </p:spPr>
-          <p:style>
-            <a:lnRef idx="2">
-              <a:schemeClr val="accent1">
-                <a:shade val="50000"/>
-              </a:schemeClr>
-            </a:lnRef>
-            <a:fillRef idx="1">
-              <a:schemeClr val="accent1"/>
-            </a:fillRef>
-            <a:effectRef idx="0">
-              <a:schemeClr val="accent1"/>
-            </a:effectRef>
-            <a:fontRef idx="minor">
-              <a:schemeClr val="lt1"/>
-            </a:fontRef>
-          </p:style>
-          <p:txBody>
-            <a:bodyPr rtlCol="0" anchor="ctr"/>
-            <a:lstStyle/>
-            <a:p>
-              <a:pPr algn="ctr" defTabSz="1218987"/>
-              <a:endParaRPr lang="en-US" sz="1400">
-                <a:solidFill>
-                  <a:prstClr val="white"/>
-                </a:solidFill>
-                <a:latin typeface="Calibri"/>
-              </a:endParaRPr>
-            </a:p>
-          </p:txBody>
-        </p:sp>
-        <p:cxnSp>
-          <p:nvCxnSpPr>
-            <p:cNvPr id="82" name="Connector: Elbow 81">
-              <a:extLst>
-                <a:ext uri="{FF2B5EF4-FFF2-40B4-BE49-F238E27FC236}">
-                  <a16:creationId xmlns:a16="http://schemas.microsoft.com/office/drawing/2014/main" id="{C81014A7-6D7E-48BC-9EAD-6B6CEC593F5B}"/>
-                </a:ext>
-              </a:extLst>
-            </p:cNvPr>
-            <p:cNvCxnSpPr>
-              <a:stCxn id="77" idx="3"/>
-            </p:cNvCxnSpPr>
-            <p:nvPr/>
-          </p:nvCxnSpPr>
-          <p:spPr>
-            <a:xfrm>
-              <a:off x="3884612" y="1714496"/>
-              <a:ext cx="1192696" cy="419095"/>
-            </a:xfrm>
-            <a:prstGeom prst="bentConnector3">
-              <a:avLst/>
-            </a:prstGeom>
-            <a:ln>
-              <a:tailEnd type="triangle"/>
-            </a:ln>
-          </p:spPr>
-          <p:style>
-            <a:lnRef idx="1">
-              <a:schemeClr val="accent1"/>
-            </a:lnRef>
-            <a:fillRef idx="0">
-              <a:schemeClr val="accent1"/>
-            </a:fillRef>
-            <a:effectRef idx="0">
-              <a:schemeClr val="accent1"/>
-            </a:effectRef>
-            <a:fontRef idx="minor">
-              <a:schemeClr val="tx1"/>
-            </a:fontRef>
-          </p:style>
-        </p:cxnSp>
-        <p:cxnSp>
-          <p:nvCxnSpPr>
-            <p:cNvPr id="83" name="Connector: Elbow 82">
-              <a:extLst>
-                <a:ext uri="{FF2B5EF4-FFF2-40B4-BE49-F238E27FC236}">
-                  <a16:creationId xmlns:a16="http://schemas.microsoft.com/office/drawing/2014/main" id="{96D20508-F553-4CF8-A827-640C2E24A518}"/>
-                </a:ext>
-              </a:extLst>
-            </p:cNvPr>
-            <p:cNvCxnSpPr>
-              <a:stCxn id="78" idx="3"/>
-              <a:endCxn id="81" idx="2"/>
-            </p:cNvCxnSpPr>
-            <p:nvPr/>
-          </p:nvCxnSpPr>
-          <p:spPr>
-            <a:xfrm flipV="1">
-              <a:off x="3884612" y="2438391"/>
-              <a:ext cx="1192696" cy="419096"/>
-            </a:xfrm>
-            <a:prstGeom prst="bentConnector3">
-              <a:avLst/>
-            </a:prstGeom>
-            <a:ln>
-              <a:tailEnd type="triangle"/>
-            </a:ln>
-          </p:spPr>
-          <p:style>
-            <a:lnRef idx="1">
-              <a:schemeClr val="accent1"/>
-            </a:lnRef>
-            <a:fillRef idx="0">
-              <a:schemeClr val="accent1"/>
-            </a:fillRef>
-            <a:effectRef idx="0">
-              <a:schemeClr val="accent1"/>
-            </a:effectRef>
-            <a:fontRef idx="minor">
-              <a:schemeClr val="tx1"/>
-            </a:fontRef>
-          </p:style>
-        </p:cxnSp>
-        <p:cxnSp>
-          <p:nvCxnSpPr>
-            <p:cNvPr id="84" name="Connector: Elbow 83">
-              <a:extLst>
-                <a:ext uri="{FF2B5EF4-FFF2-40B4-BE49-F238E27FC236}">
-                  <a16:creationId xmlns:a16="http://schemas.microsoft.com/office/drawing/2014/main" id="{D4B335E4-1BE1-46EA-A8CA-859342D643F3}"/>
-                </a:ext>
-              </a:extLst>
-            </p:cNvPr>
-            <p:cNvCxnSpPr>
-              <a:stCxn id="79" idx="1"/>
-            </p:cNvCxnSpPr>
-            <p:nvPr/>
-          </p:nvCxnSpPr>
-          <p:spPr>
-            <a:xfrm rot="10800000" flipV="1">
-              <a:off x="6525108" y="1717427"/>
-              <a:ext cx="1192696" cy="455500"/>
-            </a:xfrm>
-            <a:prstGeom prst="bentConnector3">
-              <a:avLst/>
-            </a:prstGeom>
-            <a:ln>
-              <a:tailEnd type="triangle"/>
-            </a:ln>
-          </p:spPr>
-          <p:style>
-            <a:lnRef idx="1">
-              <a:schemeClr val="accent1"/>
-            </a:lnRef>
-            <a:fillRef idx="0">
-              <a:schemeClr val="accent1"/>
-            </a:fillRef>
-            <a:effectRef idx="0">
-              <a:schemeClr val="accent1"/>
-            </a:effectRef>
-            <a:fontRef idx="minor">
-              <a:schemeClr val="tx1"/>
-            </a:fontRef>
-          </p:style>
-        </p:cxnSp>
-        <p:cxnSp>
-          <p:nvCxnSpPr>
-            <p:cNvPr id="85" name="Connector: Elbow 84">
-              <a:extLst>
-                <a:ext uri="{FF2B5EF4-FFF2-40B4-BE49-F238E27FC236}">
-                  <a16:creationId xmlns:a16="http://schemas.microsoft.com/office/drawing/2014/main" id="{3B00914E-6085-4B0E-AEAA-CBA6F5494186}"/>
-                </a:ext>
-              </a:extLst>
-            </p:cNvPr>
-            <p:cNvCxnSpPr>
-              <a:stCxn id="80" idx="1"/>
-              <a:endCxn id="81" idx="4"/>
-            </p:cNvCxnSpPr>
-            <p:nvPr/>
-          </p:nvCxnSpPr>
-          <p:spPr>
-            <a:xfrm rot="10800000">
-              <a:off x="6525108" y="2438392"/>
-              <a:ext cx="1192696" cy="374747"/>
-            </a:xfrm>
-            <a:prstGeom prst="bentConnector3">
-              <a:avLst/>
-            </a:prstGeom>
-            <a:ln>
-              <a:tailEnd type="triangle"/>
-            </a:ln>
-          </p:spPr>
-          <p:style>
-            <a:lnRef idx="1">
-              <a:schemeClr val="accent1"/>
-            </a:lnRef>
-            <a:fillRef idx="0">
-              <a:schemeClr val="accent1"/>
-            </a:fillRef>
-            <a:effectRef idx="0">
-              <a:schemeClr val="accent1"/>
-            </a:effectRef>
-            <a:fontRef idx="minor">
-              <a:schemeClr val="tx1"/>
-            </a:fontRef>
-          </p:style>
-        </p:cxnSp>
-      </p:grpSp>
-      <p:sp>
-        <p:nvSpPr>
-          <p:cNvPr id="20" name="Rectangle: Rounded Corners 19">
+          <p:cNvGraphicFramePr>
+            <a:graphicFrameLocks noGrp="1"/>
+          </p:cNvGraphicFramePr>
+          <p:nvPr>
+            <p:extLst>
+              <p:ext uri="{D42A27DB-BD31-4B8C-83A1-F6EECF244321}">
+                <p14:modId xmlns:p14="http://schemas.microsoft.com/office/powerpoint/2010/main" val="2820533523"/>
+              </p:ext>
+            </p:extLst>
+          </p:nvPr>
+        </p:nvGraphicFramePr>
+        <p:xfrm>
+          <a:off x="9722614" y="1124527"/>
+          <a:ext cx="2677160" cy="1371600"/>
+        </p:xfrm>
+        <a:graphic>
+          <a:graphicData uri="http://schemas.openxmlformats.org/drawingml/2006/table">
+            <a:tbl>
+              <a:tblPr firstRow="1" bandRow="1">
+                <a:tableStyleId>{5C22544A-7EE6-4342-B048-85BDC9FD1C3A}</a:tableStyleId>
+              </a:tblPr>
+              <a:tblGrid>
+                <a:gridCol w="962660">
+                  <a:extLst>
+                    <a:ext uri="{9D8B030D-6E8A-4147-A177-3AD203B41FA5}">
+                      <a16:colId xmlns:a16="http://schemas.microsoft.com/office/drawing/2014/main" val="272882488"/>
+                    </a:ext>
+                  </a:extLst>
+                </a:gridCol>
+                <a:gridCol w="1714500">
+                  <a:extLst>
+                    <a:ext uri="{9D8B030D-6E8A-4147-A177-3AD203B41FA5}">
+                      <a16:colId xmlns:a16="http://schemas.microsoft.com/office/drawing/2014/main" val="2476513669"/>
+                    </a:ext>
+                  </a:extLst>
+                </a:gridCol>
+              </a:tblGrid>
+              <a:tr h="212664">
+                <a:tc>
+                  <a:txBody>
+                    <a:bodyPr/>
+                    <a:lstStyle/>
+                    <a:p>
+                      <a:r>
+                        <a:rPr lang="en-US" sz="1200" dirty="0"/>
+                        <a:t>PID</a:t>
+                      </a:r>
+                    </a:p>
+                  </a:txBody>
+                  <a:tcPr/>
+                </a:tc>
+                <a:tc>
+                  <a:txBody>
+                    <a:bodyPr/>
+                    <a:lstStyle/>
+                    <a:p>
+                      <a:r>
+                        <a:rPr lang="en-US" sz="1200" dirty="0"/>
+                        <a:t>Name</a:t>
+                      </a:r>
+                    </a:p>
+                  </a:txBody>
+                  <a:tcPr/>
+                </a:tc>
+                <a:extLst>
+                  <a:ext uri="{0D108BD9-81ED-4DB2-BD59-A6C34878D82A}">
+                    <a16:rowId xmlns:a16="http://schemas.microsoft.com/office/drawing/2014/main" val="889355203"/>
+                  </a:ext>
+                </a:extLst>
+              </a:tr>
+              <a:tr h="212664">
+                <a:tc>
+                  <a:txBody>
+                    <a:bodyPr/>
+                    <a:lstStyle/>
+                    <a:p>
+                      <a:r>
+                        <a:rPr lang="en-US" sz="1200" dirty="0"/>
+                        <a:t>P1</a:t>
+                      </a:r>
+                    </a:p>
+                  </a:txBody>
+                  <a:tcPr/>
+                </a:tc>
+                <a:tc>
+                  <a:txBody>
+                    <a:bodyPr/>
+                    <a:lstStyle/>
+                    <a:p>
+                      <a:r>
+                        <a:rPr lang="en-US" sz="1200" dirty="0"/>
+                        <a:t>LAPTOP</a:t>
+                      </a:r>
+                    </a:p>
+                  </a:txBody>
+                  <a:tcPr/>
+                </a:tc>
+                <a:extLst>
+                  <a:ext uri="{0D108BD9-81ED-4DB2-BD59-A6C34878D82A}">
+                    <a16:rowId xmlns:a16="http://schemas.microsoft.com/office/drawing/2014/main" val="3201544930"/>
+                  </a:ext>
+                </a:extLst>
+              </a:tr>
+              <a:tr h="212664">
+                <a:tc>
+                  <a:txBody>
+                    <a:bodyPr/>
+                    <a:lstStyle/>
+                    <a:p>
+                      <a:r>
+                        <a:rPr lang="en-US" sz="1200" dirty="0"/>
+                        <a:t>P2</a:t>
+                      </a:r>
+                    </a:p>
+                  </a:txBody>
+                  <a:tcPr/>
+                </a:tc>
+                <a:tc>
+                  <a:txBody>
+                    <a:bodyPr/>
+                    <a:lstStyle/>
+                    <a:p>
+                      <a:r>
+                        <a:rPr lang="en-US" sz="1200" dirty="0"/>
+                        <a:t>PROJECTOR</a:t>
+                      </a:r>
+                    </a:p>
+                  </a:txBody>
+                  <a:tcPr/>
+                </a:tc>
+                <a:extLst>
+                  <a:ext uri="{0D108BD9-81ED-4DB2-BD59-A6C34878D82A}">
+                    <a16:rowId xmlns:a16="http://schemas.microsoft.com/office/drawing/2014/main" val="864891476"/>
+                  </a:ext>
+                </a:extLst>
+              </a:tr>
+              <a:tr h="212664">
+                <a:tc>
+                  <a:txBody>
+                    <a:bodyPr/>
+                    <a:lstStyle/>
+                    <a:p>
+                      <a:r>
+                        <a:rPr lang="en-US" sz="1200" dirty="0"/>
+                        <a:t>P3</a:t>
+                      </a:r>
+                    </a:p>
+                  </a:txBody>
+                  <a:tcPr/>
+                </a:tc>
+                <a:tc>
+                  <a:txBody>
+                    <a:bodyPr/>
+                    <a:lstStyle/>
+                    <a:p>
+                      <a:r>
+                        <a:rPr lang="en-US" sz="1200" dirty="0"/>
+                        <a:t>PRINTER</a:t>
+                      </a:r>
+                    </a:p>
+                  </a:txBody>
+                  <a:tcPr/>
+                </a:tc>
+                <a:extLst>
+                  <a:ext uri="{0D108BD9-81ED-4DB2-BD59-A6C34878D82A}">
+                    <a16:rowId xmlns:a16="http://schemas.microsoft.com/office/drawing/2014/main" val="668321922"/>
+                  </a:ext>
+                </a:extLst>
+              </a:tr>
+              <a:tr h="212664">
+                <a:tc>
+                  <a:txBody>
+                    <a:bodyPr/>
+                    <a:lstStyle/>
+                    <a:p>
+                      <a:endParaRPr lang="en-US" sz="1200"/>
+                    </a:p>
+                  </a:txBody>
+                  <a:tcPr/>
+                </a:tc>
+                <a:tc>
+                  <a:txBody>
+                    <a:bodyPr/>
+                    <a:lstStyle/>
+                    <a:p>
+                      <a:endParaRPr lang="en-US" sz="1200" dirty="0"/>
+                    </a:p>
+                  </a:txBody>
+                  <a:tcPr/>
+                </a:tc>
+                <a:extLst>
+                  <a:ext uri="{0D108BD9-81ED-4DB2-BD59-A6C34878D82A}">
+                    <a16:rowId xmlns:a16="http://schemas.microsoft.com/office/drawing/2014/main" val="3913733586"/>
+                  </a:ext>
+                </a:extLst>
+              </a:tr>
+            </a:tbl>
+          </a:graphicData>
+        </a:graphic>
+      </p:graphicFrame>
+      <p:sp>
+        <p:nvSpPr>
+          <p:cNvPr id="17" name="TextBox 16">
             <a:extLst>
               <a:ext uri="{FF2B5EF4-FFF2-40B4-BE49-F238E27FC236}">
-                <a16:creationId xmlns:a16="http://schemas.microsoft.com/office/drawing/2014/main" id="{428EF15B-EDA6-4D9A-A331-DD8458490209}"/>
+                <a16:creationId xmlns:a16="http://schemas.microsoft.com/office/drawing/2014/main" id="{A48DC345-837A-4648-9CA0-BB842BFECF13}"/>
+              </a:ext>
+            </a:extLst>
+          </p:cNvPr>
+          <p:cNvSpPr txBox="1"/>
+          <p:nvPr/>
+        </p:nvSpPr>
+        <p:spPr>
+          <a:xfrm>
+            <a:off x="9624393" y="2636520"/>
+            <a:ext cx="3238167" cy="646331"/>
+          </a:xfrm>
+          <a:prstGeom prst="rect">
+            <a:avLst/>
+          </a:prstGeom>
+          <a:noFill/>
+        </p:spPr>
+        <p:txBody>
+          <a:bodyPr wrap="square" rtlCol="0">
+            <a:spAutoFit/>
+          </a:bodyPr>
+          <a:lstStyle/>
+          <a:p>
+            <a:r>
+              <a:rPr lang="en-US" dirty="0"/>
+              <a:t>Which product was most selling one?</a:t>
+            </a:r>
+          </a:p>
+        </p:txBody>
+      </p:sp>
+      <p:graphicFrame>
+        <p:nvGraphicFramePr>
+          <p:cNvPr id="88" name="Table 87">
+            <a:extLst>
+              <a:ext uri="{FF2B5EF4-FFF2-40B4-BE49-F238E27FC236}">
+                <a16:creationId xmlns:a16="http://schemas.microsoft.com/office/drawing/2014/main" id="{370C6B0F-DFA4-4877-8A88-A1C434C2E038}"/>
+              </a:ext>
+            </a:extLst>
+          </p:cNvPr>
+          <p:cNvGraphicFramePr>
+            <a:graphicFrameLocks noGrp="1"/>
+          </p:cNvGraphicFramePr>
+          <p:nvPr>
+            <p:extLst>
+              <p:ext uri="{D42A27DB-BD31-4B8C-83A1-F6EECF244321}">
+                <p14:modId xmlns:p14="http://schemas.microsoft.com/office/powerpoint/2010/main" val="2370302600"/>
+              </p:ext>
+            </p:extLst>
+          </p:nvPr>
+        </p:nvGraphicFramePr>
+        <p:xfrm>
+          <a:off x="9624393" y="4835331"/>
+          <a:ext cx="2677160" cy="1371600"/>
+        </p:xfrm>
+        <a:graphic>
+          <a:graphicData uri="http://schemas.openxmlformats.org/drawingml/2006/table">
+            <a:tbl>
+              <a:tblPr firstRow="1" bandRow="1">
+                <a:tableStyleId>{5C22544A-7EE6-4342-B048-85BDC9FD1C3A}</a:tableStyleId>
+              </a:tblPr>
+              <a:tblGrid>
+                <a:gridCol w="962660">
+                  <a:extLst>
+                    <a:ext uri="{9D8B030D-6E8A-4147-A177-3AD203B41FA5}">
+                      <a16:colId xmlns:a16="http://schemas.microsoft.com/office/drawing/2014/main" val="272882488"/>
+                    </a:ext>
+                  </a:extLst>
+                </a:gridCol>
+                <a:gridCol w="1714500">
+                  <a:extLst>
+                    <a:ext uri="{9D8B030D-6E8A-4147-A177-3AD203B41FA5}">
+                      <a16:colId xmlns:a16="http://schemas.microsoft.com/office/drawing/2014/main" val="2476513669"/>
+                    </a:ext>
+                  </a:extLst>
+                </a:gridCol>
+              </a:tblGrid>
+              <a:tr h="212664">
+                <a:tc>
+                  <a:txBody>
+                    <a:bodyPr/>
+                    <a:lstStyle/>
+                    <a:p>
+                      <a:r>
+                        <a:rPr lang="en-US" sz="1200" dirty="0"/>
+                        <a:t>Country</a:t>
+                      </a:r>
+                    </a:p>
+                  </a:txBody>
+                  <a:tcPr/>
+                </a:tc>
+                <a:tc>
+                  <a:txBody>
+                    <a:bodyPr/>
+                    <a:lstStyle/>
+                    <a:p>
+                      <a:r>
+                        <a:rPr lang="en-US" sz="1200" dirty="0"/>
+                        <a:t>Country</a:t>
+                      </a:r>
+                    </a:p>
+                  </a:txBody>
+                  <a:tcPr/>
+                </a:tc>
+                <a:extLst>
+                  <a:ext uri="{0D108BD9-81ED-4DB2-BD59-A6C34878D82A}">
+                    <a16:rowId xmlns:a16="http://schemas.microsoft.com/office/drawing/2014/main" val="889355203"/>
+                  </a:ext>
+                </a:extLst>
+              </a:tr>
+              <a:tr h="212664">
+                <a:tc>
+                  <a:txBody>
+                    <a:bodyPr/>
+                    <a:lstStyle/>
+                    <a:p>
+                      <a:r>
+                        <a:rPr lang="en-US" sz="1200" dirty="0"/>
+                        <a:t>EU</a:t>
+                      </a:r>
+                    </a:p>
+                  </a:txBody>
+                  <a:tcPr/>
+                </a:tc>
+                <a:tc>
+                  <a:txBody>
+                    <a:bodyPr/>
+                    <a:lstStyle/>
+                    <a:p>
+                      <a:r>
+                        <a:rPr lang="en-US" sz="1200" dirty="0"/>
+                        <a:t>Europe</a:t>
+                      </a:r>
+                    </a:p>
+                  </a:txBody>
+                  <a:tcPr/>
+                </a:tc>
+                <a:extLst>
+                  <a:ext uri="{0D108BD9-81ED-4DB2-BD59-A6C34878D82A}">
+                    <a16:rowId xmlns:a16="http://schemas.microsoft.com/office/drawing/2014/main" val="3201544930"/>
+                  </a:ext>
+                </a:extLst>
+              </a:tr>
+              <a:tr h="212664">
+                <a:tc>
+                  <a:txBody>
+                    <a:bodyPr/>
+                    <a:lstStyle/>
+                    <a:p>
+                      <a:r>
+                        <a:rPr lang="en-US" sz="1200" dirty="0"/>
+                        <a:t>US</a:t>
+                      </a:r>
+                    </a:p>
+                  </a:txBody>
+                  <a:tcPr/>
+                </a:tc>
+                <a:tc>
+                  <a:txBody>
+                    <a:bodyPr/>
+                    <a:lstStyle/>
+                    <a:p>
+                      <a:r>
+                        <a:rPr lang="en-US" sz="1200" dirty="0"/>
+                        <a:t>USA</a:t>
+                      </a:r>
+                    </a:p>
+                  </a:txBody>
+                  <a:tcPr/>
+                </a:tc>
+                <a:extLst>
+                  <a:ext uri="{0D108BD9-81ED-4DB2-BD59-A6C34878D82A}">
+                    <a16:rowId xmlns:a16="http://schemas.microsoft.com/office/drawing/2014/main" val="864891476"/>
+                  </a:ext>
+                </a:extLst>
+              </a:tr>
+              <a:tr h="212664">
+                <a:tc>
+                  <a:txBody>
+                    <a:bodyPr/>
+                    <a:lstStyle/>
+                    <a:p>
+                      <a:r>
+                        <a:rPr lang="en-US" sz="1200" dirty="0"/>
+                        <a:t>APJ</a:t>
+                      </a:r>
+                    </a:p>
+                  </a:txBody>
+                  <a:tcPr/>
+                </a:tc>
+                <a:tc>
+                  <a:txBody>
+                    <a:bodyPr/>
+                    <a:lstStyle/>
+                    <a:p>
+                      <a:r>
+                        <a:rPr lang="en-US" sz="1200" dirty="0"/>
+                        <a:t>Asia</a:t>
+                      </a:r>
+                    </a:p>
+                  </a:txBody>
+                  <a:tcPr/>
+                </a:tc>
+                <a:extLst>
+                  <a:ext uri="{0D108BD9-81ED-4DB2-BD59-A6C34878D82A}">
+                    <a16:rowId xmlns:a16="http://schemas.microsoft.com/office/drawing/2014/main" val="668321922"/>
+                  </a:ext>
+                </a:extLst>
+              </a:tr>
+              <a:tr h="212664">
+                <a:tc>
+                  <a:txBody>
+                    <a:bodyPr/>
+                    <a:lstStyle/>
+                    <a:p>
+                      <a:endParaRPr lang="en-US" sz="1200"/>
+                    </a:p>
+                  </a:txBody>
+                  <a:tcPr/>
+                </a:tc>
+                <a:tc>
+                  <a:txBody>
+                    <a:bodyPr/>
+                    <a:lstStyle/>
+                    <a:p>
+                      <a:endParaRPr lang="en-US" sz="1200" dirty="0"/>
+                    </a:p>
+                  </a:txBody>
+                  <a:tcPr/>
+                </a:tc>
+                <a:extLst>
+                  <a:ext uri="{0D108BD9-81ED-4DB2-BD59-A6C34878D82A}">
+                    <a16:rowId xmlns:a16="http://schemas.microsoft.com/office/drawing/2014/main" val="3913733586"/>
+                  </a:ext>
+                </a:extLst>
+              </a:tr>
+            </a:tbl>
+          </a:graphicData>
+        </a:graphic>
+      </p:graphicFrame>
+      <p:sp>
+        <p:nvSpPr>
+          <p:cNvPr id="21" name="Rectangle 20">
+            <a:extLst>
+              <a:ext uri="{FF2B5EF4-FFF2-40B4-BE49-F238E27FC236}">
+                <a16:creationId xmlns:a16="http://schemas.microsoft.com/office/drawing/2014/main" id="{5D5941BE-5F3E-4E6F-BDF0-7E5CF0BFC2C5}"/>
               </a:ext>
             </a:extLst>
           </p:cNvPr>
@@ -17683,10 +16101,10 @@
         </p:nvSpPr>
         <p:spPr>
           <a:xfrm>
-            <a:off x="5257800" y="4495800"/>
-            <a:ext cx="2895600" cy="1552880"/>
+            <a:off x="68074" y="5200276"/>
+            <a:ext cx="2316986" cy="1191321"/>
           </a:xfrm>
-          <a:prstGeom prst="roundRect">
+          <a:prstGeom prst="rect">
             <a:avLst/>
           </a:prstGeom>
         </p:spPr>
@@ -17710,114 +16128,65 @@
           <a:bodyPr rtlCol="0" anchor="ctr"/>
           <a:lstStyle/>
           <a:p>
-            <a:pPr algn="ctr" defTabSz="1218987"/>
-            <a:r>
-              <a:rPr lang="en-US" sz="2400" dirty="0">
-                <a:solidFill>
-                  <a:prstClr val="white"/>
-                </a:solidFill>
-                <a:latin typeface="Calibri"/>
-              </a:rPr>
-              <a:t>Data Warehouse</a:t>
-            </a:r>
-          </a:p>
-          <a:p>
-            <a:pPr algn="ctr" defTabSz="1218987"/>
-            <a:r>
-              <a:rPr lang="en-US" sz="2400" dirty="0">
-                <a:solidFill>
-                  <a:prstClr val="white"/>
-                </a:solidFill>
-                <a:latin typeface="Calibri"/>
-              </a:rPr>
-              <a:t>(Business Warehouse) BW</a:t>
-            </a:r>
-          </a:p>
-        </p:txBody>
-      </p:sp>
-      <p:cxnSp>
-        <p:nvCxnSpPr>
-          <p:cNvPr id="22" name="Connector: Elbow 21">
-            <a:extLst>
-              <a:ext uri="{FF2B5EF4-FFF2-40B4-BE49-F238E27FC236}">
-                <a16:creationId xmlns:a16="http://schemas.microsoft.com/office/drawing/2014/main" id="{7510AB52-91A9-489D-B5D5-1AFF97FAFEEC}"/>
-              </a:ext>
-            </a:extLst>
-          </p:cNvPr>
-          <p:cNvCxnSpPr>
-            <a:stCxn id="6" idx="3"/>
-            <a:endCxn id="20" idx="0"/>
-          </p:cNvCxnSpPr>
-          <p:nvPr/>
-        </p:nvCxnSpPr>
-        <p:spPr>
-          <a:xfrm rot="16200000" flipH="1">
-            <a:off x="5663639" y="3453839"/>
-            <a:ext cx="1181118" cy="902804"/>
-          </a:xfrm>
-          <a:prstGeom prst="bentConnector3">
-            <a:avLst/>
-          </a:prstGeom>
-          <a:ln>
-            <a:tailEnd type="triangle"/>
-          </a:ln>
-        </p:spPr>
-        <p:style>
-          <a:lnRef idx="1">
-            <a:schemeClr val="accent1"/>
-          </a:lnRef>
-          <a:fillRef idx="0">
-            <a:schemeClr val="accent1"/>
-          </a:fillRef>
-          <a:effectRef idx="0">
-            <a:schemeClr val="accent1"/>
-          </a:effectRef>
-          <a:fontRef idx="minor">
-            <a:schemeClr val="tx1"/>
-          </a:fontRef>
-        </p:style>
-      </p:cxnSp>
-      <p:cxnSp>
-        <p:nvCxnSpPr>
-          <p:cNvPr id="87" name="Connector: Elbow 86">
-            <a:extLst>
-              <a:ext uri="{FF2B5EF4-FFF2-40B4-BE49-F238E27FC236}">
-                <a16:creationId xmlns:a16="http://schemas.microsoft.com/office/drawing/2014/main" id="{B59F4001-A90D-4F37-9B8D-DFCDF2C6AE26}"/>
-              </a:ext>
-            </a:extLst>
-          </p:cNvPr>
-          <p:cNvCxnSpPr>
-            <a:stCxn id="81" idx="3"/>
-          </p:cNvCxnSpPr>
-          <p:nvPr/>
-        </p:nvCxnSpPr>
-        <p:spPr>
-          <a:xfrm rot="5400000">
-            <a:off x="9478903" y="1757464"/>
-            <a:ext cx="1784597" cy="4435599"/>
-          </a:xfrm>
-          <a:prstGeom prst="bentConnector2">
-            <a:avLst/>
-          </a:prstGeom>
-          <a:ln>
-            <a:tailEnd type="triangle"/>
-          </a:ln>
-        </p:spPr>
-        <p:style>
-          <a:lnRef idx="1">
-            <a:schemeClr val="accent1"/>
-          </a:lnRef>
-          <a:fillRef idx="0">
-            <a:schemeClr val="accent1"/>
-          </a:fillRef>
-          <a:effectRef idx="0">
-            <a:schemeClr val="accent1"/>
-          </a:effectRef>
-          <a:fontRef idx="minor">
-            <a:schemeClr val="tx1"/>
-          </a:fontRef>
-        </p:style>
-      </p:cxnSp>
+            <a:pPr algn="ctr"/>
+            <a:r>
+              <a:rPr lang="en-US" dirty="0"/>
+              <a:t>TIME</a:t>
+            </a:r>
+          </a:p>
+        </p:txBody>
+      </p:sp>
+      <mc:AlternateContent xmlns:mc="http://schemas.openxmlformats.org/markup-compatibility/2006">
+        <mc:Choice xmlns:p14="http://schemas.microsoft.com/office/powerpoint/2010/main" Requires="p14">
+          <p:contentPart p14:bwMode="auto" r:id="rId3">
+            <p14:nvContentPartPr>
+              <p14:cNvPr id="114" name="Ink 113">
+                <a:extLst>
+                  <a:ext uri="{FF2B5EF4-FFF2-40B4-BE49-F238E27FC236}">
+                    <a16:creationId xmlns:a16="http://schemas.microsoft.com/office/drawing/2014/main" id="{2AC09972-823D-431E-B18A-1B8718D85BDC}"/>
+                  </a:ext>
+                </a:extLst>
+              </p14:cNvPr>
+              <p14:cNvContentPartPr/>
+              <p14:nvPr/>
+            </p14:nvContentPartPr>
+            <p14:xfrm>
+              <a:off x="2400180" y="1295520"/>
+              <a:ext cx="8245440" cy="4908240"/>
+            </p14:xfrm>
+          </p:contentPart>
+        </mc:Choice>
+        <mc:Fallback>
+          <p:pic>
+            <p:nvPicPr>
+              <p:cNvPr id="114" name="Ink 113">
+                <a:extLst>
+                  <a:ext uri="{FF2B5EF4-FFF2-40B4-BE49-F238E27FC236}">
+                    <a16:creationId xmlns:a16="http://schemas.microsoft.com/office/drawing/2014/main" id="{2AC09972-823D-431E-B18A-1B8718D85BDC}"/>
+                  </a:ext>
+                </a:extLst>
+              </p:cNvPr>
+              <p:cNvPicPr/>
+              <p:nvPr/>
+            </p:nvPicPr>
+            <p:blipFill>
+              <a:blip r:embed="rId4"/>
+              <a:stretch>
+                <a:fillRect/>
+              </a:stretch>
+            </p:blipFill>
+            <p:spPr>
+              <a:xfrm>
+                <a:off x="2391180" y="1286520"/>
+                <a:ext cx="8263080" cy="4925880"/>
+              </a:xfrm>
+              <a:prstGeom prst="rect">
+                <a:avLst/>
+              </a:prstGeom>
+            </p:spPr>
+          </p:pic>
+        </mc:Fallback>
+      </mc:AlternateContent>
     </p:spTree>
     <p:extLst>
       <p:ext uri="{BB962C8B-B14F-4D97-AF65-F5344CB8AC3E}">
